--- a/lectures/j2ee. Lecture 5.pptx
+++ b/lectures/j2ee. Lecture 5.pptx
@@ -9,16 +9,22 @@
     <p:sldId id="274" r:id="rId3"/>
     <p:sldId id="303" r:id="rId4"/>
     <p:sldId id="304" r:id="rId5"/>
-    <p:sldId id="305" r:id="rId6"/>
-    <p:sldId id="306" r:id="rId7"/>
-    <p:sldId id="307" r:id="rId8"/>
-    <p:sldId id="308" r:id="rId9"/>
-    <p:sldId id="309" r:id="rId10"/>
-    <p:sldId id="310" r:id="rId11"/>
-    <p:sldId id="311" r:id="rId12"/>
-    <p:sldId id="312" r:id="rId13"/>
-    <p:sldId id="313" r:id="rId14"/>
-    <p:sldId id="289" r:id="rId15"/>
+    <p:sldId id="316" r:id="rId6"/>
+    <p:sldId id="305" r:id="rId7"/>
+    <p:sldId id="306" r:id="rId8"/>
+    <p:sldId id="307" r:id="rId9"/>
+    <p:sldId id="308" r:id="rId10"/>
+    <p:sldId id="309" r:id="rId11"/>
+    <p:sldId id="310" r:id="rId12"/>
+    <p:sldId id="314" r:id="rId13"/>
+    <p:sldId id="317" r:id="rId14"/>
+    <p:sldId id="318" r:id="rId15"/>
+    <p:sldId id="311" r:id="rId16"/>
+    <p:sldId id="312" r:id="rId17"/>
+    <p:sldId id="313" r:id="rId18"/>
+    <p:sldId id="315" r:id="rId19"/>
+    <p:sldId id="319" r:id="rId20"/>
+    <p:sldId id="289" r:id="rId21"/>
   </p:sldIdLst>
   <p:sldSz cx="9144000" cy="6858000" type="screen4x3"/>
   <p:notesSz cx="6858000" cy="9144000"/>
@@ -117,6 +123,22 @@
       </a:defRPr>
     </a:lvl9pPr>
   </p:defaultTextStyle>
+  <p:extLst>
+    <p:ext uri="{EFAFB233-063F-42B5-8137-9DF3F51BA10A}">
+      <p15:sldGuideLst xmlns:p15="http://schemas.microsoft.com/office/powerpoint/2012/main">
+        <p15:guide id="1" orient="horz" pos="2160">
+          <p15:clr>
+            <a:srgbClr val="A4A3A4"/>
+          </p15:clr>
+        </p15:guide>
+        <p15:guide id="2" pos="2880">
+          <p15:clr>
+            <a:srgbClr val="A4A3A4"/>
+          </p15:clr>
+        </p15:guide>
+      </p15:sldGuideLst>
+    </p:ext>
+  </p:extLst>
 </p:presentation>
 </file>
 
@@ -302,7 +324,7 @@
             <a:fld id="{04794622-6F41-4D08-898D-573420FBC607}" type="datetimeFigureOut">
               <a:rPr lang="ru-RU" smtClean="0"/>
               <a:pPr/>
-              <a:t>11.11.2013</a:t>
+              <a:t>вс 15.11.15</a:t>
             </a:fld>
             <a:endParaRPr lang="ru-RU"/>
           </a:p>
@@ -469,7 +491,7 @@
             <a:fld id="{04794622-6F41-4D08-898D-573420FBC607}" type="datetimeFigureOut">
               <a:rPr lang="ru-RU" smtClean="0"/>
               <a:pPr/>
-              <a:t>11.11.2013</a:t>
+              <a:t>вс 15.11.15</a:t>
             </a:fld>
             <a:endParaRPr lang="ru-RU"/>
           </a:p>
@@ -646,7 +668,7 @@
             <a:fld id="{04794622-6F41-4D08-898D-573420FBC607}" type="datetimeFigureOut">
               <a:rPr lang="ru-RU" smtClean="0"/>
               <a:pPr/>
-              <a:t>11.11.2013</a:t>
+              <a:t>вс 15.11.15</a:t>
             </a:fld>
             <a:endParaRPr lang="ru-RU"/>
           </a:p>
@@ -813,7 +835,7 @@
             <a:fld id="{04794622-6F41-4D08-898D-573420FBC607}" type="datetimeFigureOut">
               <a:rPr lang="ru-RU" smtClean="0"/>
               <a:pPr/>
-              <a:t>11.11.2013</a:t>
+              <a:t>вс 15.11.15</a:t>
             </a:fld>
             <a:endParaRPr lang="ru-RU"/>
           </a:p>
@@ -1056,7 +1078,7 @@
             <a:fld id="{04794622-6F41-4D08-898D-573420FBC607}" type="datetimeFigureOut">
               <a:rPr lang="ru-RU" smtClean="0"/>
               <a:pPr/>
-              <a:t>11.11.2013</a:t>
+              <a:t>вс 15.11.15</a:t>
             </a:fld>
             <a:endParaRPr lang="ru-RU"/>
           </a:p>
@@ -1341,7 +1363,7 @@
             <a:fld id="{04794622-6F41-4D08-898D-573420FBC607}" type="datetimeFigureOut">
               <a:rPr lang="ru-RU" smtClean="0"/>
               <a:pPr/>
-              <a:t>11.11.2013</a:t>
+              <a:t>вс 15.11.15</a:t>
             </a:fld>
             <a:endParaRPr lang="ru-RU"/>
           </a:p>
@@ -1760,7 +1782,7 @@
             <a:fld id="{04794622-6F41-4D08-898D-573420FBC607}" type="datetimeFigureOut">
               <a:rPr lang="ru-RU" smtClean="0"/>
               <a:pPr/>
-              <a:t>11.11.2013</a:t>
+              <a:t>вс 15.11.15</a:t>
             </a:fld>
             <a:endParaRPr lang="ru-RU"/>
           </a:p>
@@ -1875,7 +1897,7 @@
             <a:fld id="{04794622-6F41-4D08-898D-573420FBC607}" type="datetimeFigureOut">
               <a:rPr lang="ru-RU" smtClean="0"/>
               <a:pPr/>
-              <a:t>11.11.2013</a:t>
+              <a:t>вс 15.11.15</a:t>
             </a:fld>
             <a:endParaRPr lang="ru-RU"/>
           </a:p>
@@ -1967,7 +1989,7 @@
             <a:fld id="{04794622-6F41-4D08-898D-573420FBC607}" type="datetimeFigureOut">
               <a:rPr lang="ru-RU" smtClean="0"/>
               <a:pPr/>
-              <a:t>11.11.2013</a:t>
+              <a:t>вс 15.11.15</a:t>
             </a:fld>
             <a:endParaRPr lang="ru-RU"/>
           </a:p>
@@ -2241,7 +2263,7 @@
             <a:fld id="{04794622-6F41-4D08-898D-573420FBC607}" type="datetimeFigureOut">
               <a:rPr lang="ru-RU" smtClean="0"/>
               <a:pPr/>
-              <a:t>11.11.2013</a:t>
+              <a:t>вс 15.11.15</a:t>
             </a:fld>
             <a:endParaRPr lang="ru-RU"/>
           </a:p>
@@ -2491,7 +2513,7 @@
             <a:fld id="{04794622-6F41-4D08-898D-573420FBC607}" type="datetimeFigureOut">
               <a:rPr lang="ru-RU" smtClean="0"/>
               <a:pPr/>
-              <a:t>11.11.2013</a:t>
+              <a:t>вс 15.11.15</a:t>
             </a:fld>
             <a:endParaRPr lang="ru-RU"/>
           </a:p>
@@ -2701,7 +2723,7 @@
             <a:fld id="{04794622-6F41-4D08-898D-573420FBC607}" type="datetimeFigureOut">
               <a:rPr lang="ru-RU" smtClean="0"/>
               <a:pPr/>
-              <a:t>11.11.2013</a:t>
+              <a:t>вс 15.11.15</a:t>
             </a:fld>
             <a:endParaRPr lang="ru-RU"/>
           </a:p>
@@ -3132,7 +3154,6 @@
               <a:rPr lang="ru-RU" dirty="0" smtClean="0"/>
               <a:t>.</a:t>
             </a:r>
-            <a:endParaRPr lang="ru-RU" dirty="0" smtClean="0"/>
           </a:p>
           <a:p>
             <a:r>
@@ -3424,7 +3445,7 @@
                 </a:solidFill>
                 <a:cs typeface="Courier New" pitchFamily="49" charset="0"/>
               </a:rPr>
-              <a:t>URL: /recipes/{id}/ingredients</a:t>
+              <a:t>URL: /recipes</a:t>
             </a:r>
           </a:p>
           <a:p>
@@ -3460,7 +3481,7 @@
                 </a:solidFill>
                 <a:cs typeface="Courier New" pitchFamily="49" charset="0"/>
               </a:rPr>
-              <a:t>получить все ингредиенты конкретного рецепты</a:t>
+              <a:t>получить все имеющиеся рецепты</a:t>
             </a:r>
             <a:endParaRPr lang="en-US" dirty="0" smtClean="0">
               <a:solidFill>
@@ -3505,7 +3526,7 @@
                 </a:solidFill>
                 <a:cs typeface="Courier New" pitchFamily="49" charset="0"/>
               </a:rPr>
-              <a:t>добавить новый ингредиент в рецепт</a:t>
+              <a:t>добавить новый рецепт</a:t>
             </a:r>
             <a:endParaRPr lang="en-US" dirty="0" smtClean="0">
               <a:solidFill>
@@ -3655,31 +3676,7 @@
                 </a:solidFill>
                 <a:cs typeface="Courier New" pitchFamily="49" charset="0"/>
               </a:rPr>
-              <a:t>/{id}/ingredients/{</a:t>
-            </a:r>
-            <a:r>
-              <a:rPr lang="en-US" dirty="0" err="1" smtClean="0">
-                <a:solidFill>
-                  <a:schemeClr val="tx1">
-                    <a:lumMod val="85000"/>
-                    <a:lumOff val="15000"/>
-                  </a:schemeClr>
-                </a:solidFill>
-                <a:cs typeface="Courier New" pitchFamily="49" charset="0"/>
-              </a:rPr>
-              <a:t>ingredientId</a:t>
-            </a:r>
-            <a:r>
-              <a:rPr lang="en-US" dirty="0" smtClean="0">
-                <a:solidFill>
-                  <a:schemeClr val="tx1">
-                    <a:lumMod val="85000"/>
-                    <a:lumOff val="15000"/>
-                  </a:schemeClr>
-                </a:solidFill>
-                <a:cs typeface="Courier New" pitchFamily="49" charset="0"/>
-              </a:rPr>
-              <a:t>}</a:t>
+              <a:t>/{id}</a:t>
             </a:r>
           </a:p>
           <a:p>
@@ -3706,16 +3703,16 @@
               <a:t>GET: </a:t>
             </a:r>
             <a:r>
-              <a:rPr lang="ru-RU" sz="1600" dirty="0" smtClean="0">
-                <a:solidFill>
-                  <a:schemeClr val="tx1">
-                    <a:lumMod val="85000"/>
-                    <a:lumOff val="15000"/>
-                  </a:schemeClr>
-                </a:solidFill>
-                <a:cs typeface="Courier New" pitchFamily="49" charset="0"/>
-              </a:rPr>
-              <a:t>получить информацию по конкретному ингредиенту конкретного рецепта</a:t>
+              <a:rPr lang="ru-RU" dirty="0" smtClean="0">
+                <a:solidFill>
+                  <a:schemeClr val="tx1">
+                    <a:lumMod val="85000"/>
+                    <a:lumOff val="15000"/>
+                  </a:schemeClr>
+                </a:solidFill>
+                <a:cs typeface="Courier New" pitchFamily="49" charset="0"/>
+              </a:rPr>
+              <a:t>получить информацию по конкретному рецепту</a:t>
             </a:r>
           </a:p>
           <a:p>
@@ -3787,8 +3784,702 @@
                 </a:solidFill>
                 <a:cs typeface="Courier New" pitchFamily="49" charset="0"/>
               </a:rPr>
+              <a:t>изменить конкретный рецепт</a:t>
+            </a:r>
+          </a:p>
+          <a:p>
+            <a:pPr marL="742950" lvl="1" indent="-285750">
+              <a:buClr>
+                <a:schemeClr val="tx1">
+                  <a:lumMod val="85000"/>
+                  <a:lumOff val="15000"/>
+                </a:schemeClr>
+              </a:buClr>
+              <a:buFont typeface="Arial" pitchFamily="34" charset="0"/>
+              <a:buChar char="•"/>
+            </a:pPr>
+            <a:r>
+              <a:rPr lang="en-US" dirty="0" smtClean="0">
+                <a:solidFill>
+                  <a:schemeClr val="tx1">
+                    <a:lumMod val="85000"/>
+                    <a:lumOff val="15000"/>
+                  </a:schemeClr>
+                </a:solidFill>
+                <a:cs typeface="Courier New" pitchFamily="49" charset="0"/>
+              </a:rPr>
+              <a:t>DELETE: </a:t>
+            </a:r>
+            <a:r>
+              <a:rPr lang="ru-RU" dirty="0" smtClean="0">
+                <a:solidFill>
+                  <a:schemeClr val="tx1">
+                    <a:lumMod val="85000"/>
+                    <a:lumOff val="15000"/>
+                  </a:schemeClr>
+                </a:solidFill>
+                <a:cs typeface="Courier New" pitchFamily="49" charset="0"/>
+              </a:rPr>
+              <a:t>удалить рецепт</a:t>
+            </a:r>
+            <a:endParaRPr lang="en-US" dirty="0" smtClean="0">
+              <a:solidFill>
+                <a:schemeClr val="tx1">
+                  <a:lumMod val="85000"/>
+                  <a:lumOff val="15000"/>
+                </a:schemeClr>
+              </a:solidFill>
+              <a:cs typeface="Courier New" pitchFamily="49" charset="0"/>
+            </a:endParaRPr>
+          </a:p>
+        </p:txBody>
+      </p:sp>
+    </p:spTree>
+    <p:extLst>
+      <p:ext uri="{BB962C8B-B14F-4D97-AF65-F5344CB8AC3E}">
+        <p14:creationId xmlns:p14="http://schemas.microsoft.com/office/powerpoint/2010/main" val="2403013580"/>
+      </p:ext>
+    </p:extLst>
+  </p:cSld>
+  <p:clrMapOvr>
+    <a:masterClrMapping/>
+  </p:clrMapOvr>
+  <p:timing>
+    <p:tnLst>
+      <p:par>
+        <p:cTn id="1" dur="indefinite" restart="never" nodeType="tmRoot"/>
+      </p:par>
+    </p:tnLst>
+  </p:timing>
+</p:sld>
+</file>
+
+<file path=ppt/slides/slide11.xml><?xml version="1.0" encoding="utf-8"?>
+<p:sld xmlns:a="http://schemas.openxmlformats.org/drawingml/2006/main" xmlns:r="http://schemas.openxmlformats.org/officeDocument/2006/relationships" xmlns:p="http://schemas.openxmlformats.org/presentationml/2006/main">
+  <p:cSld>
+    <p:spTree>
+      <p:nvGrpSpPr>
+        <p:cNvPr id="1" name=""/>
+        <p:cNvGrpSpPr/>
+        <p:nvPr/>
+      </p:nvGrpSpPr>
+      <p:grpSpPr>
+        <a:xfrm>
+          <a:off x="0" y="0"/>
+          <a:ext cx="0" cy="0"/>
+          <a:chOff x="0" y="0"/>
+          <a:chExt cx="0" cy="0"/>
+        </a:xfrm>
+      </p:grpSpPr>
+      <p:sp>
+        <p:nvSpPr>
+          <p:cNvPr id="2" name="Title 1"/>
+          <p:cNvSpPr>
+            <a:spLocks noGrp="1"/>
+          </p:cNvSpPr>
+          <p:nvPr>
+            <p:ph type="title"/>
+          </p:nvPr>
+        </p:nvSpPr>
+        <p:spPr>
+          <a:xfrm>
+            <a:off x="457200" y="274638"/>
+            <a:ext cx="8229600" cy="439718"/>
+          </a:xfrm>
+          <a:ln>
+            <a:noFill/>
+          </a:ln>
+        </p:spPr>
+        <p:txBody>
+          <a:bodyPr>
+            <a:normAutofit fontScale="90000"/>
+          </a:bodyPr>
+          <a:lstStyle/>
+          <a:p>
+            <a:pPr algn="l"/>
+            <a:r>
+              <a:rPr lang="en-US" sz="3200" dirty="0" smtClean="0"/>
+              <a:t>REST</a:t>
+            </a:r>
+            <a:endParaRPr lang="ru-RU" sz="3200" dirty="0"/>
+          </a:p>
+        </p:txBody>
+      </p:sp>
+      <p:cxnSp>
+        <p:nvCxnSpPr>
+          <p:cNvPr id="7" name="Straight Connector 6"/>
+          <p:cNvCxnSpPr/>
+          <p:nvPr/>
+        </p:nvCxnSpPr>
+        <p:spPr>
+          <a:xfrm>
+            <a:off x="428596" y="714356"/>
+            <a:ext cx="8286808" cy="1588"/>
+          </a:xfrm>
+          <a:prstGeom prst="line">
+            <a:avLst/>
+          </a:prstGeom>
+          <a:ln>
+            <a:solidFill>
+              <a:schemeClr val="tx1"/>
+            </a:solidFill>
+          </a:ln>
+        </p:spPr>
+        <p:style>
+          <a:lnRef idx="1">
+            <a:schemeClr val="accent1"/>
+          </a:lnRef>
+          <a:fillRef idx="0">
+            <a:schemeClr val="accent1"/>
+          </a:fillRef>
+          <a:effectRef idx="0">
+            <a:schemeClr val="accent1"/>
+          </a:effectRef>
+          <a:fontRef idx="minor">
+            <a:schemeClr val="tx1"/>
+          </a:fontRef>
+        </p:style>
+      </p:cxnSp>
+      <p:sp>
+        <p:nvSpPr>
+          <p:cNvPr id="10" name="TextBox 9"/>
+          <p:cNvSpPr txBox="1"/>
+          <p:nvPr/>
+        </p:nvSpPr>
+        <p:spPr>
+          <a:xfrm>
+            <a:off x="428596" y="1000108"/>
+            <a:ext cx="8286808" cy="4524315"/>
+          </a:xfrm>
+          <a:prstGeom prst="rect">
+            <a:avLst/>
+          </a:prstGeom>
+          <a:noFill/>
+        </p:spPr>
+        <p:txBody>
+          <a:bodyPr wrap="square" rtlCol="0">
+            <a:spAutoFit/>
+          </a:bodyPr>
+          <a:lstStyle/>
+          <a:p>
+            <a:pPr>
+              <a:buClr>
+                <a:schemeClr val="tx1">
+                  <a:lumMod val="85000"/>
+                  <a:lumOff val="15000"/>
+                </a:schemeClr>
+              </a:buClr>
+            </a:pPr>
+            <a:r>
+              <a:rPr lang="ru-RU" dirty="0" smtClean="0">
+                <a:solidFill>
+                  <a:schemeClr val="tx1">
+                    <a:lumMod val="85000"/>
+                    <a:lumOff val="15000"/>
+                  </a:schemeClr>
+                </a:solidFill>
+                <a:cs typeface="Courier New" pitchFamily="49" charset="0"/>
+              </a:rPr>
+              <a:t>Пример. Смоделировать </a:t>
+            </a:r>
+            <a:r>
+              <a:rPr lang="en-US" dirty="0" smtClean="0">
+                <a:solidFill>
+                  <a:schemeClr val="tx1">
+                    <a:lumMod val="85000"/>
+                    <a:lumOff val="15000"/>
+                  </a:schemeClr>
+                </a:solidFill>
+                <a:cs typeface="Courier New" pitchFamily="49" charset="0"/>
+              </a:rPr>
+              <a:t>API </a:t>
+            </a:r>
+            <a:r>
+              <a:rPr lang="ru-RU" dirty="0" smtClean="0">
+                <a:solidFill>
+                  <a:schemeClr val="tx1">
+                    <a:lumMod val="85000"/>
+                    <a:lumOff val="15000"/>
+                  </a:schemeClr>
+                </a:solidFill>
+                <a:cs typeface="Courier New" pitchFamily="49" charset="0"/>
+              </a:rPr>
+              <a:t>для работы с рецептами. Рецепт может содержать несколько ингредиентов.</a:t>
+            </a:r>
+            <a:endParaRPr lang="en-US" dirty="0" smtClean="0">
+              <a:solidFill>
+                <a:schemeClr val="tx1">
+                  <a:lumMod val="85000"/>
+                  <a:lumOff val="15000"/>
+                </a:schemeClr>
+              </a:solidFill>
+              <a:cs typeface="Courier New" pitchFamily="49" charset="0"/>
+            </a:endParaRPr>
+          </a:p>
+          <a:p>
+            <a:pPr>
+              <a:buClr>
+                <a:schemeClr val="tx1">
+                  <a:lumMod val="85000"/>
+                  <a:lumOff val="15000"/>
+                </a:schemeClr>
+              </a:buClr>
+            </a:pPr>
+            <a:endParaRPr lang="en-US" dirty="0">
+              <a:solidFill>
+                <a:schemeClr val="tx1">
+                  <a:lumMod val="85000"/>
+                  <a:lumOff val="15000"/>
+                </a:schemeClr>
+              </a:solidFill>
+              <a:cs typeface="Courier New" pitchFamily="49" charset="0"/>
+            </a:endParaRPr>
+          </a:p>
+          <a:p>
+            <a:pPr>
+              <a:buClr>
+                <a:schemeClr val="tx1">
+                  <a:lumMod val="85000"/>
+                  <a:lumOff val="15000"/>
+                </a:schemeClr>
+              </a:buClr>
+            </a:pPr>
+            <a:r>
+              <a:rPr lang="en-US" dirty="0" smtClean="0">
+                <a:solidFill>
+                  <a:schemeClr val="tx1">
+                    <a:lumMod val="85000"/>
+                    <a:lumOff val="15000"/>
+                  </a:schemeClr>
+                </a:solidFill>
+                <a:cs typeface="Courier New" pitchFamily="49" charset="0"/>
+              </a:rPr>
+              <a:t>API</a:t>
+            </a:r>
+            <a:endParaRPr lang="ru-RU" dirty="0" smtClean="0">
+              <a:solidFill>
+                <a:schemeClr val="tx1">
+                  <a:lumMod val="85000"/>
+                  <a:lumOff val="15000"/>
+                </a:schemeClr>
+              </a:solidFill>
+              <a:cs typeface="Courier New" pitchFamily="49" charset="0"/>
+            </a:endParaRPr>
+          </a:p>
+          <a:p>
+            <a:pPr>
+              <a:buClr>
+                <a:schemeClr val="tx1">
+                  <a:lumMod val="85000"/>
+                  <a:lumOff val="15000"/>
+                </a:schemeClr>
+              </a:buClr>
+            </a:pPr>
+            <a:endParaRPr lang="en-US" dirty="0" smtClean="0">
+              <a:solidFill>
+                <a:schemeClr val="tx1">
+                  <a:lumMod val="85000"/>
+                  <a:lumOff val="15000"/>
+                </a:schemeClr>
+              </a:solidFill>
+              <a:cs typeface="Courier New" pitchFamily="49" charset="0"/>
+            </a:endParaRPr>
+          </a:p>
+          <a:p>
+            <a:pPr marL="285750" indent="-285750">
+              <a:buClr>
+                <a:schemeClr val="tx1">
+                  <a:lumMod val="85000"/>
+                  <a:lumOff val="15000"/>
+                </a:schemeClr>
+              </a:buClr>
+              <a:buFont typeface="Arial" pitchFamily="34" charset="0"/>
+              <a:buChar char="•"/>
+            </a:pPr>
+            <a:r>
+              <a:rPr lang="en-US" dirty="0" smtClean="0">
+                <a:solidFill>
+                  <a:schemeClr val="tx1">
+                    <a:lumMod val="85000"/>
+                    <a:lumOff val="15000"/>
+                  </a:schemeClr>
+                </a:solidFill>
+                <a:cs typeface="Courier New" pitchFamily="49" charset="0"/>
+              </a:rPr>
+              <a:t>URL: /recipes/{id}/ingredients</a:t>
+            </a:r>
+          </a:p>
+          <a:p>
+            <a:pPr marL="742950" lvl="1" indent="-285750">
+              <a:buClr>
+                <a:schemeClr val="tx1">
+                  <a:lumMod val="85000"/>
+                  <a:lumOff val="15000"/>
+                </a:schemeClr>
+              </a:buClr>
+              <a:buFont typeface="Arial" pitchFamily="34" charset="0"/>
+              <a:buChar char="•"/>
+            </a:pPr>
+            <a:r>
+              <a:rPr lang="en-US" dirty="0" smtClean="0">
+                <a:solidFill>
+                  <a:schemeClr val="tx1">
+                    <a:lumMod val="85000"/>
+                    <a:lumOff val="15000"/>
+                  </a:schemeClr>
+                </a:solidFill>
+                <a:cs typeface="Courier New" pitchFamily="49" charset="0"/>
+              </a:rPr>
+              <a:t>GET: </a:t>
+            </a:r>
+            <a:r>
+              <a:rPr lang="ru-RU" dirty="0" smtClean="0">
+                <a:solidFill>
+                  <a:schemeClr val="tx1">
+                    <a:lumMod val="85000"/>
+                    <a:lumOff val="15000"/>
+                  </a:schemeClr>
+                </a:solidFill>
+                <a:cs typeface="Courier New" pitchFamily="49" charset="0"/>
+              </a:rPr>
+              <a:t>получить все ингредиенты конкретного рецепты</a:t>
+            </a:r>
+            <a:endParaRPr lang="en-US" dirty="0" smtClean="0">
+              <a:solidFill>
+                <a:schemeClr val="tx1">
+                  <a:lumMod val="85000"/>
+                  <a:lumOff val="15000"/>
+                </a:schemeClr>
+              </a:solidFill>
+              <a:cs typeface="Courier New" pitchFamily="49" charset="0"/>
+            </a:endParaRPr>
+          </a:p>
+          <a:p>
+            <a:pPr marL="742950" lvl="1" indent="-285750">
+              <a:buClr>
+                <a:schemeClr val="tx1">
+                  <a:lumMod val="85000"/>
+                  <a:lumOff val="15000"/>
+                </a:schemeClr>
+              </a:buClr>
+              <a:buFont typeface="Arial" pitchFamily="34" charset="0"/>
+              <a:buChar char="•"/>
+            </a:pPr>
+            <a:r>
+              <a:rPr lang="en-US" dirty="0" smtClean="0">
+                <a:solidFill>
+                  <a:schemeClr val="tx1">
+                    <a:lumMod val="85000"/>
+                    <a:lumOff val="15000"/>
+                  </a:schemeClr>
+                </a:solidFill>
+                <a:cs typeface="Courier New" pitchFamily="49" charset="0"/>
+              </a:rPr>
+              <a:t>POST: </a:t>
+            </a:r>
+            <a:r>
+              <a:rPr lang="ru-RU" dirty="0" smtClean="0">
+                <a:solidFill>
+                  <a:schemeClr val="tx1">
+                    <a:lumMod val="85000"/>
+                    <a:lumOff val="15000"/>
+                  </a:schemeClr>
+                </a:solidFill>
+                <a:cs typeface="Courier New" pitchFamily="49" charset="0"/>
+              </a:rPr>
+              <a:t>добавить новый ингредиент в рецепт</a:t>
+            </a:r>
+            <a:endParaRPr lang="en-US" dirty="0" smtClean="0">
+              <a:solidFill>
+                <a:schemeClr val="tx1">
+                  <a:lumMod val="85000"/>
+                  <a:lumOff val="15000"/>
+                </a:schemeClr>
+              </a:solidFill>
+              <a:cs typeface="Courier New" pitchFamily="49" charset="0"/>
+            </a:endParaRPr>
+          </a:p>
+          <a:p>
+            <a:pPr marL="742950" lvl="1" indent="-285750">
+              <a:buClr>
+                <a:schemeClr val="tx1">
+                  <a:lumMod val="85000"/>
+                  <a:lumOff val="15000"/>
+                </a:schemeClr>
+              </a:buClr>
+              <a:buFont typeface="Arial" pitchFamily="34" charset="0"/>
+              <a:buChar char="•"/>
+            </a:pPr>
+            <a:r>
+              <a:rPr lang="en-US" dirty="0" smtClean="0">
+                <a:solidFill>
+                  <a:schemeClr val="tx1">
+                    <a:lumMod val="85000"/>
+                    <a:lumOff val="15000"/>
+                  </a:schemeClr>
+                </a:solidFill>
+                <a:cs typeface="Courier New" pitchFamily="49" charset="0"/>
+              </a:rPr>
+              <a:t>PUT: </a:t>
+            </a:r>
+            <a:r>
+              <a:rPr lang="ru-RU" dirty="0" smtClean="0">
+                <a:solidFill>
+                  <a:schemeClr val="tx1">
+                    <a:lumMod val="85000"/>
+                    <a:lumOff val="15000"/>
+                  </a:schemeClr>
+                </a:solidFill>
+                <a:cs typeface="Courier New" pitchFamily="49" charset="0"/>
+              </a:rPr>
               <a:t>не определено</a:t>
             </a:r>
+          </a:p>
+          <a:p>
+            <a:pPr marL="742950" lvl="1" indent="-285750">
+              <a:buClr>
+                <a:schemeClr val="tx1">
+                  <a:lumMod val="85000"/>
+                  <a:lumOff val="15000"/>
+                </a:schemeClr>
+              </a:buClr>
+              <a:buFont typeface="Arial" pitchFamily="34" charset="0"/>
+              <a:buChar char="•"/>
+            </a:pPr>
+            <a:r>
+              <a:rPr lang="en-US" dirty="0" smtClean="0">
+                <a:solidFill>
+                  <a:schemeClr val="tx1">
+                    <a:lumMod val="85000"/>
+                    <a:lumOff val="15000"/>
+                  </a:schemeClr>
+                </a:solidFill>
+                <a:cs typeface="Courier New" pitchFamily="49" charset="0"/>
+              </a:rPr>
+              <a:t>DELETE: </a:t>
+            </a:r>
+            <a:r>
+              <a:rPr lang="ru-RU" dirty="0" smtClean="0">
+                <a:solidFill>
+                  <a:schemeClr val="tx1">
+                    <a:lumMod val="85000"/>
+                    <a:lumOff val="15000"/>
+                  </a:schemeClr>
+                </a:solidFill>
+                <a:cs typeface="Courier New" pitchFamily="49" charset="0"/>
+              </a:rPr>
+              <a:t>не определено</a:t>
+            </a:r>
+          </a:p>
+          <a:p>
+            <a:pPr marL="742950" lvl="1" indent="-285750">
+              <a:buClr>
+                <a:schemeClr val="tx1">
+                  <a:lumMod val="85000"/>
+                  <a:lumOff val="15000"/>
+                </a:schemeClr>
+              </a:buClr>
+              <a:buFont typeface="Arial" pitchFamily="34" charset="0"/>
+              <a:buChar char="•"/>
+            </a:pPr>
+            <a:endParaRPr lang="en-US" dirty="0" smtClean="0">
+              <a:solidFill>
+                <a:schemeClr val="tx1">
+                  <a:lumMod val="85000"/>
+                  <a:lumOff val="15000"/>
+                </a:schemeClr>
+              </a:solidFill>
+              <a:cs typeface="Courier New" pitchFamily="49" charset="0"/>
+            </a:endParaRPr>
+          </a:p>
+          <a:p>
+            <a:pPr marL="285750" indent="-285750">
+              <a:buClr>
+                <a:schemeClr val="tx1">
+                  <a:lumMod val="85000"/>
+                  <a:lumOff val="15000"/>
+                </a:schemeClr>
+              </a:buClr>
+              <a:buFont typeface="Arial" pitchFamily="34" charset="0"/>
+              <a:buChar char="•"/>
+            </a:pPr>
+            <a:r>
+              <a:rPr lang="en-US" dirty="0" smtClean="0">
+                <a:solidFill>
+                  <a:schemeClr val="tx1">
+                    <a:lumMod val="85000"/>
+                    <a:lumOff val="15000"/>
+                  </a:schemeClr>
+                </a:solidFill>
+                <a:cs typeface="Courier New" pitchFamily="49" charset="0"/>
+              </a:rPr>
+              <a:t>URL: /</a:t>
+            </a:r>
+            <a:r>
+              <a:rPr lang="en-US" dirty="0" err="1" smtClean="0">
+                <a:solidFill>
+                  <a:schemeClr val="tx1">
+                    <a:lumMod val="85000"/>
+                    <a:lumOff val="15000"/>
+                  </a:schemeClr>
+                </a:solidFill>
+                <a:cs typeface="Courier New" pitchFamily="49" charset="0"/>
+              </a:rPr>
+              <a:t>receipes</a:t>
+            </a:r>
+            <a:r>
+              <a:rPr lang="en-US" dirty="0" smtClean="0">
+                <a:solidFill>
+                  <a:schemeClr val="tx1">
+                    <a:lumMod val="85000"/>
+                    <a:lumOff val="15000"/>
+                  </a:schemeClr>
+                </a:solidFill>
+                <a:cs typeface="Courier New" pitchFamily="49" charset="0"/>
+              </a:rPr>
+              <a:t>/{id}/ingredients/{</a:t>
+            </a:r>
+            <a:r>
+              <a:rPr lang="en-US" dirty="0" err="1" smtClean="0">
+                <a:solidFill>
+                  <a:schemeClr val="tx1">
+                    <a:lumMod val="85000"/>
+                    <a:lumOff val="15000"/>
+                  </a:schemeClr>
+                </a:solidFill>
+                <a:cs typeface="Courier New" pitchFamily="49" charset="0"/>
+              </a:rPr>
+              <a:t>ingredientId</a:t>
+            </a:r>
+            <a:r>
+              <a:rPr lang="en-US" dirty="0" smtClean="0">
+                <a:solidFill>
+                  <a:schemeClr val="tx1">
+                    <a:lumMod val="85000"/>
+                    <a:lumOff val="15000"/>
+                  </a:schemeClr>
+                </a:solidFill>
+                <a:cs typeface="Courier New" pitchFamily="49" charset="0"/>
+              </a:rPr>
+              <a:t>}</a:t>
+            </a:r>
+          </a:p>
+          <a:p>
+            <a:pPr marL="742950" lvl="1" indent="-285750">
+              <a:buClr>
+                <a:schemeClr val="tx1">
+                  <a:lumMod val="85000"/>
+                  <a:lumOff val="15000"/>
+                </a:schemeClr>
+              </a:buClr>
+              <a:buFont typeface="Arial" pitchFamily="34" charset="0"/>
+              <a:buChar char="•"/>
+            </a:pPr>
+            <a:r>
+              <a:rPr lang="en-US" dirty="0" smtClean="0">
+                <a:solidFill>
+                  <a:schemeClr val="tx1">
+                    <a:lumMod val="85000"/>
+                    <a:lumOff val="15000"/>
+                  </a:schemeClr>
+                </a:solidFill>
+                <a:cs typeface="Courier New" pitchFamily="49" charset="0"/>
+              </a:rPr>
+              <a:t>GET: </a:t>
+            </a:r>
+            <a:r>
+              <a:rPr lang="ru-RU" sz="1600" dirty="0" smtClean="0">
+                <a:solidFill>
+                  <a:schemeClr val="tx1">
+                    <a:lumMod val="85000"/>
+                    <a:lumOff val="15000"/>
+                  </a:schemeClr>
+                </a:solidFill>
+                <a:cs typeface="Courier New" pitchFamily="49" charset="0"/>
+              </a:rPr>
+              <a:t>получить информацию по конкретному ингредиенту конкретного рецепта</a:t>
+            </a:r>
+          </a:p>
+          <a:p>
+            <a:pPr marL="742950" lvl="1" indent="-285750">
+              <a:buClr>
+                <a:schemeClr val="tx1">
+                  <a:lumMod val="85000"/>
+                  <a:lumOff val="15000"/>
+                </a:schemeClr>
+              </a:buClr>
+              <a:buFont typeface="Arial" pitchFamily="34" charset="0"/>
+              <a:buChar char="•"/>
+            </a:pPr>
+            <a:r>
+              <a:rPr lang="en-US" dirty="0" smtClean="0">
+                <a:solidFill>
+                  <a:schemeClr val="tx1">
+                    <a:lumMod val="85000"/>
+                    <a:lumOff val="15000"/>
+                  </a:schemeClr>
+                </a:solidFill>
+                <a:cs typeface="Courier New" pitchFamily="49" charset="0"/>
+              </a:rPr>
+              <a:t>POST: </a:t>
+            </a:r>
+            <a:r>
+              <a:rPr lang="ru-RU" dirty="0" smtClean="0">
+                <a:solidFill>
+                  <a:schemeClr val="tx1">
+                    <a:lumMod val="85000"/>
+                    <a:lumOff val="15000"/>
+                  </a:schemeClr>
+                </a:solidFill>
+                <a:cs typeface="Courier New" pitchFamily="49" charset="0"/>
+              </a:rPr>
+              <a:t>не определено</a:t>
+            </a:r>
+          </a:p>
+          <a:p>
+            <a:pPr marL="742950" lvl="1" indent="-285750">
+              <a:buClr>
+                <a:schemeClr val="tx1">
+                  <a:lumMod val="85000"/>
+                  <a:lumOff val="15000"/>
+                </a:schemeClr>
+              </a:buClr>
+              <a:buFont typeface="Arial" pitchFamily="34" charset="0"/>
+              <a:buChar char="•"/>
+            </a:pPr>
+            <a:r>
+              <a:rPr lang="en-US" dirty="0" smtClean="0">
+                <a:solidFill>
+                  <a:schemeClr val="tx1">
+                    <a:lumMod val="85000"/>
+                    <a:lumOff val="15000"/>
+                  </a:schemeClr>
+                </a:solidFill>
+                <a:cs typeface="Courier New" pitchFamily="49" charset="0"/>
+              </a:rPr>
+              <a:t>PUT: </a:t>
+            </a:r>
+            <a:r>
+              <a:rPr lang="ru-RU" dirty="0" smtClean="0">
+                <a:solidFill>
+                  <a:schemeClr val="tx1">
+                    <a:lumMod val="85000"/>
+                    <a:lumOff val="15000"/>
+                  </a:schemeClr>
+                </a:solidFill>
+                <a:cs typeface="Courier New" pitchFamily="49" charset="0"/>
+              </a:rPr>
+              <a:t>изменить параметры ингредиента в рецепте</a:t>
+            </a:r>
+            <a:endParaRPr lang="ru-RU" dirty="0" smtClean="0">
+              <a:solidFill>
+                <a:schemeClr val="tx1">
+                  <a:lumMod val="85000"/>
+                  <a:lumOff val="15000"/>
+                </a:schemeClr>
+              </a:solidFill>
+              <a:cs typeface="Courier New" pitchFamily="49" charset="0"/>
+            </a:endParaRPr>
           </a:p>
           <a:p>
             <a:pPr marL="742950" lvl="1" indent="-285750">
@@ -3857,7 +4548,594 @@
 </p:sld>
 </file>
 
-<file path=ppt/slides/slide11.xml><?xml version="1.0" encoding="utf-8"?>
+<file path=ppt/slides/slide12.xml><?xml version="1.0" encoding="utf-8"?>
+<p:sld xmlns:a="http://schemas.openxmlformats.org/drawingml/2006/main" xmlns:r="http://schemas.openxmlformats.org/officeDocument/2006/relationships" xmlns:p="http://schemas.openxmlformats.org/presentationml/2006/main">
+  <p:cSld>
+    <p:spTree>
+      <p:nvGrpSpPr>
+        <p:cNvPr id="1" name=""/>
+        <p:cNvGrpSpPr/>
+        <p:nvPr/>
+      </p:nvGrpSpPr>
+      <p:grpSpPr>
+        <a:xfrm>
+          <a:off x="0" y="0"/>
+          <a:ext cx="0" cy="0"/>
+          <a:chOff x="0" y="0"/>
+          <a:chExt cx="0" cy="0"/>
+        </a:xfrm>
+      </p:grpSpPr>
+      <p:sp>
+        <p:nvSpPr>
+          <p:cNvPr id="2" name="Title 1"/>
+          <p:cNvSpPr>
+            <a:spLocks noGrp="1"/>
+          </p:cNvSpPr>
+          <p:nvPr>
+            <p:ph type="title"/>
+          </p:nvPr>
+        </p:nvSpPr>
+        <p:spPr>
+          <a:xfrm>
+            <a:off x="457200" y="274638"/>
+            <a:ext cx="8229600" cy="439718"/>
+          </a:xfrm>
+          <a:ln>
+            <a:noFill/>
+          </a:ln>
+        </p:spPr>
+        <p:txBody>
+          <a:bodyPr>
+            <a:normAutofit fontScale="90000"/>
+          </a:bodyPr>
+          <a:lstStyle/>
+          <a:p>
+            <a:pPr algn="l"/>
+            <a:r>
+              <a:rPr lang="en-US" sz="3200" dirty="0" smtClean="0"/>
+              <a:t>Servlet’</a:t>
+            </a:r>
+            <a:r>
+              <a:rPr lang="ru-RU" sz="3200" dirty="0" smtClean="0"/>
+              <a:t>ы</a:t>
+            </a:r>
+            <a:endParaRPr lang="ru-RU" sz="3200" dirty="0"/>
+          </a:p>
+        </p:txBody>
+      </p:sp>
+      <p:cxnSp>
+        <p:nvCxnSpPr>
+          <p:cNvPr id="7" name="Straight Connector 6"/>
+          <p:cNvCxnSpPr/>
+          <p:nvPr/>
+        </p:nvCxnSpPr>
+        <p:spPr>
+          <a:xfrm>
+            <a:off x="428596" y="714356"/>
+            <a:ext cx="8286808" cy="1588"/>
+          </a:xfrm>
+          <a:prstGeom prst="line">
+            <a:avLst/>
+          </a:prstGeom>
+          <a:ln>
+            <a:solidFill>
+              <a:schemeClr val="tx1"/>
+            </a:solidFill>
+          </a:ln>
+        </p:spPr>
+        <p:style>
+          <a:lnRef idx="1">
+            <a:schemeClr val="accent1"/>
+          </a:lnRef>
+          <a:fillRef idx="0">
+            <a:schemeClr val="accent1"/>
+          </a:fillRef>
+          <a:effectRef idx="0">
+            <a:schemeClr val="accent1"/>
+          </a:effectRef>
+          <a:fontRef idx="minor">
+            <a:schemeClr val="tx1"/>
+          </a:fontRef>
+        </p:style>
+      </p:cxnSp>
+      <p:pic>
+        <p:nvPicPr>
+          <p:cNvPr id="3" name="Рисунок 2"/>
+          <p:cNvPicPr>
+            <a:picLocks noChangeAspect="1"/>
+          </p:cNvPicPr>
+          <p:nvPr/>
+        </p:nvPicPr>
+        <p:blipFill>
+          <a:blip r:embed="rId2">
+            <a:extLst>
+              <a:ext uri="{28A0092B-C50C-407E-A947-70E740481C1C}">
+                <a14:useLocalDpi xmlns:a14="http://schemas.microsoft.com/office/drawing/2010/main" val="0"/>
+              </a:ext>
+            </a:extLst>
+          </a:blip>
+          <a:stretch>
+            <a:fillRect/>
+          </a:stretch>
+        </p:blipFill>
+        <p:spPr>
+          <a:xfrm>
+            <a:off x="2219619" y="1500428"/>
+            <a:ext cx="4704762" cy="3857143"/>
+          </a:xfrm>
+          <a:prstGeom prst="rect">
+            <a:avLst/>
+          </a:prstGeom>
+        </p:spPr>
+      </p:pic>
+    </p:spTree>
+    <p:extLst>
+      <p:ext uri="{BB962C8B-B14F-4D97-AF65-F5344CB8AC3E}">
+        <p14:creationId xmlns:p14="http://schemas.microsoft.com/office/powerpoint/2010/main" val="905002364"/>
+      </p:ext>
+    </p:extLst>
+  </p:cSld>
+  <p:clrMapOvr>
+    <a:masterClrMapping/>
+  </p:clrMapOvr>
+  <p:timing>
+    <p:tnLst>
+      <p:par>
+        <p:cTn id="1" dur="indefinite" restart="never" nodeType="tmRoot"/>
+      </p:par>
+    </p:tnLst>
+  </p:timing>
+</p:sld>
+</file>
+
+<file path=ppt/slides/slide13.xml><?xml version="1.0" encoding="utf-8"?>
+<p:sld xmlns:a="http://schemas.openxmlformats.org/drawingml/2006/main" xmlns:r="http://schemas.openxmlformats.org/officeDocument/2006/relationships" xmlns:p="http://schemas.openxmlformats.org/presentationml/2006/main">
+  <p:cSld>
+    <p:spTree>
+      <p:nvGrpSpPr>
+        <p:cNvPr id="1" name=""/>
+        <p:cNvGrpSpPr/>
+        <p:nvPr/>
+      </p:nvGrpSpPr>
+      <p:grpSpPr>
+        <a:xfrm>
+          <a:off x="0" y="0"/>
+          <a:ext cx="0" cy="0"/>
+          <a:chOff x="0" y="0"/>
+          <a:chExt cx="0" cy="0"/>
+        </a:xfrm>
+      </p:grpSpPr>
+      <p:sp>
+        <p:nvSpPr>
+          <p:cNvPr id="2" name="Title 1"/>
+          <p:cNvSpPr>
+            <a:spLocks noGrp="1"/>
+          </p:cNvSpPr>
+          <p:nvPr>
+            <p:ph type="title"/>
+          </p:nvPr>
+        </p:nvSpPr>
+        <p:spPr>
+          <a:xfrm>
+            <a:off x="457200" y="274638"/>
+            <a:ext cx="8229600" cy="439718"/>
+          </a:xfrm>
+          <a:ln>
+            <a:noFill/>
+          </a:ln>
+        </p:spPr>
+        <p:txBody>
+          <a:bodyPr>
+            <a:normAutofit fontScale="90000"/>
+          </a:bodyPr>
+          <a:lstStyle/>
+          <a:p>
+            <a:pPr algn="l"/>
+            <a:r>
+              <a:rPr lang="en-US" sz="3200" dirty="0" smtClean="0"/>
+              <a:t>Servlet’</a:t>
+            </a:r>
+            <a:r>
+              <a:rPr lang="ru-RU" sz="3200" dirty="0" smtClean="0"/>
+              <a:t>ы</a:t>
+            </a:r>
+            <a:endParaRPr lang="ru-RU" sz="3200" dirty="0"/>
+          </a:p>
+        </p:txBody>
+      </p:sp>
+      <p:cxnSp>
+        <p:nvCxnSpPr>
+          <p:cNvPr id="7" name="Straight Connector 6"/>
+          <p:cNvCxnSpPr/>
+          <p:nvPr/>
+        </p:nvCxnSpPr>
+        <p:spPr>
+          <a:xfrm>
+            <a:off x="428596" y="714356"/>
+            <a:ext cx="8286808" cy="1588"/>
+          </a:xfrm>
+          <a:prstGeom prst="line">
+            <a:avLst/>
+          </a:prstGeom>
+          <a:ln>
+            <a:solidFill>
+              <a:schemeClr val="tx1"/>
+            </a:solidFill>
+          </a:ln>
+        </p:spPr>
+        <p:style>
+          <a:lnRef idx="1">
+            <a:schemeClr val="accent1"/>
+          </a:lnRef>
+          <a:fillRef idx="0">
+            <a:schemeClr val="accent1"/>
+          </a:fillRef>
+          <a:effectRef idx="0">
+            <a:schemeClr val="accent1"/>
+          </a:effectRef>
+          <a:fontRef idx="minor">
+            <a:schemeClr val="tx1"/>
+          </a:fontRef>
+        </p:style>
+      </p:cxnSp>
+      <p:pic>
+        <p:nvPicPr>
+          <p:cNvPr id="4" name="Рисунок 3"/>
+          <p:cNvPicPr>
+            <a:picLocks noChangeAspect="1"/>
+          </p:cNvPicPr>
+          <p:nvPr/>
+        </p:nvPicPr>
+        <p:blipFill>
+          <a:blip r:embed="rId2">
+            <a:extLst>
+              <a:ext uri="{28A0092B-C50C-407E-A947-70E740481C1C}">
+                <a14:useLocalDpi xmlns:a14="http://schemas.microsoft.com/office/drawing/2010/main" val="0"/>
+              </a:ext>
+            </a:extLst>
+          </a:blip>
+          <a:stretch>
+            <a:fillRect/>
+          </a:stretch>
+        </p:blipFill>
+        <p:spPr>
+          <a:xfrm>
+            <a:off x="2395809" y="1800428"/>
+            <a:ext cx="4352381" cy="3257143"/>
+          </a:xfrm>
+          <a:prstGeom prst="rect">
+            <a:avLst/>
+          </a:prstGeom>
+        </p:spPr>
+      </p:pic>
+    </p:spTree>
+    <p:extLst>
+      <p:ext uri="{BB962C8B-B14F-4D97-AF65-F5344CB8AC3E}">
+        <p14:creationId xmlns:p14="http://schemas.microsoft.com/office/powerpoint/2010/main" val="3788692268"/>
+      </p:ext>
+    </p:extLst>
+  </p:cSld>
+  <p:clrMapOvr>
+    <a:masterClrMapping/>
+  </p:clrMapOvr>
+  <p:timing>
+    <p:tnLst>
+      <p:par>
+        <p:cTn id="1" dur="indefinite" restart="never" nodeType="tmRoot"/>
+      </p:par>
+    </p:tnLst>
+  </p:timing>
+</p:sld>
+</file>
+
+<file path=ppt/slides/slide14.xml><?xml version="1.0" encoding="utf-8"?>
+<p:sld xmlns:a="http://schemas.openxmlformats.org/drawingml/2006/main" xmlns:r="http://schemas.openxmlformats.org/officeDocument/2006/relationships" xmlns:p="http://schemas.openxmlformats.org/presentationml/2006/main">
+  <p:cSld>
+    <p:spTree>
+      <p:nvGrpSpPr>
+        <p:cNvPr id="1" name=""/>
+        <p:cNvGrpSpPr/>
+        <p:nvPr/>
+      </p:nvGrpSpPr>
+      <p:grpSpPr>
+        <a:xfrm>
+          <a:off x="0" y="0"/>
+          <a:ext cx="0" cy="0"/>
+          <a:chOff x="0" y="0"/>
+          <a:chExt cx="0" cy="0"/>
+        </a:xfrm>
+      </p:grpSpPr>
+      <p:sp>
+        <p:nvSpPr>
+          <p:cNvPr id="2" name="Title 1"/>
+          <p:cNvSpPr>
+            <a:spLocks noGrp="1"/>
+          </p:cNvSpPr>
+          <p:nvPr>
+            <p:ph type="title"/>
+          </p:nvPr>
+        </p:nvSpPr>
+        <p:spPr>
+          <a:xfrm>
+            <a:off x="457200" y="274638"/>
+            <a:ext cx="8229600" cy="439718"/>
+          </a:xfrm>
+          <a:ln>
+            <a:noFill/>
+          </a:ln>
+        </p:spPr>
+        <p:txBody>
+          <a:bodyPr>
+            <a:normAutofit fontScale="90000"/>
+          </a:bodyPr>
+          <a:lstStyle/>
+          <a:p>
+            <a:pPr algn="l"/>
+            <a:r>
+              <a:rPr lang="en-US" sz="3200" dirty="0" smtClean="0"/>
+              <a:t>Servlet’</a:t>
+            </a:r>
+            <a:r>
+              <a:rPr lang="ru-RU" sz="3200" dirty="0" smtClean="0"/>
+              <a:t>ы</a:t>
+            </a:r>
+            <a:r>
+              <a:rPr lang="en-US" sz="3200" dirty="0" smtClean="0"/>
+              <a:t> </a:t>
+            </a:r>
+            <a:r>
+              <a:rPr lang="ru-RU" sz="3200" dirty="0" smtClean="0"/>
+              <a:t>и </a:t>
+            </a:r>
+            <a:r>
+              <a:rPr lang="en-US" sz="3200" dirty="0" smtClean="0"/>
+              <a:t>Spring</a:t>
+            </a:r>
+            <a:endParaRPr lang="ru-RU" sz="3200" dirty="0"/>
+          </a:p>
+        </p:txBody>
+      </p:sp>
+      <p:cxnSp>
+        <p:nvCxnSpPr>
+          <p:cNvPr id="7" name="Straight Connector 6"/>
+          <p:cNvCxnSpPr/>
+          <p:nvPr/>
+        </p:nvCxnSpPr>
+        <p:spPr>
+          <a:xfrm>
+            <a:off x="428596" y="714356"/>
+            <a:ext cx="8286808" cy="1588"/>
+          </a:xfrm>
+          <a:prstGeom prst="line">
+            <a:avLst/>
+          </a:prstGeom>
+          <a:ln>
+            <a:solidFill>
+              <a:schemeClr val="tx1"/>
+            </a:solidFill>
+          </a:ln>
+        </p:spPr>
+        <p:style>
+          <a:lnRef idx="1">
+            <a:schemeClr val="accent1"/>
+          </a:lnRef>
+          <a:fillRef idx="0">
+            <a:schemeClr val="accent1"/>
+          </a:fillRef>
+          <a:effectRef idx="0">
+            <a:schemeClr val="accent1"/>
+          </a:effectRef>
+          <a:fontRef idx="minor">
+            <a:schemeClr val="tx1"/>
+          </a:fontRef>
+        </p:style>
+      </p:cxnSp>
+      <p:sp>
+        <p:nvSpPr>
+          <p:cNvPr id="5" name="TextBox 4"/>
+          <p:cNvSpPr txBox="1"/>
+          <p:nvPr/>
+        </p:nvSpPr>
+        <p:spPr>
+          <a:xfrm>
+            <a:off x="428596" y="1000108"/>
+            <a:ext cx="8286808" cy="923330"/>
+          </a:xfrm>
+          <a:prstGeom prst="rect">
+            <a:avLst/>
+          </a:prstGeom>
+          <a:noFill/>
+        </p:spPr>
+        <p:txBody>
+          <a:bodyPr wrap="square" rtlCol="0">
+            <a:spAutoFit/>
+          </a:bodyPr>
+          <a:lstStyle/>
+          <a:p>
+            <a:pPr marL="285750" indent="-285750">
+              <a:buClr>
+                <a:schemeClr val="tx1">
+                  <a:lumMod val="85000"/>
+                  <a:lumOff val="15000"/>
+                </a:schemeClr>
+              </a:buClr>
+              <a:buFont typeface="Arial" panose="020B0604020202020204" pitchFamily="34" charset="0"/>
+              <a:buChar char="•"/>
+            </a:pPr>
+            <a:r>
+              <a:rPr lang="ru-RU" dirty="0" smtClean="0">
+                <a:solidFill>
+                  <a:schemeClr val="tx1">
+                    <a:lumMod val="85000"/>
+                    <a:lumOff val="15000"/>
+                  </a:schemeClr>
+                </a:solidFill>
+                <a:cs typeface="Courier New" pitchFamily="49" charset="0"/>
+              </a:rPr>
+              <a:t>Предоставляет корневой </a:t>
+            </a:r>
+            <a:r>
+              <a:rPr lang="ru-RU" dirty="0" err="1" smtClean="0">
+                <a:solidFill>
+                  <a:schemeClr val="tx1">
+                    <a:lumMod val="85000"/>
+                    <a:lumOff val="15000"/>
+                  </a:schemeClr>
+                </a:solidFill>
+                <a:cs typeface="Courier New" pitchFamily="49" charset="0"/>
+              </a:rPr>
+              <a:t>сервлет</a:t>
+            </a:r>
+            <a:r>
+              <a:rPr lang="ru-RU" dirty="0" smtClean="0">
+                <a:solidFill>
+                  <a:schemeClr val="tx1">
+                    <a:lumMod val="85000"/>
+                    <a:lumOff val="15000"/>
+                  </a:schemeClr>
+                </a:solidFill>
+                <a:cs typeface="Courier New" pitchFamily="49" charset="0"/>
+              </a:rPr>
+              <a:t>, который берет на себя всю основную работу</a:t>
+            </a:r>
+          </a:p>
+          <a:p>
+            <a:pPr marL="742950" lvl="1" indent="-285750">
+              <a:buClr>
+                <a:schemeClr val="tx1">
+                  <a:lumMod val="85000"/>
+                  <a:lumOff val="15000"/>
+                </a:schemeClr>
+              </a:buClr>
+              <a:buFont typeface="Arial" panose="020B0604020202020204" pitchFamily="34" charset="0"/>
+              <a:buChar char="•"/>
+            </a:pPr>
+            <a:r>
+              <a:rPr lang="en-US" dirty="0" err="1" smtClean="0">
+                <a:solidFill>
+                  <a:schemeClr val="tx1">
+                    <a:lumMod val="85000"/>
+                    <a:lumOff val="15000"/>
+                  </a:schemeClr>
+                </a:solidFill>
+                <a:cs typeface="Courier New" pitchFamily="49" charset="0"/>
+              </a:rPr>
+              <a:t>org.springframework.web.servlet.DispatcherServlet</a:t>
+            </a:r>
+            <a:endParaRPr lang="ru-RU" dirty="0" smtClean="0">
+              <a:solidFill>
+                <a:schemeClr val="tx1">
+                  <a:lumMod val="85000"/>
+                  <a:lumOff val="15000"/>
+                </a:schemeClr>
+              </a:solidFill>
+              <a:cs typeface="Courier New" pitchFamily="49" charset="0"/>
+            </a:endParaRPr>
+          </a:p>
+          <a:p>
+            <a:pPr marL="285750" indent="-285750">
+              <a:buClr>
+                <a:schemeClr val="tx1">
+                  <a:lumMod val="85000"/>
+                  <a:lumOff val="15000"/>
+                </a:schemeClr>
+              </a:buClr>
+              <a:buFont typeface="Arial" panose="020B0604020202020204" pitchFamily="34" charset="0"/>
+              <a:buChar char="•"/>
+            </a:pPr>
+            <a:r>
+              <a:rPr lang="ru-RU" dirty="0" smtClean="0">
+                <a:solidFill>
+                  <a:schemeClr val="tx1">
+                    <a:lumMod val="85000"/>
+                    <a:lumOff val="15000"/>
+                  </a:schemeClr>
+                </a:solidFill>
+                <a:cs typeface="Courier New" pitchFamily="49" charset="0"/>
+              </a:rPr>
+              <a:t>Оперируем понятием контроллера </a:t>
+            </a:r>
+            <a:r>
+              <a:rPr lang="en-US" dirty="0" smtClean="0">
+                <a:solidFill>
+                  <a:schemeClr val="tx1">
+                    <a:lumMod val="85000"/>
+                    <a:lumOff val="15000"/>
+                  </a:schemeClr>
+                </a:solidFill>
+                <a:cs typeface="Courier New" pitchFamily="49" charset="0"/>
+              </a:rPr>
+              <a:t>(</a:t>
+            </a:r>
+            <a:r>
+              <a:rPr lang="ru-RU" dirty="0" smtClean="0">
+                <a:solidFill>
+                  <a:schemeClr val="tx1">
+                    <a:lumMod val="85000"/>
+                    <a:lumOff val="15000"/>
+                  </a:schemeClr>
+                </a:solidFill>
+                <a:cs typeface="Courier New" pitchFamily="49" charset="0"/>
+              </a:rPr>
+              <a:t>см. </a:t>
+            </a:r>
+            <a:r>
+              <a:rPr lang="en-US" dirty="0" smtClean="0">
+                <a:solidFill>
+                  <a:schemeClr val="tx1">
+                    <a:lumMod val="85000"/>
+                    <a:lumOff val="15000"/>
+                  </a:schemeClr>
+                </a:solidFill>
+                <a:cs typeface="Courier New" pitchFamily="49" charset="0"/>
+              </a:rPr>
+              <a:t>MVC</a:t>
+            </a:r>
+            <a:r>
+              <a:rPr lang="ru-RU" dirty="0" smtClean="0">
+                <a:solidFill>
+                  <a:schemeClr val="tx1">
+                    <a:lumMod val="85000"/>
+                    <a:lumOff val="15000"/>
+                  </a:schemeClr>
+                </a:solidFill>
+                <a:cs typeface="Courier New" pitchFamily="49" charset="0"/>
+              </a:rPr>
+              <a:t> в следующей лекции)</a:t>
+            </a:r>
+            <a:endParaRPr lang="en-US" dirty="0" smtClean="0">
+              <a:solidFill>
+                <a:schemeClr val="tx1">
+                  <a:lumMod val="85000"/>
+                  <a:lumOff val="15000"/>
+                </a:schemeClr>
+              </a:solidFill>
+              <a:cs typeface="Courier New" pitchFamily="49" charset="0"/>
+            </a:endParaRPr>
+          </a:p>
+        </p:txBody>
+      </p:sp>
+    </p:spTree>
+    <p:extLst>
+      <p:ext uri="{BB962C8B-B14F-4D97-AF65-F5344CB8AC3E}">
+        <p14:creationId xmlns:p14="http://schemas.microsoft.com/office/powerpoint/2010/main" val="2115997432"/>
+      </p:ext>
+    </p:extLst>
+  </p:cSld>
+  <p:clrMapOvr>
+    <a:masterClrMapping/>
+  </p:clrMapOvr>
+  <p:timing>
+    <p:tnLst>
+      <p:par>
+        <p:cTn id="1" dur="indefinite" restart="never" nodeType="tmRoot"/>
+      </p:par>
+    </p:tnLst>
+  </p:timing>
+</p:sld>
+</file>
+
+<file path=ppt/slides/slide15.xml><?xml version="1.0" encoding="utf-8"?>
 <p:sld xmlns:a="http://schemas.openxmlformats.org/drawingml/2006/main" xmlns:r="http://schemas.openxmlformats.org/officeDocument/2006/relationships" xmlns:p="http://schemas.openxmlformats.org/presentationml/2006/main">
   <p:cSld>
     <p:spTree>
@@ -5064,7 +6342,7 @@
 </p:sld>
 </file>
 
-<file path=ppt/slides/slide12.xml><?xml version="1.0" encoding="utf-8"?>
+<file path=ppt/slides/slide16.xml><?xml version="1.0" encoding="utf-8"?>
 <p:sld xmlns:a="http://schemas.openxmlformats.org/drawingml/2006/main" xmlns:r="http://schemas.openxmlformats.org/officeDocument/2006/relationships" xmlns:p="http://schemas.openxmlformats.org/presentationml/2006/main">
   <p:cSld>
     <p:spTree>
@@ -6099,7 +7377,7 @@
 </p:sld>
 </file>
 
-<file path=ppt/slides/slide13.xml><?xml version="1.0" encoding="utf-8"?>
+<file path=ppt/slides/slide17.xml><?xml version="1.0" encoding="utf-8"?>
 <p:sld xmlns:a="http://schemas.openxmlformats.org/drawingml/2006/main" xmlns:r="http://schemas.openxmlformats.org/officeDocument/2006/relationships" xmlns:p="http://schemas.openxmlformats.org/presentationml/2006/main">
   <p:cSld>
     <p:spTree>
@@ -6358,7 +7636,7 @@
 </p:sld>
 </file>
 
-<file path=ppt/slides/slide14.xml><?xml version="1.0" encoding="utf-8"?>
+<file path=ppt/slides/slide18.xml><?xml version="1.0" encoding="utf-8"?>
 <p:sld xmlns:a="http://schemas.openxmlformats.org/drawingml/2006/main" xmlns:r="http://schemas.openxmlformats.org/officeDocument/2006/relationships" xmlns:p="http://schemas.openxmlformats.org/presentationml/2006/main">
   <p:cSld>
     <p:spTree>
@@ -6402,8 +7680,8 @@
           <a:p>
             <a:pPr algn="l"/>
             <a:r>
-              <a:rPr lang="ru-RU" sz="3200" dirty="0" smtClean="0"/>
-              <a:t>Задача</a:t>
+              <a:rPr lang="en-US" sz="3200" dirty="0" smtClean="0"/>
+              <a:t>Google Chrome – REST Console</a:t>
             </a:r>
             <a:endParaRPr lang="ru-RU" sz="3200" dirty="0"/>
           </a:p>
@@ -6453,7 +7731,7 @@
         <p:spPr>
           <a:xfrm>
             <a:off x="428596" y="1000108"/>
-            <a:ext cx="8286808" cy="5509200"/>
+            <a:ext cx="8286808" cy="738664"/>
           </a:xfrm>
           <a:prstGeom prst="rect">
             <a:avLst/>
@@ -6466,6 +7744,218 @@
           </a:bodyPr>
           <a:lstStyle/>
           <a:p>
+            <a:pPr>
+              <a:buClr>
+                <a:schemeClr val="tx1">
+                  <a:lumMod val="85000"/>
+                  <a:lumOff val="15000"/>
+                </a:schemeClr>
+              </a:buClr>
+            </a:pPr>
+            <a:r>
+              <a:rPr lang="en-US" sz="1400" b="1" dirty="0">
+                <a:solidFill>
+                  <a:schemeClr val="tx1">
+                    <a:lumMod val="85000"/>
+                    <a:lumOff val="15000"/>
+                  </a:schemeClr>
+                </a:solidFill>
+                <a:latin typeface="Courier New" pitchFamily="49" charset="0"/>
+                <a:cs typeface="Courier New" pitchFamily="49" charset="0"/>
+              </a:rPr>
+              <a:t>https://chrome.google.com/webstore/detail/rest-console/cokgbflfommojglbmbpenpphppikmonn</a:t>
+            </a:r>
+            <a:endParaRPr lang="en-US" sz="1400" b="1" dirty="0">
+              <a:solidFill>
+                <a:schemeClr val="tx1">
+                  <a:lumMod val="85000"/>
+                  <a:lumOff val="15000"/>
+                </a:schemeClr>
+              </a:solidFill>
+              <a:latin typeface="Courier New" pitchFamily="49" charset="0"/>
+              <a:cs typeface="Courier New" pitchFamily="49" charset="0"/>
+            </a:endParaRPr>
+          </a:p>
+          <a:p>
+            <a:pPr>
+              <a:buClr>
+                <a:schemeClr val="tx1">
+                  <a:lumMod val="85000"/>
+                  <a:lumOff val="15000"/>
+                </a:schemeClr>
+              </a:buClr>
+            </a:pPr>
+            <a:endParaRPr lang="en-US" sz="1400" b="1" dirty="0" smtClean="0">
+              <a:solidFill>
+                <a:schemeClr val="tx1">
+                  <a:lumMod val="85000"/>
+                  <a:lumOff val="15000"/>
+                </a:schemeClr>
+              </a:solidFill>
+              <a:latin typeface="Courier New" pitchFamily="49" charset="0"/>
+              <a:cs typeface="Courier New" pitchFamily="49" charset="0"/>
+            </a:endParaRPr>
+          </a:p>
+        </p:txBody>
+      </p:sp>
+      <p:pic>
+        <p:nvPicPr>
+          <p:cNvPr id="3" name="Рисунок 2"/>
+          <p:cNvPicPr>
+            <a:picLocks noChangeAspect="1"/>
+          </p:cNvPicPr>
+          <p:nvPr/>
+        </p:nvPicPr>
+        <p:blipFill>
+          <a:blip r:embed="rId2">
+            <a:extLst>
+              <a:ext uri="{28A0092B-C50C-407E-A947-70E740481C1C}">
+                <a14:useLocalDpi xmlns:a14="http://schemas.microsoft.com/office/drawing/2010/main" val="0"/>
+              </a:ext>
+            </a:extLst>
+          </a:blip>
+          <a:stretch>
+            <a:fillRect/>
+          </a:stretch>
+        </p:blipFill>
+        <p:spPr>
+          <a:xfrm>
+            <a:off x="1349896" y="1628800"/>
+            <a:ext cx="6444208" cy="4697472"/>
+          </a:xfrm>
+          <a:prstGeom prst="rect">
+            <a:avLst/>
+          </a:prstGeom>
+        </p:spPr>
+      </p:pic>
+    </p:spTree>
+    <p:extLst>
+      <p:ext uri="{BB962C8B-B14F-4D97-AF65-F5344CB8AC3E}">
+        <p14:creationId xmlns:p14="http://schemas.microsoft.com/office/powerpoint/2010/main" val="1097322893"/>
+      </p:ext>
+    </p:extLst>
+  </p:cSld>
+  <p:clrMapOvr>
+    <a:masterClrMapping/>
+  </p:clrMapOvr>
+  <p:timing>
+    <p:tnLst>
+      <p:par>
+        <p:cTn id="1" dur="indefinite" restart="never" nodeType="tmRoot"/>
+      </p:par>
+    </p:tnLst>
+  </p:timing>
+</p:sld>
+</file>
+
+<file path=ppt/slides/slide19.xml><?xml version="1.0" encoding="utf-8"?>
+<p:sld xmlns:a="http://schemas.openxmlformats.org/drawingml/2006/main" xmlns:r="http://schemas.openxmlformats.org/officeDocument/2006/relationships" xmlns:p="http://schemas.openxmlformats.org/presentationml/2006/main">
+  <p:cSld>
+    <p:spTree>
+      <p:nvGrpSpPr>
+        <p:cNvPr id="1" name=""/>
+        <p:cNvGrpSpPr/>
+        <p:nvPr/>
+      </p:nvGrpSpPr>
+      <p:grpSpPr>
+        <a:xfrm>
+          <a:off x="0" y="0"/>
+          <a:ext cx="0" cy="0"/>
+          <a:chOff x="0" y="0"/>
+          <a:chExt cx="0" cy="0"/>
+        </a:xfrm>
+      </p:grpSpPr>
+      <p:sp>
+        <p:nvSpPr>
+          <p:cNvPr id="2" name="Title 1"/>
+          <p:cNvSpPr>
+            <a:spLocks noGrp="1"/>
+          </p:cNvSpPr>
+          <p:nvPr>
+            <p:ph type="title"/>
+          </p:nvPr>
+        </p:nvSpPr>
+        <p:spPr>
+          <a:xfrm>
+            <a:off x="457200" y="274638"/>
+            <a:ext cx="8229600" cy="439718"/>
+          </a:xfrm>
+          <a:ln>
+            <a:noFill/>
+          </a:ln>
+        </p:spPr>
+        <p:txBody>
+          <a:bodyPr>
+            <a:normAutofit fontScale="90000"/>
+          </a:bodyPr>
+          <a:lstStyle/>
+          <a:p>
+            <a:pPr algn="l"/>
+            <a:r>
+              <a:rPr lang="ru-RU" sz="3200" dirty="0" smtClean="0"/>
+              <a:t>Задача</a:t>
+            </a:r>
+            <a:endParaRPr lang="ru-RU" sz="3200" dirty="0"/>
+          </a:p>
+        </p:txBody>
+      </p:sp>
+      <p:cxnSp>
+        <p:nvCxnSpPr>
+          <p:cNvPr id="7" name="Straight Connector 6"/>
+          <p:cNvCxnSpPr/>
+          <p:nvPr/>
+        </p:nvCxnSpPr>
+        <p:spPr>
+          <a:xfrm>
+            <a:off x="428596" y="714356"/>
+            <a:ext cx="8286808" cy="1588"/>
+          </a:xfrm>
+          <a:prstGeom prst="line">
+            <a:avLst/>
+          </a:prstGeom>
+          <a:ln>
+            <a:solidFill>
+              <a:schemeClr val="tx1"/>
+            </a:solidFill>
+          </a:ln>
+        </p:spPr>
+        <p:style>
+          <a:lnRef idx="1">
+            <a:schemeClr val="accent1"/>
+          </a:lnRef>
+          <a:fillRef idx="0">
+            <a:schemeClr val="accent1"/>
+          </a:fillRef>
+          <a:effectRef idx="0">
+            <a:schemeClr val="accent1"/>
+          </a:effectRef>
+          <a:fontRef idx="minor">
+            <a:schemeClr val="tx1"/>
+          </a:fontRef>
+        </p:style>
+      </p:cxnSp>
+      <p:sp>
+        <p:nvSpPr>
+          <p:cNvPr id="10" name="TextBox 9"/>
+          <p:cNvSpPr txBox="1"/>
+          <p:nvPr/>
+        </p:nvSpPr>
+        <p:spPr>
+          <a:xfrm>
+            <a:off x="428596" y="1000108"/>
+            <a:ext cx="8286808" cy="5016758"/>
+          </a:xfrm>
+          <a:prstGeom prst="rect">
+            <a:avLst/>
+          </a:prstGeom>
+          <a:noFill/>
+        </p:spPr>
+        <p:txBody>
+          <a:bodyPr wrap="square" rtlCol="0">
+            <a:spAutoFit/>
+          </a:bodyPr>
+          <a:lstStyle/>
+          <a:p>
             <a:pPr marL="342900" indent="-342900">
               <a:buAutoNum type="arabicPeriod"/>
             </a:pPr>
@@ -6479,14 +7969,35 @@
               <a:rPr lang="en-US" sz="1600" dirty="0" smtClean="0">
                 <a:cs typeface="Courier New" pitchFamily="49" charset="0"/>
               </a:rPr>
-              <a:t>Web-</a:t>
+              <a:t>REST Web-</a:t>
             </a:r>
             <a:r>
               <a:rPr lang="ru-RU" sz="1600" dirty="0" smtClean="0">
                 <a:cs typeface="Courier New" pitchFamily="49" charset="0"/>
               </a:rPr>
-              <a:t>сервис работы со складом</a:t>
-            </a:r>
+              <a:t>сервис работы со </a:t>
+            </a:r>
+            <a:r>
+              <a:rPr lang="ru-RU" sz="1600" dirty="0" smtClean="0">
+                <a:cs typeface="Courier New" pitchFamily="49" charset="0"/>
+              </a:rPr>
+              <a:t>складом</a:t>
+            </a:r>
+            <a:r>
+              <a:rPr lang="en-US" sz="1600" dirty="0" smtClean="0">
+                <a:cs typeface="Courier New" pitchFamily="49" charset="0"/>
+              </a:rPr>
+              <a:t>. </a:t>
+            </a:r>
+            <a:r>
+              <a:rPr lang="ru-RU" sz="1600" dirty="0" smtClean="0">
+                <a:cs typeface="Courier New" pitchFamily="49" charset="0"/>
+              </a:rPr>
+              <a:t>Считается, что склады уже созданы, аккаунты клиентов заведены</a:t>
+            </a:r>
+            <a:endParaRPr lang="ru-RU" sz="1600" dirty="0" smtClean="0">
+              <a:cs typeface="Courier New" pitchFamily="49" charset="0"/>
+            </a:endParaRPr>
           </a:p>
           <a:p>
             <a:pPr marL="800100" lvl="1" indent="-342900">
@@ -6496,14 +8007,37 @@
               <a:rPr lang="ru-RU" sz="1600" dirty="0" smtClean="0">
                 <a:cs typeface="Courier New" pitchFamily="49" charset="0"/>
               </a:rPr>
-              <a:t>Запросить информацию об ассортименте на складе (</a:t>
-            </a:r>
+              <a:t>Запросить информацию об ассортименте на складе </a:t>
+            </a:r>
+            <a:endParaRPr lang="en-US" sz="1600" dirty="0" smtClean="0">
+              <a:cs typeface="Courier New" pitchFamily="49" charset="0"/>
+            </a:endParaRPr>
+          </a:p>
+          <a:p>
+            <a:pPr marL="1257300" lvl="2" indent="-342900">
+              <a:buAutoNum type="arabicPeriod"/>
+            </a:pPr>
             <a:r>
               <a:rPr lang="en-US" sz="1600" dirty="0" smtClean="0">
                 <a:cs typeface="Courier New" pitchFamily="49" charset="0"/>
               </a:rPr>
-              <a:t>GET:/warehouse/products)</a:t>
-            </a:r>
+              <a:t>GET: /warehouse/{</a:t>
+            </a:r>
+            <a:r>
+              <a:rPr lang="en-US" sz="1600" dirty="0" err="1" smtClean="0">
+                <a:cs typeface="Courier New" pitchFamily="49" charset="0"/>
+              </a:rPr>
+              <a:t>warehouseId</a:t>
+            </a:r>
+            <a:r>
+              <a:rPr lang="en-US" sz="1600" dirty="0" smtClean="0">
+                <a:cs typeface="Courier New" pitchFamily="49" charset="0"/>
+              </a:rPr>
+              <a:t>}/products</a:t>
+            </a:r>
+            <a:endParaRPr lang="en-US" sz="1600" dirty="0" smtClean="0">
+              <a:cs typeface="Courier New" pitchFamily="49" charset="0"/>
+            </a:endParaRPr>
           </a:p>
           <a:p>
             <a:pPr marL="800100" lvl="1" indent="-342900">
@@ -6513,14 +8047,37 @@
               <a:rPr lang="ru-RU" sz="1600" dirty="0" smtClean="0">
                 <a:cs typeface="Courier New" pitchFamily="49" charset="0"/>
               </a:rPr>
-              <a:t>Добавить товар на склад (</a:t>
-            </a:r>
+              <a:t>Добавить товар на склад </a:t>
+            </a:r>
+            <a:endParaRPr lang="en-US" sz="1600" dirty="0" smtClean="0">
+              <a:cs typeface="Courier New" pitchFamily="49" charset="0"/>
+            </a:endParaRPr>
+          </a:p>
+          <a:p>
+            <a:pPr marL="1257300" lvl="2" indent="-342900">
+              <a:buAutoNum type="arabicPeriod"/>
+            </a:pPr>
             <a:r>
               <a:rPr lang="en-US" sz="1600" dirty="0" smtClean="0">
                 <a:cs typeface="Courier New" pitchFamily="49" charset="0"/>
               </a:rPr>
-              <a:t>POST:/warehouse/products)</a:t>
-            </a:r>
+              <a:t>POST: /warehouse/{</a:t>
+            </a:r>
+            <a:r>
+              <a:rPr lang="en-US" sz="1600" dirty="0" err="1" smtClean="0">
+                <a:cs typeface="Courier New" pitchFamily="49" charset="0"/>
+              </a:rPr>
+              <a:t>warehouseId</a:t>
+            </a:r>
+            <a:r>
+              <a:rPr lang="en-US" sz="1600" dirty="0" smtClean="0">
+                <a:cs typeface="Courier New" pitchFamily="49" charset="0"/>
+              </a:rPr>
+              <a:t>}/products</a:t>
+            </a:r>
+            <a:endParaRPr lang="en-US" sz="1600" dirty="0" smtClean="0">
+              <a:cs typeface="Courier New" pitchFamily="49" charset="0"/>
+            </a:endParaRPr>
           </a:p>
           <a:p>
             <a:pPr marL="800100" lvl="1" indent="-342900">
@@ -6530,14 +8087,49 @@
               <a:rPr lang="ru-RU" sz="1600" dirty="0" smtClean="0">
                 <a:cs typeface="Courier New" pitchFamily="49" charset="0"/>
               </a:rPr>
-              <a:t>Удалить товар со склада (</a:t>
-            </a:r>
+              <a:t>Удалить товар со склада </a:t>
+            </a:r>
+            <a:endParaRPr lang="en-US" sz="1600" dirty="0" smtClean="0">
+              <a:cs typeface="Courier New" pitchFamily="49" charset="0"/>
+            </a:endParaRPr>
+          </a:p>
+          <a:p>
+            <a:pPr marL="1257300" lvl="2" indent="-342900">
+              <a:buAutoNum type="arabicPeriod"/>
+            </a:pPr>
             <a:r>
               <a:rPr lang="en-US" sz="1600" dirty="0" smtClean="0">
                 <a:cs typeface="Courier New" pitchFamily="49" charset="0"/>
               </a:rPr>
-              <a:t>DELETE:/warehouse/products/{id})</a:t>
-            </a:r>
+              <a:t>DELETE: /warehouse/{</a:t>
+            </a:r>
+            <a:r>
+              <a:rPr lang="en-US" sz="1600" dirty="0" err="1" smtClean="0">
+                <a:cs typeface="Courier New" pitchFamily="49" charset="0"/>
+              </a:rPr>
+              <a:t>warehouseId</a:t>
+            </a:r>
+            <a:r>
+              <a:rPr lang="en-US" sz="1600" dirty="0" smtClean="0">
+                <a:cs typeface="Courier New" pitchFamily="49" charset="0"/>
+              </a:rPr>
+              <a:t>}/products/{</a:t>
+            </a:r>
+            <a:r>
+              <a:rPr lang="en-US" sz="1600" dirty="0" err="1" smtClean="0">
+                <a:cs typeface="Courier New" pitchFamily="49" charset="0"/>
+              </a:rPr>
+              <a:t>productId</a:t>
+            </a:r>
+            <a:r>
+              <a:rPr lang="en-US" sz="1600" dirty="0" smtClean="0">
+                <a:cs typeface="Courier New" pitchFamily="49" charset="0"/>
+              </a:rPr>
+              <a:t>}</a:t>
+            </a:r>
+            <a:endParaRPr lang="en-US" sz="1600" dirty="0" smtClean="0">
+              <a:cs typeface="Courier New" pitchFamily="49" charset="0"/>
+            </a:endParaRPr>
           </a:p>
           <a:p>
             <a:pPr marL="800100" lvl="1" indent="-342900">
@@ -6547,14 +8139,49 @@
               <a:rPr lang="ru-RU" sz="1600" dirty="0" smtClean="0">
                 <a:cs typeface="Courier New" pitchFamily="49" charset="0"/>
               </a:rPr>
-              <a:t>Изменить параметры товара на складе (</a:t>
-            </a:r>
+              <a:t>Изменить параметры товара на складе </a:t>
+            </a:r>
+            <a:endParaRPr lang="en-US" sz="1600" dirty="0" smtClean="0">
+              <a:cs typeface="Courier New" pitchFamily="49" charset="0"/>
+            </a:endParaRPr>
+          </a:p>
+          <a:p>
+            <a:pPr marL="1257300" lvl="2" indent="-342900">
+              <a:buAutoNum type="arabicPeriod"/>
+            </a:pPr>
             <a:r>
               <a:rPr lang="en-US" sz="1600" dirty="0" smtClean="0">
                 <a:cs typeface="Courier New" pitchFamily="49" charset="0"/>
               </a:rPr>
-              <a:t>PUT:/warehouse/products/{id})</a:t>
-            </a:r>
+              <a:t>PUT: /warehouse/{</a:t>
+            </a:r>
+            <a:r>
+              <a:rPr lang="en-US" sz="1600" dirty="0" err="1" smtClean="0">
+                <a:cs typeface="Courier New" pitchFamily="49" charset="0"/>
+              </a:rPr>
+              <a:t>warehouseId</a:t>
+            </a:r>
+            <a:r>
+              <a:rPr lang="en-US" sz="1600" dirty="0" smtClean="0">
+                <a:cs typeface="Courier New" pitchFamily="49" charset="0"/>
+              </a:rPr>
+              <a:t>}/products/{</a:t>
+            </a:r>
+            <a:r>
+              <a:rPr lang="en-US" sz="1600" dirty="0" err="1" smtClean="0">
+                <a:cs typeface="Courier New" pitchFamily="49" charset="0"/>
+              </a:rPr>
+              <a:t>productId</a:t>
+            </a:r>
+            <a:r>
+              <a:rPr lang="en-US" sz="1600" dirty="0" smtClean="0">
+                <a:cs typeface="Courier New" pitchFamily="49" charset="0"/>
+              </a:rPr>
+              <a:t>}</a:t>
+            </a:r>
+            <a:endParaRPr lang="en-US" sz="1600" dirty="0" smtClean="0">
+              <a:cs typeface="Courier New" pitchFamily="49" charset="0"/>
+            </a:endParaRPr>
           </a:p>
           <a:p>
             <a:pPr marL="800100" lvl="1" indent="-342900">
@@ -6564,14 +8191,37 @@
               <a:rPr lang="ru-RU" sz="1600" dirty="0" smtClean="0">
                 <a:cs typeface="Courier New" pitchFamily="49" charset="0"/>
               </a:rPr>
-              <a:t>Разместить заказ (</a:t>
-            </a:r>
+              <a:t>Разместить заказ </a:t>
+            </a:r>
+            <a:endParaRPr lang="en-US" sz="1600" dirty="0" smtClean="0">
+              <a:cs typeface="Courier New" pitchFamily="49" charset="0"/>
+            </a:endParaRPr>
+          </a:p>
+          <a:p>
+            <a:pPr marL="1257300" lvl="2" indent="-342900">
+              <a:buAutoNum type="arabicPeriod"/>
+            </a:pPr>
             <a:r>
               <a:rPr lang="en-US" sz="1600" dirty="0" smtClean="0">
                 <a:cs typeface="Courier New" pitchFamily="49" charset="0"/>
               </a:rPr>
-              <a:t>POST:/warehouse/orders)</a:t>
-            </a:r>
+              <a:t>POST: /</a:t>
+            </a:r>
+            <a:r>
+              <a:rPr lang="en-US" sz="1600" dirty="0" err="1" smtClean="0">
+                <a:cs typeface="Courier New" pitchFamily="49" charset="0"/>
+              </a:rPr>
+              <a:t>orders?customerId</a:t>
+            </a:r>
+            <a:r>
+              <a:rPr lang="en-US" sz="1600" dirty="0" smtClean="0">
+                <a:cs typeface="Courier New" pitchFamily="49" charset="0"/>
+              </a:rPr>
+              <a:t>=…</a:t>
+            </a:r>
+            <a:endParaRPr lang="en-US" sz="1600" dirty="0" smtClean="0">
+              <a:cs typeface="Courier New" pitchFamily="49" charset="0"/>
+            </a:endParaRPr>
           </a:p>
           <a:p>
             <a:pPr marL="800100" lvl="1" indent="-342900">
@@ -6583,12 +8233,47 @@
               </a:rPr>
               <a:t>Изменить заказ </a:t>
             </a:r>
+            <a:endParaRPr lang="en-US" sz="1600" dirty="0" smtClean="0">
+              <a:cs typeface="Courier New" pitchFamily="49" charset="0"/>
+            </a:endParaRPr>
+          </a:p>
+          <a:p>
+            <a:pPr marL="1257300" lvl="2" indent="-342900">
+              <a:buAutoNum type="arabicPeriod"/>
+            </a:pPr>
             <a:r>
               <a:rPr lang="en-US" sz="1600" dirty="0" smtClean="0">
                 <a:cs typeface="Courier New" pitchFamily="49" charset="0"/>
               </a:rPr>
-              <a:t>(PUT:/warehouse/orders/{id})</a:t>
-            </a:r>
+              <a:t>PUT: /</a:t>
+            </a:r>
+            <a:r>
+              <a:rPr lang="en-US" sz="1600" dirty="0" smtClean="0">
+                <a:cs typeface="Courier New" pitchFamily="49" charset="0"/>
+              </a:rPr>
+              <a:t>orders</a:t>
+            </a:r>
+            <a:r>
+              <a:rPr lang="en-US" sz="1600" dirty="0" smtClean="0">
+                <a:cs typeface="Courier New" pitchFamily="49" charset="0"/>
+              </a:rPr>
+              <a:t>/{</a:t>
+            </a:r>
+            <a:r>
+              <a:rPr lang="en-US" sz="1600" dirty="0" err="1" smtClean="0">
+                <a:cs typeface="Courier New" pitchFamily="49" charset="0"/>
+              </a:rPr>
+              <a:t>orderId</a:t>
+            </a:r>
+            <a:r>
+              <a:rPr lang="en-US" sz="1600" dirty="0" smtClean="0">
+                <a:cs typeface="Courier New" pitchFamily="49" charset="0"/>
+              </a:rPr>
+              <a:t>}</a:t>
+            </a:r>
+            <a:endParaRPr lang="en-US" sz="1600" dirty="0" smtClean="0">
+              <a:cs typeface="Courier New" pitchFamily="49" charset="0"/>
+            </a:endParaRPr>
           </a:p>
           <a:p>
             <a:pPr marL="800100" lvl="1" indent="-342900">
@@ -6598,14 +8283,49 @@
               <a:rPr lang="ru-RU" sz="1600" dirty="0" smtClean="0">
                 <a:cs typeface="Courier New" pitchFamily="49" charset="0"/>
               </a:rPr>
-              <a:t>Удалить заказ </a:t>
-            </a:r>
+              <a:t>Отменить</a:t>
+            </a:r>
+            <a:r>
+              <a:rPr lang="ru-RU" sz="1600" dirty="0" smtClean="0">
+                <a:cs typeface="Courier New" pitchFamily="49" charset="0"/>
+              </a:rPr>
+              <a:t> </a:t>
+            </a:r>
+            <a:r>
+              <a:rPr lang="ru-RU" sz="1600" dirty="0" smtClean="0">
+                <a:cs typeface="Courier New" pitchFamily="49" charset="0"/>
+              </a:rPr>
+              <a:t>заказ </a:t>
+            </a:r>
+            <a:endParaRPr lang="en-US" sz="1600" dirty="0" smtClean="0">
+              <a:cs typeface="Courier New" pitchFamily="49" charset="0"/>
+            </a:endParaRPr>
+          </a:p>
+          <a:p>
+            <a:pPr marL="1257300" lvl="2" indent="-342900">
+              <a:buAutoNum type="arabicPeriod"/>
+            </a:pPr>
             <a:r>
               <a:rPr lang="en-US" sz="1600" dirty="0" smtClean="0">
                 <a:cs typeface="Courier New" pitchFamily="49" charset="0"/>
               </a:rPr>
-              <a:t>(DELETE/warehouse/orders/{id})</a:t>
-            </a:r>
+              <a:t>DELETE: /orders/{</a:t>
+            </a:r>
+            <a:r>
+              <a:rPr lang="en-US" sz="1600" dirty="0" err="1" smtClean="0">
+                <a:cs typeface="Courier New" pitchFamily="49" charset="0"/>
+              </a:rPr>
+              <a:t>orderId</a:t>
+            </a:r>
+            <a:r>
+              <a:rPr lang="en-US" sz="1600" dirty="0" smtClean="0">
+                <a:cs typeface="Courier New" pitchFamily="49" charset="0"/>
+              </a:rPr>
+              <a:t>}</a:t>
+            </a:r>
+            <a:endParaRPr lang="en-US" sz="1600" dirty="0" smtClean="0">
+              <a:cs typeface="Courier New" pitchFamily="49" charset="0"/>
+            </a:endParaRPr>
           </a:p>
           <a:p>
             <a:pPr marL="800100" lvl="1" indent="-342900">
@@ -6621,8 +8341,55 @@
               <a:rPr lang="en-US" sz="1600" dirty="0" smtClean="0">
                 <a:cs typeface="Courier New" pitchFamily="49" charset="0"/>
               </a:rPr>
-              <a:t> (GET:/warehouse/customers/{id}/orders)</a:t>
-            </a:r>
+              <a:t> </a:t>
+            </a:r>
+            <a:endParaRPr lang="en-US" sz="1600" dirty="0" smtClean="0">
+              <a:cs typeface="Courier New" pitchFamily="49" charset="0"/>
+            </a:endParaRPr>
+          </a:p>
+          <a:p>
+            <a:pPr marL="1257300" lvl="2" indent="-342900">
+              <a:buAutoNum type="arabicPeriod"/>
+            </a:pPr>
+            <a:r>
+              <a:rPr lang="en-US" sz="1600" dirty="0" smtClean="0">
+                <a:cs typeface="Courier New" pitchFamily="49" charset="0"/>
+              </a:rPr>
+              <a:t>GET: /</a:t>
+            </a:r>
+            <a:r>
+              <a:rPr lang="en-US" sz="1600" dirty="0" smtClean="0">
+                <a:cs typeface="Courier New" pitchFamily="49" charset="0"/>
+              </a:rPr>
+              <a:t>customers</a:t>
+            </a:r>
+            <a:r>
+              <a:rPr lang="en-US" sz="1600" dirty="0" smtClean="0">
+                <a:cs typeface="Courier New" pitchFamily="49" charset="0"/>
+              </a:rPr>
+              <a:t>/{</a:t>
+            </a:r>
+            <a:r>
+              <a:rPr lang="en-US" sz="1600" dirty="0" err="1" smtClean="0">
+                <a:cs typeface="Courier New" pitchFamily="49" charset="0"/>
+              </a:rPr>
+              <a:t>customerId</a:t>
+            </a:r>
+            <a:r>
+              <a:rPr lang="en-US" sz="1600" dirty="0" smtClean="0">
+                <a:cs typeface="Courier New" pitchFamily="49" charset="0"/>
+              </a:rPr>
+              <a:t>}/</a:t>
+            </a:r>
+            <a:r>
+              <a:rPr lang="en-US" sz="1600" dirty="0" smtClean="0">
+                <a:cs typeface="Courier New" pitchFamily="49" charset="0"/>
+              </a:rPr>
+              <a:t>orders</a:t>
+            </a:r>
+            <a:endParaRPr lang="en-US" sz="1600" dirty="0" smtClean="0">
+              <a:cs typeface="Courier New" pitchFamily="49" charset="0"/>
+            </a:endParaRPr>
           </a:p>
           <a:p>
             <a:pPr marL="800100" lvl="1" indent="-342900">
@@ -6638,148 +8405,59 @@
               <a:rPr lang="en-US" sz="1600" dirty="0" smtClean="0">
                 <a:cs typeface="Courier New" pitchFamily="49" charset="0"/>
               </a:rPr>
-              <a:t> (DELETE:/warehouse/customers/{id}/orders/{</a:t>
-            </a:r>
-            <a:r>
-              <a:rPr lang="en-US" sz="1600" dirty="0" err="1" smtClean="0">
-                <a:cs typeface="Courier New" pitchFamily="49" charset="0"/>
-              </a:rPr>
-              <a:t>orderId</a:t>
-            </a:r>
-            <a:r>
-              <a:rPr lang="en-US" sz="1600" dirty="0" smtClean="0">
-                <a:cs typeface="Courier New" pitchFamily="49" charset="0"/>
-              </a:rPr>
-              <a:t>})</a:t>
-            </a:r>
-          </a:p>
-          <a:p>
-            <a:pPr marL="800100" lvl="1" indent="-342900">
-              <a:buAutoNum type="arabicPeriod"/>
-            </a:pPr>
-            <a:endParaRPr lang="en-US" sz="1600" dirty="0">
+              <a:t> </a:t>
+            </a:r>
+            <a:endParaRPr lang="en-US" sz="1600" dirty="0" smtClean="0">
               <a:cs typeface="Courier New" pitchFamily="49" charset="0"/>
             </a:endParaRPr>
           </a:p>
           <a:p>
-            <a:pPr marL="342900" indent="-342900">
+            <a:pPr marL="1257300" lvl="2" indent="-342900">
               <a:buAutoNum type="arabicPeriod"/>
             </a:pPr>
             <a:r>
-              <a:rPr lang="ru-RU" sz="1600" dirty="0" smtClean="0">
-                <a:cs typeface="Courier New" pitchFamily="49" charset="0"/>
-              </a:rPr>
-              <a:t>Усложненное задание (для тех кто хочет) – реализовать полный </a:t>
-            </a:r>
-            <a:r>
               <a:rPr lang="en-US" sz="1600" dirty="0" smtClean="0">
                 <a:cs typeface="Courier New" pitchFamily="49" charset="0"/>
               </a:rPr>
-              <a:t>API</a:t>
-            </a:r>
-          </a:p>
-          <a:p>
-            <a:pPr marL="800100" lvl="1" indent="-342900">
-              <a:buAutoNum type="arabicPeriod"/>
-            </a:pPr>
+              <a:t>DELETE: /</a:t>
+            </a:r>
             <a:r>
               <a:rPr lang="en-US" sz="1600" dirty="0" smtClean="0">
                 <a:cs typeface="Courier New" pitchFamily="49" charset="0"/>
               </a:rPr>
-              <a:t>/warehouse/products</a:t>
-            </a:r>
-          </a:p>
-          <a:p>
-            <a:pPr marL="800100" lvl="1" indent="-342900">
-              <a:buAutoNum type="arabicPeriod"/>
-            </a:pPr>
+              <a:t>customers</a:t>
+            </a:r>
             <a:r>
               <a:rPr lang="en-US" sz="1600" dirty="0" smtClean="0">
                 <a:cs typeface="Courier New" pitchFamily="49" charset="0"/>
               </a:rPr>
-              <a:t>/warehouse/products/{id}</a:t>
-            </a:r>
-          </a:p>
-          <a:p>
-            <a:pPr marL="800100" lvl="1" indent="-342900">
-              <a:buAutoNum type="arabicPeriod"/>
-            </a:pPr>
+              <a:t>/{</a:t>
+            </a:r>
+            <a:r>
+              <a:rPr lang="en-US" sz="1600" dirty="0" err="1" smtClean="0">
+                <a:cs typeface="Courier New" pitchFamily="49" charset="0"/>
+              </a:rPr>
+              <a:t>customerId</a:t>
+            </a:r>
             <a:r>
               <a:rPr lang="en-US" sz="1600" dirty="0" smtClean="0">
                 <a:cs typeface="Courier New" pitchFamily="49" charset="0"/>
               </a:rPr>
-              <a:t>/warehouse/customers</a:t>
-            </a:r>
-          </a:p>
-          <a:p>
-            <a:pPr marL="800100" lvl="1" indent="-342900">
-              <a:buAutoNum type="arabicPeriod"/>
-            </a:pPr>
+              <a:t>}/orders/{</a:t>
+            </a:r>
+            <a:r>
+              <a:rPr lang="en-US" sz="1600" dirty="0" err="1" smtClean="0">
+                <a:cs typeface="Courier New" pitchFamily="49" charset="0"/>
+              </a:rPr>
+              <a:t>orderId</a:t>
+            </a:r>
             <a:r>
               <a:rPr lang="en-US" sz="1600" dirty="0" smtClean="0">
                 <a:cs typeface="Courier New" pitchFamily="49" charset="0"/>
               </a:rPr>
-              <a:t>/warehouse/customers/{id}</a:t>
-            </a:r>
-          </a:p>
-          <a:p>
-            <a:pPr marL="800100" lvl="1" indent="-342900">
-              <a:buAutoNum type="arabicPeriod"/>
-            </a:pPr>
-            <a:r>
-              <a:rPr lang="en-US" sz="1600" dirty="0" smtClean="0">
-                <a:cs typeface="Courier New" pitchFamily="49" charset="0"/>
-              </a:rPr>
-              <a:t>/warehouse/orders</a:t>
-            </a:r>
-          </a:p>
-          <a:p>
-            <a:pPr marL="800100" lvl="1" indent="-342900">
-              <a:buAutoNum type="arabicPeriod"/>
-            </a:pPr>
-            <a:r>
-              <a:rPr lang="en-US" sz="1600" dirty="0" smtClean="0">
-                <a:cs typeface="Courier New" pitchFamily="49" charset="0"/>
-              </a:rPr>
-              <a:t>/warehouse/orders/{id}</a:t>
-            </a:r>
-          </a:p>
-          <a:p>
-            <a:pPr marL="800100" lvl="1" indent="-342900">
-              <a:buAutoNum type="arabicPeriod"/>
-            </a:pPr>
-            <a:r>
-              <a:rPr lang="en-US" sz="1600" dirty="0" smtClean="0">
-                <a:cs typeface="Courier New" pitchFamily="49" charset="0"/>
-              </a:rPr>
-              <a:t>/warehouse/customers/{id}/orders</a:t>
-            </a:r>
-          </a:p>
-          <a:p>
-            <a:pPr marL="800100" lvl="1" indent="-342900">
-              <a:buAutoNum type="arabicPeriod"/>
-            </a:pPr>
-            <a:r>
-              <a:rPr lang="en-US" sz="1600" dirty="0" smtClean="0">
-                <a:cs typeface="Courier New" pitchFamily="49" charset="0"/>
-              </a:rPr>
-              <a:t>/warehouse/customers/{id}/orders/{</a:t>
-            </a:r>
-            <a:r>
-              <a:rPr lang="en-US" sz="1600" dirty="0" err="1" smtClean="0">
-                <a:cs typeface="Courier New" pitchFamily="49" charset="0"/>
-              </a:rPr>
-              <a:t>orderId</a:t>
-            </a:r>
-            <a:r>
-              <a:rPr lang="en-US" sz="1600" dirty="0" smtClean="0">
-                <a:cs typeface="Courier New" pitchFamily="49" charset="0"/>
-              </a:rPr>
               <a:t>}</a:t>
             </a:r>
-          </a:p>
-          <a:p>
-            <a:endParaRPr lang="ru-RU" sz="1600" dirty="0" smtClean="0">
+            <a:endParaRPr lang="en-US" sz="1600" dirty="0" smtClean="0">
               <a:cs typeface="Courier New" pitchFamily="49" charset="0"/>
             </a:endParaRPr>
           </a:p>
@@ -6788,7 +8466,7 @@
     </p:spTree>
     <p:extLst>
       <p:ext uri="{BB962C8B-B14F-4D97-AF65-F5344CB8AC3E}">
-        <p14:creationId xmlns:p14="http://schemas.microsoft.com/office/powerpoint/2010/main" val="3240445498"/>
+        <p14:creationId xmlns:p14="http://schemas.microsoft.com/office/powerpoint/2010/main" val="3510770649"/>
       </p:ext>
     </p:extLst>
   </p:cSld>
@@ -7648,6 +9326,504 @@
     <p:extLst>
       <p:ext uri="{BB962C8B-B14F-4D97-AF65-F5344CB8AC3E}">
         <p14:creationId xmlns:p14="http://schemas.microsoft.com/office/powerpoint/2010/main" val="2029921919"/>
+      </p:ext>
+    </p:extLst>
+  </p:cSld>
+  <p:clrMapOvr>
+    <a:masterClrMapping/>
+  </p:clrMapOvr>
+  <p:timing>
+    <p:tnLst>
+      <p:par>
+        <p:cTn id="1" dur="indefinite" restart="never" nodeType="tmRoot"/>
+      </p:par>
+    </p:tnLst>
+  </p:timing>
+</p:sld>
+</file>
+
+<file path=ppt/slides/slide20.xml><?xml version="1.0" encoding="utf-8"?>
+<p:sld xmlns:a="http://schemas.openxmlformats.org/drawingml/2006/main" xmlns:r="http://schemas.openxmlformats.org/officeDocument/2006/relationships" xmlns:p="http://schemas.openxmlformats.org/presentationml/2006/main">
+  <p:cSld>
+    <p:spTree>
+      <p:nvGrpSpPr>
+        <p:cNvPr id="1" name=""/>
+        <p:cNvGrpSpPr/>
+        <p:nvPr/>
+      </p:nvGrpSpPr>
+      <p:grpSpPr>
+        <a:xfrm>
+          <a:off x="0" y="0"/>
+          <a:ext cx="0" cy="0"/>
+          <a:chOff x="0" y="0"/>
+          <a:chExt cx="0" cy="0"/>
+        </a:xfrm>
+      </p:grpSpPr>
+      <p:sp>
+        <p:nvSpPr>
+          <p:cNvPr id="2" name="Title 1"/>
+          <p:cNvSpPr>
+            <a:spLocks noGrp="1"/>
+          </p:cNvSpPr>
+          <p:nvPr>
+            <p:ph type="title"/>
+          </p:nvPr>
+        </p:nvSpPr>
+        <p:spPr>
+          <a:xfrm>
+            <a:off x="457200" y="274638"/>
+            <a:ext cx="8229600" cy="439718"/>
+          </a:xfrm>
+          <a:ln>
+            <a:noFill/>
+          </a:ln>
+        </p:spPr>
+        <p:txBody>
+          <a:bodyPr>
+            <a:normAutofit fontScale="90000"/>
+          </a:bodyPr>
+          <a:lstStyle/>
+          <a:p>
+            <a:pPr algn="l"/>
+            <a:r>
+              <a:rPr lang="ru-RU" sz="3200" dirty="0" smtClean="0"/>
+              <a:t>Задача со звездочкой</a:t>
+            </a:r>
+            <a:endParaRPr lang="ru-RU" sz="3200" dirty="0"/>
+          </a:p>
+        </p:txBody>
+      </p:sp>
+      <p:cxnSp>
+        <p:nvCxnSpPr>
+          <p:cNvPr id="7" name="Straight Connector 6"/>
+          <p:cNvCxnSpPr/>
+          <p:nvPr/>
+        </p:nvCxnSpPr>
+        <p:spPr>
+          <a:xfrm>
+            <a:off x="428596" y="714356"/>
+            <a:ext cx="8286808" cy="1588"/>
+          </a:xfrm>
+          <a:prstGeom prst="line">
+            <a:avLst/>
+          </a:prstGeom>
+          <a:ln>
+            <a:solidFill>
+              <a:schemeClr val="tx1"/>
+            </a:solidFill>
+          </a:ln>
+        </p:spPr>
+        <p:style>
+          <a:lnRef idx="1">
+            <a:schemeClr val="accent1"/>
+          </a:lnRef>
+          <a:fillRef idx="0">
+            <a:schemeClr val="accent1"/>
+          </a:fillRef>
+          <a:effectRef idx="0">
+            <a:schemeClr val="accent1"/>
+          </a:effectRef>
+          <a:fontRef idx="minor">
+            <a:schemeClr val="tx1"/>
+          </a:fontRef>
+        </p:style>
+      </p:cxnSp>
+      <p:sp>
+        <p:nvSpPr>
+          <p:cNvPr id="10" name="TextBox 9"/>
+          <p:cNvSpPr txBox="1"/>
+          <p:nvPr/>
+        </p:nvSpPr>
+        <p:spPr>
+          <a:xfrm>
+            <a:off x="428596" y="1000108"/>
+            <a:ext cx="8286808" cy="3293209"/>
+          </a:xfrm>
+          <a:prstGeom prst="rect">
+            <a:avLst/>
+          </a:prstGeom>
+          <a:noFill/>
+        </p:spPr>
+        <p:txBody>
+          <a:bodyPr wrap="square" rtlCol="0">
+            <a:spAutoFit/>
+          </a:bodyPr>
+          <a:lstStyle/>
+          <a:p>
+            <a:pPr marL="342900" indent="-342900">
+              <a:buAutoNum type="arabicPeriod"/>
+            </a:pPr>
+            <a:r>
+              <a:rPr lang="ru-RU" sz="1600" dirty="0" smtClean="0">
+                <a:cs typeface="Courier New" pitchFamily="49" charset="0"/>
+              </a:rPr>
+              <a:t>Усложненное </a:t>
+            </a:r>
+            <a:r>
+              <a:rPr lang="ru-RU" sz="1600" dirty="0" smtClean="0">
+                <a:cs typeface="Courier New" pitchFamily="49" charset="0"/>
+              </a:rPr>
+              <a:t>задание (для тех кто хочет) – реализовать полный </a:t>
+            </a:r>
+            <a:r>
+              <a:rPr lang="en-US" sz="1600" dirty="0" smtClean="0">
+                <a:cs typeface="Courier New" pitchFamily="49" charset="0"/>
+              </a:rPr>
+              <a:t>API</a:t>
+            </a:r>
+          </a:p>
+          <a:p>
+            <a:pPr marL="800100" lvl="1" indent="-342900">
+              <a:buAutoNum type="arabicPeriod"/>
+            </a:pPr>
+            <a:r>
+              <a:rPr lang="en-US" sz="1600" dirty="0" smtClean="0">
+                <a:cs typeface="Courier New" pitchFamily="49" charset="0"/>
+              </a:rPr>
+              <a:t>/warehouse (GET, POST)</a:t>
+            </a:r>
+          </a:p>
+          <a:p>
+            <a:pPr marL="800100" lvl="1" indent="-342900">
+              <a:buAutoNum type="arabicPeriod"/>
+            </a:pPr>
+            <a:r>
+              <a:rPr lang="en-US" sz="1600" dirty="0" smtClean="0">
+                <a:cs typeface="Courier New" pitchFamily="49" charset="0"/>
+              </a:rPr>
+              <a:t>/warehouse/{</a:t>
+            </a:r>
+            <a:r>
+              <a:rPr lang="en-US" sz="1600" dirty="0" err="1" smtClean="0">
+                <a:cs typeface="Courier New" pitchFamily="49" charset="0"/>
+              </a:rPr>
+              <a:t>warehouseId</a:t>
+            </a:r>
+            <a:r>
+              <a:rPr lang="en-US" sz="1600" dirty="0" smtClean="0">
+                <a:cs typeface="Courier New" pitchFamily="49" charset="0"/>
+              </a:rPr>
+              <a:t>} (GET, PUT, DELETE)</a:t>
+            </a:r>
+            <a:endParaRPr lang="en-US" sz="1600" dirty="0" smtClean="0">
+              <a:cs typeface="Courier New" pitchFamily="49" charset="0"/>
+            </a:endParaRPr>
+          </a:p>
+          <a:p>
+            <a:pPr marL="800100" lvl="1" indent="-342900">
+              <a:buAutoNum type="arabicPeriod"/>
+            </a:pPr>
+            <a:r>
+              <a:rPr lang="en-US" sz="1600" dirty="0" smtClean="0">
+                <a:cs typeface="Courier New" pitchFamily="49" charset="0"/>
+              </a:rPr>
+              <a:t>/warehouse/{</a:t>
+            </a:r>
+            <a:r>
+              <a:rPr lang="en-US" sz="1600" dirty="0" err="1" smtClean="0">
+                <a:cs typeface="Courier New" pitchFamily="49" charset="0"/>
+              </a:rPr>
+              <a:t>warehouseId</a:t>
+            </a:r>
+            <a:r>
+              <a:rPr lang="en-US" sz="1600" dirty="0" smtClean="0">
+                <a:cs typeface="Courier New" pitchFamily="49" charset="0"/>
+              </a:rPr>
+              <a:t>}/products (GET, POST)</a:t>
+            </a:r>
+            <a:endParaRPr lang="en-US" sz="1600" dirty="0" smtClean="0">
+              <a:cs typeface="Courier New" pitchFamily="49" charset="0"/>
+            </a:endParaRPr>
+          </a:p>
+          <a:p>
+            <a:pPr marL="800100" lvl="1" indent="-342900">
+              <a:buAutoNum type="arabicPeriod"/>
+            </a:pPr>
+            <a:r>
+              <a:rPr lang="en-US" sz="1600" dirty="0" smtClean="0">
+                <a:cs typeface="Courier New" pitchFamily="49" charset="0"/>
+              </a:rPr>
+              <a:t>/warehouse</a:t>
+            </a:r>
+            <a:r>
+              <a:rPr lang="en-US" sz="1600" dirty="0" smtClean="0">
+                <a:cs typeface="Courier New" pitchFamily="49" charset="0"/>
+              </a:rPr>
+              <a:t>/{</a:t>
+            </a:r>
+            <a:r>
+              <a:rPr lang="en-US" sz="1600" dirty="0" err="1" smtClean="0">
+                <a:cs typeface="Courier New" pitchFamily="49" charset="0"/>
+              </a:rPr>
+              <a:t>warehouseId</a:t>
+            </a:r>
+            <a:r>
+              <a:rPr lang="en-US" sz="1600" dirty="0" smtClean="0">
+                <a:cs typeface="Courier New" pitchFamily="49" charset="0"/>
+              </a:rPr>
+              <a:t>}/products/{</a:t>
+            </a:r>
+            <a:r>
+              <a:rPr lang="en-US" sz="1600" dirty="0" err="1" smtClean="0">
+                <a:cs typeface="Courier New" pitchFamily="49" charset="0"/>
+              </a:rPr>
+              <a:t>productId</a:t>
+            </a:r>
+            <a:r>
+              <a:rPr lang="en-US" sz="1600" dirty="0" smtClean="0">
+                <a:cs typeface="Courier New" pitchFamily="49" charset="0"/>
+              </a:rPr>
+              <a:t>} (GET, PUT, DELETE)</a:t>
+            </a:r>
+            <a:endParaRPr lang="en-US" sz="1600" dirty="0" smtClean="0">
+              <a:cs typeface="Courier New" pitchFamily="49" charset="0"/>
+            </a:endParaRPr>
+          </a:p>
+          <a:p>
+            <a:pPr marL="800100" lvl="1" indent="-342900">
+              <a:buAutoNum type="arabicPeriod"/>
+            </a:pPr>
+            <a:r>
+              <a:rPr lang="en-US" sz="1600" dirty="0" smtClean="0">
+                <a:cs typeface="Courier New" pitchFamily="49" charset="0"/>
+              </a:rPr>
+              <a:t>/customers (GET, POST)</a:t>
+            </a:r>
+            <a:endParaRPr lang="en-US" sz="1600" dirty="0" smtClean="0">
+              <a:cs typeface="Courier New" pitchFamily="49" charset="0"/>
+            </a:endParaRPr>
+          </a:p>
+          <a:p>
+            <a:pPr marL="800100" lvl="1" indent="-342900">
+              <a:buAutoNum type="arabicPeriod"/>
+            </a:pPr>
+            <a:r>
+              <a:rPr lang="en-US" sz="1600" dirty="0" smtClean="0">
+                <a:cs typeface="Courier New" pitchFamily="49" charset="0"/>
+              </a:rPr>
+              <a:t>/</a:t>
+            </a:r>
+            <a:r>
+              <a:rPr lang="en-US" sz="1600" dirty="0" smtClean="0">
+                <a:cs typeface="Courier New" pitchFamily="49" charset="0"/>
+              </a:rPr>
+              <a:t>customers</a:t>
+            </a:r>
+            <a:r>
+              <a:rPr lang="en-US" sz="1600" dirty="0" smtClean="0">
+                <a:cs typeface="Courier New" pitchFamily="49" charset="0"/>
+              </a:rPr>
+              <a:t>/{</a:t>
+            </a:r>
+            <a:r>
+              <a:rPr lang="en-US" sz="1600" dirty="0" err="1" smtClean="0">
+                <a:cs typeface="Courier New" pitchFamily="49" charset="0"/>
+              </a:rPr>
+              <a:t>customerId</a:t>
+            </a:r>
+            <a:r>
+              <a:rPr lang="en-US" sz="1600" dirty="0" smtClean="0">
+                <a:cs typeface="Courier New" pitchFamily="49" charset="0"/>
+              </a:rPr>
+              <a:t>} (GET, PUT, DELETE)</a:t>
+            </a:r>
+            <a:endParaRPr lang="en-US" sz="1600" dirty="0" smtClean="0">
+              <a:cs typeface="Courier New" pitchFamily="49" charset="0"/>
+            </a:endParaRPr>
+          </a:p>
+          <a:p>
+            <a:pPr marL="800100" lvl="1" indent="-342900">
+              <a:buAutoNum type="arabicPeriod"/>
+            </a:pPr>
+            <a:r>
+              <a:rPr lang="en-US" sz="1600" dirty="0" smtClean="0">
+                <a:cs typeface="Courier New" pitchFamily="49" charset="0"/>
+              </a:rPr>
+              <a:t>/customers/{</a:t>
+            </a:r>
+            <a:r>
+              <a:rPr lang="en-US" sz="1600" dirty="0" err="1" smtClean="0">
+                <a:cs typeface="Courier New" pitchFamily="49" charset="0"/>
+              </a:rPr>
+              <a:t>customerId</a:t>
+            </a:r>
+            <a:r>
+              <a:rPr lang="en-US" sz="1600" dirty="0" smtClean="0">
+                <a:cs typeface="Courier New" pitchFamily="49" charset="0"/>
+              </a:rPr>
+              <a:t>}/orders</a:t>
+            </a:r>
+            <a:r>
+              <a:rPr lang="en-US" sz="1600" dirty="0" smtClean="0">
+                <a:cs typeface="Courier New" pitchFamily="49" charset="0"/>
+              </a:rPr>
+              <a:t> (GET, POST)</a:t>
+            </a:r>
+            <a:endParaRPr lang="en-US" sz="1600" dirty="0" smtClean="0">
+              <a:cs typeface="Courier New" pitchFamily="49" charset="0"/>
+            </a:endParaRPr>
+          </a:p>
+          <a:p>
+            <a:pPr marL="800100" lvl="1" indent="-342900">
+              <a:buAutoNum type="arabicPeriod"/>
+            </a:pPr>
+            <a:r>
+              <a:rPr lang="en-US" sz="1600" dirty="0" smtClean="0">
+                <a:cs typeface="Courier New" pitchFamily="49" charset="0"/>
+              </a:rPr>
+              <a:t>/customers/{</a:t>
+            </a:r>
+            <a:r>
+              <a:rPr lang="en-US" sz="1600" dirty="0" err="1" smtClean="0">
+                <a:cs typeface="Courier New" pitchFamily="49" charset="0"/>
+              </a:rPr>
+              <a:t>customerId</a:t>
+            </a:r>
+            <a:r>
+              <a:rPr lang="en-US" sz="1600" dirty="0" smtClean="0">
+                <a:cs typeface="Courier New" pitchFamily="49" charset="0"/>
+              </a:rPr>
+              <a:t>}/</a:t>
+            </a:r>
+            <a:r>
+              <a:rPr lang="en-US" sz="1600" dirty="0" smtClean="0">
+                <a:cs typeface="Courier New" pitchFamily="49" charset="0"/>
+              </a:rPr>
+              <a:t>orders/{</a:t>
+            </a:r>
+            <a:r>
+              <a:rPr lang="en-US" sz="1600" dirty="0" err="1" smtClean="0">
+                <a:cs typeface="Courier New" pitchFamily="49" charset="0"/>
+              </a:rPr>
+              <a:t>orderId</a:t>
+            </a:r>
+            <a:r>
+              <a:rPr lang="en-US" sz="1600" dirty="0" smtClean="0">
+                <a:cs typeface="Courier New" pitchFamily="49" charset="0"/>
+              </a:rPr>
+              <a:t>} (GET, PUT, DELETE)</a:t>
+            </a:r>
+          </a:p>
+          <a:p>
+            <a:pPr marL="800100" lvl="1" indent="-342900">
+              <a:buAutoNum type="arabicPeriod"/>
+            </a:pPr>
+            <a:r>
+              <a:rPr lang="en-US" sz="1600" dirty="0" smtClean="0">
+                <a:cs typeface="Courier New" pitchFamily="49" charset="0"/>
+              </a:rPr>
+              <a:t>/customers/{</a:t>
+            </a:r>
+            <a:r>
+              <a:rPr lang="en-US" sz="1600" dirty="0" err="1" smtClean="0">
+                <a:cs typeface="Courier New" pitchFamily="49" charset="0"/>
+              </a:rPr>
+              <a:t>customerId</a:t>
+            </a:r>
+            <a:r>
+              <a:rPr lang="en-US" sz="1600" dirty="0" smtClean="0">
+                <a:cs typeface="Courier New" pitchFamily="49" charset="0"/>
+              </a:rPr>
+              <a:t>}/orders/{</a:t>
+            </a:r>
+            <a:r>
+              <a:rPr lang="en-US" sz="1600" dirty="0" err="1" smtClean="0">
+                <a:cs typeface="Courier New" pitchFamily="49" charset="0"/>
+              </a:rPr>
+              <a:t>orderId</a:t>
+            </a:r>
+            <a:r>
+              <a:rPr lang="en-US" sz="1600" dirty="0" smtClean="0">
+                <a:cs typeface="Courier New" pitchFamily="49" charset="0"/>
+              </a:rPr>
+              <a:t>}/items (GET, POST ?</a:t>
+            </a:r>
+            <a:r>
+              <a:rPr lang="en-US" sz="1600" dirty="0" err="1" smtClean="0">
+                <a:cs typeface="Courier New" pitchFamily="49" charset="0"/>
+              </a:rPr>
+              <a:t>productId</a:t>
+            </a:r>
+            <a:r>
+              <a:rPr lang="en-US" sz="1600" dirty="0" smtClean="0">
+                <a:cs typeface="Courier New" pitchFamily="49" charset="0"/>
+              </a:rPr>
+              <a:t>=…&amp;</a:t>
+            </a:r>
+            <a:r>
+              <a:rPr lang="en-US" sz="1600" dirty="0" err="1" smtClean="0">
+                <a:cs typeface="Courier New" pitchFamily="49" charset="0"/>
+              </a:rPr>
+              <a:t>warehouseId</a:t>
+            </a:r>
+            <a:r>
+              <a:rPr lang="en-US" sz="1600" dirty="0" smtClean="0">
+                <a:cs typeface="Courier New" pitchFamily="49" charset="0"/>
+              </a:rPr>
+              <a:t>=…)</a:t>
+            </a:r>
+          </a:p>
+          <a:p>
+            <a:pPr marL="800100" lvl="1" indent="-342900">
+              <a:buAutoNum type="arabicPeriod"/>
+            </a:pPr>
+            <a:r>
+              <a:rPr lang="en-US" sz="1600" dirty="0" smtClean="0">
+                <a:cs typeface="Courier New" pitchFamily="49" charset="0"/>
+              </a:rPr>
+              <a:t>/customers/{</a:t>
+            </a:r>
+            <a:r>
+              <a:rPr lang="en-US" sz="1600" dirty="0" err="1" smtClean="0">
+                <a:cs typeface="Courier New" pitchFamily="49" charset="0"/>
+              </a:rPr>
+              <a:t>customerId</a:t>
+            </a:r>
+            <a:r>
+              <a:rPr lang="en-US" sz="1600" dirty="0" smtClean="0">
+                <a:cs typeface="Courier New" pitchFamily="49" charset="0"/>
+              </a:rPr>
+              <a:t>}/orders/{</a:t>
+            </a:r>
+            <a:r>
+              <a:rPr lang="en-US" sz="1600" dirty="0" err="1" smtClean="0">
+                <a:cs typeface="Courier New" pitchFamily="49" charset="0"/>
+              </a:rPr>
+              <a:t>orderId</a:t>
+            </a:r>
+            <a:r>
+              <a:rPr lang="en-US" sz="1600" dirty="0" smtClean="0">
+                <a:cs typeface="Courier New" pitchFamily="49" charset="0"/>
+              </a:rPr>
+              <a:t>}/items/{</a:t>
+            </a:r>
+            <a:r>
+              <a:rPr lang="en-US" sz="1600" dirty="0" err="1" smtClean="0">
+                <a:cs typeface="Courier New" pitchFamily="49" charset="0"/>
+              </a:rPr>
+              <a:t>itemId</a:t>
+            </a:r>
+            <a:r>
+              <a:rPr lang="en-US" sz="1600" dirty="0" smtClean="0">
+                <a:cs typeface="Courier New" pitchFamily="49" charset="0"/>
+              </a:rPr>
+              <a:t>} (GET, PUT, DELETE)</a:t>
+            </a:r>
+            <a:endParaRPr lang="en-US" sz="1600" dirty="0" smtClean="0">
+              <a:cs typeface="Courier New" pitchFamily="49" charset="0"/>
+            </a:endParaRPr>
+          </a:p>
+          <a:p>
+            <a:endParaRPr lang="ru-RU" sz="1600" dirty="0" smtClean="0">
+              <a:cs typeface="Courier New" pitchFamily="49" charset="0"/>
+            </a:endParaRPr>
+          </a:p>
+        </p:txBody>
+      </p:sp>
+    </p:spTree>
+    <p:extLst>
+      <p:ext uri="{BB962C8B-B14F-4D97-AF65-F5344CB8AC3E}">
+        <p14:creationId xmlns:p14="http://schemas.microsoft.com/office/powerpoint/2010/main" val="3240445498"/>
       </p:ext>
     </p:extLst>
   </p:cSld>
@@ -8623,6 +10799,130 @@
               </a:buClr>
             </a:pPr>
             <a:r>
+              <a:rPr lang="en-US" sz="1400" dirty="0">
+                <a:solidFill>
+                  <a:schemeClr val="tx1">
+                    <a:lumMod val="85000"/>
+                    <a:lumOff val="15000"/>
+                  </a:schemeClr>
+                </a:solidFill>
+                <a:latin typeface="Courier New" pitchFamily="49" charset="0"/>
+                <a:cs typeface="Courier New" pitchFamily="49" charset="0"/>
+              </a:rPr>
+              <a:t>public interface </a:t>
+            </a:r>
+            <a:r>
+              <a:rPr lang="en-US" sz="1400" dirty="0" err="1">
+                <a:solidFill>
+                  <a:schemeClr val="tx1">
+                    <a:lumMod val="85000"/>
+                    <a:lumOff val="15000"/>
+                  </a:schemeClr>
+                </a:solidFill>
+                <a:latin typeface="Courier New" pitchFamily="49" charset="0"/>
+                <a:cs typeface="Courier New" pitchFamily="49" charset="0"/>
+              </a:rPr>
+              <a:t>RecipeRepository</a:t>
+            </a:r>
+            <a:r>
+              <a:rPr lang="en-US" sz="1400" dirty="0">
+                <a:solidFill>
+                  <a:schemeClr val="tx1">
+                    <a:lumMod val="85000"/>
+                    <a:lumOff val="15000"/>
+                  </a:schemeClr>
+                </a:solidFill>
+                <a:latin typeface="Courier New" pitchFamily="49" charset="0"/>
+                <a:cs typeface="Courier New" pitchFamily="49" charset="0"/>
+              </a:rPr>
+              <a:t> extends </a:t>
+            </a:r>
+            <a:r>
+              <a:rPr lang="en-US" sz="1400" dirty="0" err="1">
+                <a:solidFill>
+                  <a:schemeClr val="tx1">
+                    <a:lumMod val="85000"/>
+                    <a:lumOff val="15000"/>
+                  </a:schemeClr>
+                </a:solidFill>
+                <a:latin typeface="Courier New" pitchFamily="49" charset="0"/>
+                <a:cs typeface="Courier New" pitchFamily="49" charset="0"/>
+              </a:rPr>
+              <a:t>JpaRepository</a:t>
+            </a:r>
+            <a:r>
+              <a:rPr lang="en-US" sz="1400" dirty="0">
+                <a:solidFill>
+                  <a:schemeClr val="tx1">
+                    <a:lumMod val="85000"/>
+                    <a:lumOff val="15000"/>
+                  </a:schemeClr>
+                </a:solidFill>
+                <a:latin typeface="Courier New" pitchFamily="49" charset="0"/>
+                <a:cs typeface="Courier New" pitchFamily="49" charset="0"/>
+              </a:rPr>
+              <a:t>&lt; Recipe, Integer &gt;</a:t>
+            </a:r>
+          </a:p>
+          <a:p>
+            <a:pPr>
+              <a:buClr>
+                <a:schemeClr val="tx1">
+                  <a:lumMod val="85000"/>
+                  <a:lumOff val="15000"/>
+                </a:schemeClr>
+              </a:buClr>
+            </a:pPr>
+            <a:r>
+              <a:rPr lang="en-US" sz="1400" dirty="0">
+                <a:solidFill>
+                  <a:schemeClr val="tx1">
+                    <a:lumMod val="85000"/>
+                    <a:lumOff val="15000"/>
+                  </a:schemeClr>
+                </a:solidFill>
+                <a:latin typeface="Courier New" pitchFamily="49" charset="0"/>
+                <a:cs typeface="Courier New" pitchFamily="49" charset="0"/>
+              </a:rPr>
+              <a:t>{</a:t>
+            </a:r>
+          </a:p>
+          <a:p>
+            <a:pPr>
+              <a:buClr>
+                <a:schemeClr val="tx1">
+                  <a:lumMod val="85000"/>
+                  <a:lumOff val="15000"/>
+                </a:schemeClr>
+              </a:buClr>
+            </a:pPr>
+            <a:r>
+              <a:rPr lang="ru-RU" sz="1400" dirty="0" smtClean="0">
+                <a:solidFill>
+                  <a:schemeClr val="tx1">
+                    <a:lumMod val="85000"/>
+                    <a:lumOff val="15000"/>
+                  </a:schemeClr>
+                </a:solidFill>
+                <a:latin typeface="Courier New" pitchFamily="49" charset="0"/>
+                <a:cs typeface="Courier New" pitchFamily="49" charset="0"/>
+              </a:rPr>
+              <a:t>    </a:t>
+            </a:r>
+            <a:r>
+              <a:rPr lang="en-US" sz="1400" b="1" dirty="0" smtClean="0">
+                <a:solidFill>
+                  <a:schemeClr val="tx1">
+                    <a:lumMod val="85000"/>
+                    <a:lumOff val="15000"/>
+                  </a:schemeClr>
+                </a:solidFill>
+                <a:latin typeface="Courier New" pitchFamily="49" charset="0"/>
+                <a:cs typeface="Courier New" pitchFamily="49" charset="0"/>
+              </a:rPr>
+              <a:t>@</a:t>
+            </a:r>
+            <a:r>
               <a:rPr lang="en-US" sz="1400" b="1" dirty="0">
                 <a:solidFill>
                   <a:schemeClr val="tx1">
@@ -8633,7 +10933,56 @@
                 <a:latin typeface="Courier New" pitchFamily="49" charset="0"/>
                 <a:cs typeface="Courier New" pitchFamily="49" charset="0"/>
               </a:rPr>
-              <a:t>public interface </a:t>
+              <a:t>Query( "select r from Recipe r where r.name = :name " )</a:t>
+            </a:r>
+          </a:p>
+          <a:p>
+            <a:pPr>
+              <a:buClr>
+                <a:schemeClr val="tx1">
+                  <a:lumMod val="85000"/>
+                  <a:lumOff val="15000"/>
+                </a:schemeClr>
+              </a:buClr>
+            </a:pPr>
+            <a:r>
+              <a:rPr lang="ru-RU" sz="1400" b="1" dirty="0" smtClean="0">
+                <a:solidFill>
+                  <a:schemeClr val="tx1">
+                    <a:lumMod val="85000"/>
+                    <a:lumOff val="15000"/>
+                  </a:schemeClr>
+                </a:solidFill>
+                <a:latin typeface="Courier New" pitchFamily="49" charset="0"/>
+                <a:cs typeface="Courier New" pitchFamily="49" charset="0"/>
+              </a:rPr>
+              <a:t>    </a:t>
+            </a:r>
+            <a:r>
+              <a:rPr lang="en-US" sz="1400" b="1" dirty="0" smtClean="0">
+                <a:solidFill>
+                  <a:schemeClr val="tx1">
+                    <a:lumMod val="85000"/>
+                    <a:lumOff val="15000"/>
+                  </a:schemeClr>
+                </a:solidFill>
+                <a:latin typeface="Courier New" pitchFamily="49" charset="0"/>
+                <a:cs typeface="Courier New" pitchFamily="49" charset="0"/>
+              </a:rPr>
+              <a:t>public </a:t>
+            </a:r>
+            <a:r>
+              <a:rPr lang="en-US" sz="1400" b="1" dirty="0">
+                <a:solidFill>
+                  <a:schemeClr val="tx1">
+                    <a:lumMod val="85000"/>
+                    <a:lumOff val="15000"/>
+                  </a:schemeClr>
+                </a:solidFill>
+                <a:latin typeface="Courier New" pitchFamily="49" charset="0"/>
+                <a:cs typeface="Courier New" pitchFamily="49" charset="0"/>
+              </a:rPr>
+              <a:t>List&lt; Recipe &gt; </a:t>
             </a:r>
             <a:r>
               <a:rPr lang="en-US" sz="1400" b="1" dirty="0" err="1">
@@ -8646,7 +10995,7 @@
                 <a:latin typeface="Courier New" pitchFamily="49" charset="0"/>
                 <a:cs typeface="Courier New" pitchFamily="49" charset="0"/>
               </a:rPr>
-              <a:t>RecipeRepository</a:t>
+              <a:t>getRecipeByName</a:t>
             </a:r>
             <a:r>
               <a:rPr lang="en-US" sz="1400" b="1" dirty="0">
@@ -8659,7 +11008,7 @@
                 <a:latin typeface="Courier New" pitchFamily="49" charset="0"/>
                 <a:cs typeface="Courier New" pitchFamily="49" charset="0"/>
               </a:rPr>
-              <a:t> extends </a:t>
+              <a:t>( @</a:t>
             </a:r>
             <a:r>
               <a:rPr lang="en-US" sz="1400" b="1" dirty="0" err="1">
@@ -8672,7 +11021,7 @@
                 <a:latin typeface="Courier New" pitchFamily="49" charset="0"/>
                 <a:cs typeface="Courier New" pitchFamily="49" charset="0"/>
               </a:rPr>
-              <a:t>JpaRepository</a:t>
+              <a:t>Param</a:t>
             </a:r>
             <a:r>
               <a:rPr lang="en-US" sz="1400" b="1" dirty="0">
@@ -8685,7 +11034,7 @@
                 <a:latin typeface="Courier New" pitchFamily="49" charset="0"/>
                 <a:cs typeface="Courier New" pitchFamily="49" charset="0"/>
               </a:rPr>
-              <a:t>&lt; Recipe, Integer &gt;</a:t>
+              <a:t>( "name" ) String name );</a:t>
             </a:r>
           </a:p>
           <a:p>
@@ -8698,180 +11047,7 @@
               </a:buClr>
             </a:pPr>
             <a:r>
-              <a:rPr lang="en-US" sz="1400" b="1" dirty="0">
-                <a:solidFill>
-                  <a:schemeClr val="tx1">
-                    <a:lumMod val="85000"/>
-                    <a:lumOff val="15000"/>
-                  </a:schemeClr>
-                </a:solidFill>
-                <a:latin typeface="Courier New" pitchFamily="49" charset="0"/>
-                <a:cs typeface="Courier New" pitchFamily="49" charset="0"/>
-              </a:rPr>
-              <a:t>{</a:t>
-            </a:r>
-          </a:p>
-          <a:p>
-            <a:pPr>
-              <a:buClr>
-                <a:schemeClr val="tx1">
-                  <a:lumMod val="85000"/>
-                  <a:lumOff val="15000"/>
-                </a:schemeClr>
-              </a:buClr>
-            </a:pPr>
-            <a:r>
-              <a:rPr lang="ru-RU" sz="1400" b="1" dirty="0" smtClean="0">
-                <a:solidFill>
-                  <a:schemeClr val="tx1">
-                    <a:lumMod val="85000"/>
-                    <a:lumOff val="15000"/>
-                  </a:schemeClr>
-                </a:solidFill>
-                <a:latin typeface="Courier New" pitchFamily="49" charset="0"/>
-                <a:cs typeface="Courier New" pitchFamily="49" charset="0"/>
-              </a:rPr>
-              <a:t>    </a:t>
-            </a:r>
-            <a:r>
-              <a:rPr lang="en-US" sz="1400" b="1" dirty="0" smtClean="0">
-                <a:solidFill>
-                  <a:schemeClr val="tx1">
-                    <a:lumMod val="85000"/>
-                    <a:lumOff val="15000"/>
-                  </a:schemeClr>
-                </a:solidFill>
-                <a:latin typeface="Courier New" pitchFamily="49" charset="0"/>
-                <a:cs typeface="Courier New" pitchFamily="49" charset="0"/>
-              </a:rPr>
-              <a:t>@</a:t>
-            </a:r>
-            <a:r>
-              <a:rPr lang="en-US" sz="1400" b="1" dirty="0">
-                <a:solidFill>
-                  <a:schemeClr val="tx1">
-                    <a:lumMod val="85000"/>
-                    <a:lumOff val="15000"/>
-                  </a:schemeClr>
-                </a:solidFill>
-                <a:latin typeface="Courier New" pitchFamily="49" charset="0"/>
-                <a:cs typeface="Courier New" pitchFamily="49" charset="0"/>
-              </a:rPr>
-              <a:t>Query( "select r from Recipe r where r.name = :name " )</a:t>
-            </a:r>
-          </a:p>
-          <a:p>
-            <a:pPr>
-              <a:buClr>
-                <a:schemeClr val="tx1">
-                  <a:lumMod val="85000"/>
-                  <a:lumOff val="15000"/>
-                </a:schemeClr>
-              </a:buClr>
-            </a:pPr>
-            <a:r>
-              <a:rPr lang="ru-RU" sz="1400" b="1" dirty="0" smtClean="0">
-                <a:solidFill>
-                  <a:schemeClr val="tx1">
-                    <a:lumMod val="85000"/>
-                    <a:lumOff val="15000"/>
-                  </a:schemeClr>
-                </a:solidFill>
-                <a:latin typeface="Courier New" pitchFamily="49" charset="0"/>
-                <a:cs typeface="Courier New" pitchFamily="49" charset="0"/>
-              </a:rPr>
-              <a:t>    </a:t>
-            </a:r>
-            <a:r>
-              <a:rPr lang="en-US" sz="1400" b="1" dirty="0" smtClean="0">
-                <a:solidFill>
-                  <a:schemeClr val="tx1">
-                    <a:lumMod val="85000"/>
-                    <a:lumOff val="15000"/>
-                  </a:schemeClr>
-                </a:solidFill>
-                <a:latin typeface="Courier New" pitchFamily="49" charset="0"/>
-                <a:cs typeface="Courier New" pitchFamily="49" charset="0"/>
-              </a:rPr>
-              <a:t>public </a:t>
-            </a:r>
-            <a:r>
-              <a:rPr lang="en-US" sz="1400" b="1" dirty="0">
-                <a:solidFill>
-                  <a:schemeClr val="tx1">
-                    <a:lumMod val="85000"/>
-                    <a:lumOff val="15000"/>
-                  </a:schemeClr>
-                </a:solidFill>
-                <a:latin typeface="Courier New" pitchFamily="49" charset="0"/>
-                <a:cs typeface="Courier New" pitchFamily="49" charset="0"/>
-              </a:rPr>
-              <a:t>List&lt; Recipe &gt; </a:t>
-            </a:r>
-            <a:r>
-              <a:rPr lang="en-US" sz="1400" b="1" dirty="0" err="1">
-                <a:solidFill>
-                  <a:schemeClr val="tx1">
-                    <a:lumMod val="85000"/>
-                    <a:lumOff val="15000"/>
-                  </a:schemeClr>
-                </a:solidFill>
-                <a:latin typeface="Courier New" pitchFamily="49" charset="0"/>
-                <a:cs typeface="Courier New" pitchFamily="49" charset="0"/>
-              </a:rPr>
-              <a:t>getRecipeByName</a:t>
-            </a:r>
-            <a:r>
-              <a:rPr lang="en-US" sz="1400" b="1" dirty="0">
-                <a:solidFill>
-                  <a:schemeClr val="tx1">
-                    <a:lumMod val="85000"/>
-                    <a:lumOff val="15000"/>
-                  </a:schemeClr>
-                </a:solidFill>
-                <a:latin typeface="Courier New" pitchFamily="49" charset="0"/>
-                <a:cs typeface="Courier New" pitchFamily="49" charset="0"/>
-              </a:rPr>
-              <a:t>( @</a:t>
-            </a:r>
-            <a:r>
-              <a:rPr lang="en-US" sz="1400" b="1" dirty="0" err="1">
-                <a:solidFill>
-                  <a:schemeClr val="tx1">
-                    <a:lumMod val="85000"/>
-                    <a:lumOff val="15000"/>
-                  </a:schemeClr>
-                </a:solidFill>
-                <a:latin typeface="Courier New" pitchFamily="49" charset="0"/>
-                <a:cs typeface="Courier New" pitchFamily="49" charset="0"/>
-              </a:rPr>
-              <a:t>Param</a:t>
-            </a:r>
-            <a:r>
-              <a:rPr lang="en-US" sz="1400" b="1" dirty="0">
-                <a:solidFill>
-                  <a:schemeClr val="tx1">
-                    <a:lumMod val="85000"/>
-                    <a:lumOff val="15000"/>
-                  </a:schemeClr>
-                </a:solidFill>
-                <a:latin typeface="Courier New" pitchFamily="49" charset="0"/>
-                <a:cs typeface="Courier New" pitchFamily="49" charset="0"/>
-              </a:rPr>
-              <a:t>( "name" ) String name );</a:t>
-            </a:r>
-          </a:p>
-          <a:p>
-            <a:pPr>
-              <a:buClr>
-                <a:schemeClr val="tx1">
-                  <a:lumMod val="85000"/>
-                  <a:lumOff val="15000"/>
-                </a:schemeClr>
-              </a:buClr>
-            </a:pPr>
-            <a:r>
-              <a:rPr lang="en-US" sz="1400" b="1" dirty="0" smtClean="0">
+              <a:rPr lang="en-US" sz="1400" dirty="0" smtClean="0">
                 <a:solidFill>
                   <a:schemeClr val="tx1">
                     <a:lumMod val="85000"/>
@@ -8977,7 +11153,7 @@
               </a:buClr>
             </a:pPr>
             <a:r>
-              <a:rPr lang="en-US" sz="1400" b="1" dirty="0">
+              <a:rPr lang="en-US" sz="1400" dirty="0">
                 <a:solidFill>
                   <a:schemeClr val="tx1">
                     <a:lumMod val="85000"/>
@@ -8990,7 +11166,7 @@
               <a:t>public interface </a:t>
             </a:r>
             <a:r>
-              <a:rPr lang="en-US" sz="1400" b="1" dirty="0" err="1">
+              <a:rPr lang="en-US" sz="1400" dirty="0" err="1">
                 <a:solidFill>
                   <a:schemeClr val="tx1">
                     <a:lumMod val="85000"/>
@@ -9002,7 +11178,7 @@
               </a:rPr>
               <a:t>IRecipeService</a:t>
             </a:r>
-            <a:endParaRPr lang="en-US" sz="1400" b="1" dirty="0">
+            <a:endParaRPr lang="en-US" sz="1400" dirty="0">
               <a:solidFill>
                 <a:schemeClr val="tx1">
                   <a:lumMod val="85000"/>
@@ -9023,6 +11199,65 @@
               </a:buClr>
             </a:pPr>
             <a:r>
+              <a:rPr lang="en-US" sz="1400" dirty="0" smtClean="0">
+                <a:solidFill>
+                  <a:schemeClr val="tx1">
+                    <a:lumMod val="85000"/>
+                    <a:lumOff val="15000"/>
+                  </a:schemeClr>
+                </a:solidFill>
+                <a:latin typeface="Courier New" pitchFamily="49" charset="0"/>
+                <a:cs typeface="Courier New" pitchFamily="49" charset="0"/>
+              </a:rPr>
+              <a:t>{</a:t>
+            </a:r>
+          </a:p>
+          <a:p>
+            <a:pPr>
+              <a:buClr>
+                <a:schemeClr val="tx1">
+                  <a:lumMod val="85000"/>
+                  <a:lumOff val="15000"/>
+                </a:schemeClr>
+              </a:buClr>
+            </a:pPr>
+            <a:r>
+              <a:rPr lang="en-US" sz="1400" dirty="0" smtClean="0">
+                <a:solidFill>
+                  <a:schemeClr val="tx1">
+                    <a:lumMod val="85000"/>
+                    <a:lumOff val="15000"/>
+                  </a:schemeClr>
+                </a:solidFill>
+                <a:latin typeface="Courier New" pitchFamily="49" charset="0"/>
+                <a:cs typeface="Courier New" pitchFamily="49" charset="0"/>
+              </a:rPr>
+              <a:t>    ...</a:t>
+            </a:r>
+          </a:p>
+          <a:p>
+            <a:pPr>
+              <a:buClr>
+                <a:schemeClr val="tx1">
+                  <a:lumMod val="85000"/>
+                  <a:lumOff val="15000"/>
+                </a:schemeClr>
+              </a:buClr>
+            </a:pPr>
+            <a:r>
+              <a:rPr lang="en-US" sz="1400" dirty="0" smtClean="0">
+                <a:solidFill>
+                  <a:schemeClr val="tx1">
+                    <a:lumMod val="85000"/>
+                    <a:lumOff val="15000"/>
+                  </a:schemeClr>
+                </a:solidFill>
+                <a:latin typeface="Courier New" pitchFamily="49" charset="0"/>
+                <a:cs typeface="Courier New" pitchFamily="49" charset="0"/>
+              </a:rPr>
+              <a:t>    </a:t>
+            </a:r>
+            <a:r>
               <a:rPr lang="en-US" sz="1400" b="1" dirty="0" smtClean="0">
                 <a:solidFill>
                   <a:schemeClr val="tx1">
@@ -9033,7 +11268,46 @@
                 <a:latin typeface="Courier New" pitchFamily="49" charset="0"/>
                 <a:cs typeface="Courier New" pitchFamily="49" charset="0"/>
               </a:rPr>
-              <a:t>{</a:t>
+              <a:t>public </a:t>
+            </a:r>
+            <a:r>
+              <a:rPr lang="en-US" sz="1400" b="1" dirty="0">
+                <a:solidFill>
+                  <a:schemeClr val="tx1">
+                    <a:lumMod val="85000"/>
+                    <a:lumOff val="15000"/>
+                  </a:schemeClr>
+                </a:solidFill>
+                <a:latin typeface="Courier New" pitchFamily="49" charset="0"/>
+                <a:cs typeface="Courier New" pitchFamily="49" charset="0"/>
+              </a:rPr>
+              <a:t>List&lt; Recipe &gt; </a:t>
+            </a:r>
+            <a:r>
+              <a:rPr lang="en-US" sz="1400" b="1" dirty="0" err="1">
+                <a:solidFill>
+                  <a:schemeClr val="tx1">
+                    <a:lumMod val="85000"/>
+                    <a:lumOff val="15000"/>
+                  </a:schemeClr>
+                </a:solidFill>
+                <a:latin typeface="Courier New" pitchFamily="49" charset="0"/>
+                <a:cs typeface="Courier New" pitchFamily="49" charset="0"/>
+              </a:rPr>
+              <a:t>findByName</a:t>
+            </a:r>
+            <a:r>
+              <a:rPr lang="en-US" sz="1400" b="1" dirty="0">
+                <a:solidFill>
+                  <a:schemeClr val="tx1">
+                    <a:lumMod val="85000"/>
+                    <a:lumOff val="15000"/>
+                  </a:schemeClr>
+                </a:solidFill>
+                <a:latin typeface="Courier New" pitchFamily="49" charset="0"/>
+                <a:cs typeface="Courier New" pitchFamily="49" charset="0"/>
+              </a:rPr>
+              <a:t>( String name );</a:t>
             </a:r>
           </a:p>
           <a:p>
@@ -9046,92 +11320,7 @@
               </a:buClr>
             </a:pPr>
             <a:r>
-              <a:rPr lang="en-US" sz="1400" b="1" dirty="0" smtClean="0">
-                <a:solidFill>
-                  <a:schemeClr val="tx1">
-                    <a:lumMod val="85000"/>
-                    <a:lumOff val="15000"/>
-                  </a:schemeClr>
-                </a:solidFill>
-                <a:latin typeface="Courier New" pitchFamily="49" charset="0"/>
-                <a:cs typeface="Courier New" pitchFamily="49" charset="0"/>
-              </a:rPr>
-              <a:t>    ...</a:t>
-            </a:r>
-          </a:p>
-          <a:p>
-            <a:pPr>
-              <a:buClr>
-                <a:schemeClr val="tx1">
-                  <a:lumMod val="85000"/>
-                  <a:lumOff val="15000"/>
-                </a:schemeClr>
-              </a:buClr>
-            </a:pPr>
-            <a:r>
-              <a:rPr lang="en-US" sz="1400" b="1" dirty="0" smtClean="0">
-                <a:solidFill>
-                  <a:schemeClr val="tx1">
-                    <a:lumMod val="85000"/>
-                    <a:lumOff val="15000"/>
-                  </a:schemeClr>
-                </a:solidFill>
-                <a:latin typeface="Courier New" pitchFamily="49" charset="0"/>
-                <a:cs typeface="Courier New" pitchFamily="49" charset="0"/>
-              </a:rPr>
-              <a:t>    public </a:t>
-            </a:r>
-            <a:r>
-              <a:rPr lang="en-US" sz="1400" b="1" dirty="0">
-                <a:solidFill>
-                  <a:schemeClr val="tx1">
-                    <a:lumMod val="85000"/>
-                    <a:lumOff val="15000"/>
-                  </a:schemeClr>
-                </a:solidFill>
-                <a:latin typeface="Courier New" pitchFamily="49" charset="0"/>
-                <a:cs typeface="Courier New" pitchFamily="49" charset="0"/>
-              </a:rPr>
-              <a:t>List&lt; Recipe &gt; </a:t>
-            </a:r>
-            <a:r>
-              <a:rPr lang="en-US" sz="1400" b="1" dirty="0" err="1">
-                <a:solidFill>
-                  <a:schemeClr val="tx1">
-                    <a:lumMod val="85000"/>
-                    <a:lumOff val="15000"/>
-                  </a:schemeClr>
-                </a:solidFill>
-                <a:latin typeface="Courier New" pitchFamily="49" charset="0"/>
-                <a:cs typeface="Courier New" pitchFamily="49" charset="0"/>
-              </a:rPr>
-              <a:t>findByName</a:t>
-            </a:r>
-            <a:r>
-              <a:rPr lang="en-US" sz="1400" b="1" dirty="0">
-                <a:solidFill>
-                  <a:schemeClr val="tx1">
-                    <a:lumMod val="85000"/>
-                    <a:lumOff val="15000"/>
-                  </a:schemeClr>
-                </a:solidFill>
-                <a:latin typeface="Courier New" pitchFamily="49" charset="0"/>
-                <a:cs typeface="Courier New" pitchFamily="49" charset="0"/>
-              </a:rPr>
-              <a:t>( String name );</a:t>
-            </a:r>
-          </a:p>
-          <a:p>
-            <a:pPr>
-              <a:buClr>
-                <a:schemeClr val="tx1">
-                  <a:lumMod val="85000"/>
-                  <a:lumOff val="15000"/>
-                </a:schemeClr>
-              </a:buClr>
-            </a:pPr>
-            <a:r>
-              <a:rPr lang="en-US" sz="1400" b="1" dirty="0" smtClean="0">
+              <a:rPr lang="en-US" sz="1400" dirty="0" smtClean="0">
                 <a:solidFill>
                   <a:schemeClr val="tx1">
                     <a:lumMod val="85000"/>
@@ -9174,7 +11363,7 @@
               </a:buClr>
             </a:pPr>
             <a:r>
-              <a:rPr lang="en-US" sz="1400" b="1" dirty="0">
+              <a:rPr lang="en-US" sz="1400" dirty="0">
                 <a:solidFill>
                   <a:schemeClr val="tx1">
                     <a:lumMod val="85000"/>
@@ -9187,7 +11376,7 @@
               <a:t>public class </a:t>
             </a:r>
             <a:r>
-              <a:rPr lang="en-US" sz="1400" b="1" dirty="0" err="1">
+              <a:rPr lang="en-US" sz="1400" dirty="0" err="1">
                 <a:solidFill>
                   <a:schemeClr val="tx1">
                     <a:lumMod val="85000"/>
@@ -9200,7 +11389,7 @@
               <a:t>RecipeService</a:t>
             </a:r>
             <a:r>
-              <a:rPr lang="en-US" sz="1400" b="1" dirty="0">
+              <a:rPr lang="en-US" sz="1400" dirty="0">
                 <a:solidFill>
                   <a:schemeClr val="tx1">
                     <a:lumMod val="85000"/>
@@ -9213,7 +11402,7 @@
               <a:t> implements </a:t>
             </a:r>
             <a:r>
-              <a:rPr lang="en-US" sz="1400" b="1" dirty="0" err="1">
+              <a:rPr lang="en-US" sz="1400" dirty="0" err="1">
                 <a:solidFill>
                   <a:schemeClr val="tx1">
                     <a:lumMod val="85000"/>
@@ -9225,7 +11414,7 @@
               </a:rPr>
               <a:t>IRecipeService</a:t>
             </a:r>
-            <a:endParaRPr lang="en-US" sz="1400" b="1" dirty="0">
+            <a:endParaRPr lang="en-US" sz="1400" dirty="0">
               <a:solidFill>
                 <a:schemeClr val="tx1">
                   <a:lumMod val="85000"/>
@@ -9246,7 +11435,7 @@
               </a:buClr>
             </a:pPr>
             <a:r>
-              <a:rPr lang="en-US" sz="1400" b="1" dirty="0">
+              <a:rPr lang="en-US" sz="1400" dirty="0">
                 <a:solidFill>
                   <a:schemeClr val="tx1">
                     <a:lumMod val="85000"/>
@@ -9269,6 +11458,55 @@
               </a:buClr>
             </a:pPr>
             <a:r>
+              <a:rPr lang="en-US" sz="1400" dirty="0" smtClean="0">
+                <a:solidFill>
+                  <a:schemeClr val="tx1">
+                    <a:lumMod val="85000"/>
+                    <a:lumOff val="15000"/>
+                  </a:schemeClr>
+                </a:solidFill>
+                <a:latin typeface="Courier New" pitchFamily="49" charset="0"/>
+                <a:cs typeface="Courier New" pitchFamily="49" charset="0"/>
+              </a:rPr>
+              <a:t>    ...</a:t>
+            </a:r>
+            <a:r>
+              <a:rPr lang="en-US" sz="1400" dirty="0">
+                <a:solidFill>
+                  <a:schemeClr val="tx1">
+                    <a:lumMod val="85000"/>
+                    <a:lumOff val="15000"/>
+                  </a:schemeClr>
+                </a:solidFill>
+                <a:latin typeface="Courier New" pitchFamily="49" charset="0"/>
+                <a:cs typeface="Courier New" pitchFamily="49" charset="0"/>
+              </a:rPr>
+              <a:t>	</a:t>
+            </a:r>
+          </a:p>
+          <a:p>
+            <a:pPr>
+              <a:buClr>
+                <a:schemeClr val="tx1">
+                  <a:lumMod val="85000"/>
+                  <a:lumOff val="15000"/>
+                </a:schemeClr>
+              </a:buClr>
+            </a:pPr>
+            <a:r>
+              <a:rPr lang="ru-RU" sz="1400" dirty="0" smtClean="0">
+                <a:solidFill>
+                  <a:schemeClr val="tx1">
+                    <a:lumMod val="85000"/>
+                    <a:lumOff val="15000"/>
+                  </a:schemeClr>
+                </a:solidFill>
+                <a:latin typeface="Courier New" pitchFamily="49" charset="0"/>
+                <a:cs typeface="Courier New" pitchFamily="49" charset="0"/>
+              </a:rPr>
+              <a:t>    </a:t>
+            </a:r>
+            <a:r>
               <a:rPr lang="en-US" sz="1400" b="1" dirty="0" smtClean="0">
                 <a:solidFill>
                   <a:schemeClr val="tx1">
@@ -9279,79 +11517,7 @@
                 <a:latin typeface="Courier New" pitchFamily="49" charset="0"/>
                 <a:cs typeface="Courier New" pitchFamily="49" charset="0"/>
               </a:rPr>
-              <a:t>    ...</a:t>
-            </a:r>
-            <a:r>
-              <a:rPr lang="en-US" sz="1400" b="1" dirty="0">
-                <a:solidFill>
-                  <a:schemeClr val="tx1">
-                    <a:lumMod val="85000"/>
-                    <a:lumOff val="15000"/>
-                  </a:schemeClr>
-                </a:solidFill>
-                <a:latin typeface="Courier New" pitchFamily="49" charset="0"/>
-                <a:cs typeface="Courier New" pitchFamily="49" charset="0"/>
-              </a:rPr>
-              <a:t>	</a:t>
-            </a:r>
-          </a:p>
-          <a:p>
-            <a:pPr>
-              <a:buClr>
-                <a:schemeClr val="tx1">
-                  <a:lumMod val="85000"/>
-                  <a:lumOff val="15000"/>
-                </a:schemeClr>
-              </a:buClr>
-            </a:pPr>
-            <a:r>
-              <a:rPr lang="en-US" sz="1400" b="1" dirty="0" smtClean="0">
-                <a:solidFill>
-                  <a:schemeClr val="tx1">
-                    <a:lumMod val="85000"/>
-                    <a:lumOff val="15000"/>
-                  </a:schemeClr>
-                </a:solidFill>
-                <a:latin typeface="Courier New" pitchFamily="49" charset="0"/>
-                <a:cs typeface="Courier New" pitchFamily="49" charset="0"/>
-              </a:rPr>
-              <a:t>    @</a:t>
-            </a:r>
-            <a:r>
-              <a:rPr lang="en-US" sz="1400" b="1" dirty="0">
-                <a:solidFill>
-                  <a:schemeClr val="tx1">
-                    <a:lumMod val="85000"/>
-                    <a:lumOff val="15000"/>
-                  </a:schemeClr>
-                </a:solidFill>
-                <a:latin typeface="Courier New" pitchFamily="49" charset="0"/>
-                <a:cs typeface="Courier New" pitchFamily="49" charset="0"/>
-              </a:rPr>
-              <a:t>Transactional</a:t>
-            </a:r>
-          </a:p>
-          <a:p>
-            <a:pPr>
-              <a:buClr>
-                <a:schemeClr val="tx1">
-                  <a:lumMod val="85000"/>
-                  <a:lumOff val="15000"/>
-                </a:schemeClr>
-              </a:buClr>
-            </a:pPr>
-            <a:r>
-              <a:rPr lang="en-US" sz="1400" b="1" dirty="0" smtClean="0">
-                <a:solidFill>
-                  <a:schemeClr val="tx1">
-                    <a:lumMod val="85000"/>
-                    <a:lumOff val="15000"/>
-                  </a:schemeClr>
-                </a:solidFill>
-                <a:latin typeface="Courier New" pitchFamily="49" charset="0"/>
-                <a:cs typeface="Courier New" pitchFamily="49" charset="0"/>
-              </a:rPr>
-              <a:t>    public </a:t>
+              <a:t>public </a:t>
             </a:r>
             <a:r>
               <a:rPr lang="en-US" sz="1400" b="1" dirty="0">
@@ -9518,7 +11684,7 @@
               </a:buClr>
             </a:pPr>
             <a:r>
-              <a:rPr lang="en-US" sz="1400" b="1" dirty="0">
+              <a:rPr lang="en-US" sz="1400" dirty="0">
                 <a:solidFill>
                   <a:schemeClr val="tx1">
                     <a:lumMod val="85000"/>
@@ -9616,6 +11782,836 @@
             <a:pPr algn="l"/>
             <a:r>
               <a:rPr lang="en-US" sz="3200" dirty="0" smtClean="0"/>
+              <a:t>JPQL</a:t>
+            </a:r>
+            <a:endParaRPr lang="ru-RU" sz="3200" dirty="0"/>
+          </a:p>
+        </p:txBody>
+      </p:sp>
+      <p:cxnSp>
+        <p:nvCxnSpPr>
+          <p:cNvPr id="7" name="Straight Connector 6"/>
+          <p:cNvCxnSpPr/>
+          <p:nvPr/>
+        </p:nvCxnSpPr>
+        <p:spPr>
+          <a:xfrm>
+            <a:off x="428596" y="714356"/>
+            <a:ext cx="8286808" cy="1588"/>
+          </a:xfrm>
+          <a:prstGeom prst="line">
+            <a:avLst/>
+          </a:prstGeom>
+          <a:ln>
+            <a:solidFill>
+              <a:schemeClr val="tx1"/>
+            </a:solidFill>
+          </a:ln>
+        </p:spPr>
+        <p:style>
+          <a:lnRef idx="1">
+            <a:schemeClr val="accent1"/>
+          </a:lnRef>
+          <a:fillRef idx="0">
+            <a:schemeClr val="accent1"/>
+          </a:fillRef>
+          <a:effectRef idx="0">
+            <a:schemeClr val="accent1"/>
+          </a:effectRef>
+          <a:fontRef idx="minor">
+            <a:schemeClr val="tx1"/>
+          </a:fontRef>
+        </p:style>
+      </p:cxnSp>
+      <p:sp>
+        <p:nvSpPr>
+          <p:cNvPr id="10" name="TextBox 9"/>
+          <p:cNvSpPr txBox="1"/>
+          <p:nvPr/>
+        </p:nvSpPr>
+        <p:spPr>
+          <a:xfrm>
+            <a:off x="428596" y="1000108"/>
+            <a:ext cx="8286808" cy="4493538"/>
+          </a:xfrm>
+          <a:prstGeom prst="rect">
+            <a:avLst/>
+          </a:prstGeom>
+          <a:noFill/>
+        </p:spPr>
+        <p:txBody>
+          <a:bodyPr wrap="square" rtlCol="0">
+            <a:spAutoFit/>
+          </a:bodyPr>
+          <a:lstStyle/>
+          <a:p>
+            <a:pPr>
+              <a:buClr>
+                <a:schemeClr val="tx1">
+                  <a:lumMod val="85000"/>
+                  <a:lumOff val="15000"/>
+                </a:schemeClr>
+              </a:buClr>
+            </a:pPr>
+            <a:r>
+              <a:rPr lang="en-US" dirty="0" smtClean="0">
+                <a:solidFill>
+                  <a:schemeClr val="tx1">
+                    <a:lumMod val="85000"/>
+                    <a:lumOff val="15000"/>
+                  </a:schemeClr>
+                </a:solidFill>
+              </a:rPr>
+              <a:t>JPQL – Java Persistence Query Language</a:t>
+            </a:r>
+            <a:endParaRPr lang="en-US" dirty="0" smtClean="0">
+              <a:solidFill>
+                <a:schemeClr val="tx1">
+                  <a:lumMod val="85000"/>
+                  <a:lumOff val="15000"/>
+                </a:schemeClr>
+              </a:solidFill>
+              <a:cs typeface="Courier New" pitchFamily="49" charset="0"/>
+            </a:endParaRPr>
+          </a:p>
+          <a:p>
+            <a:pPr>
+              <a:buClr>
+                <a:schemeClr val="tx1">
+                  <a:lumMod val="85000"/>
+                  <a:lumOff val="15000"/>
+                </a:schemeClr>
+              </a:buClr>
+            </a:pPr>
+            <a:endParaRPr lang="en-US" sz="1400" dirty="0">
+              <a:solidFill>
+                <a:schemeClr val="tx1">
+                  <a:lumMod val="85000"/>
+                  <a:lumOff val="15000"/>
+                </a:schemeClr>
+              </a:solidFill>
+              <a:latin typeface="Courier New" pitchFamily="49" charset="0"/>
+              <a:cs typeface="Courier New" pitchFamily="49" charset="0"/>
+            </a:endParaRPr>
+          </a:p>
+          <a:p>
+            <a:pPr>
+              <a:buClr>
+                <a:schemeClr val="tx1">
+                  <a:lumMod val="85000"/>
+                  <a:lumOff val="15000"/>
+                </a:schemeClr>
+              </a:buClr>
+            </a:pPr>
+            <a:r>
+              <a:rPr lang="en-US" sz="1400" dirty="0" smtClean="0">
+                <a:solidFill>
+                  <a:schemeClr val="tx1">
+                    <a:lumMod val="85000"/>
+                    <a:lumOff val="15000"/>
+                  </a:schemeClr>
+                </a:solidFill>
+                <a:latin typeface="Courier New" pitchFamily="49" charset="0"/>
+                <a:cs typeface="Courier New" pitchFamily="49" charset="0"/>
+              </a:rPr>
+              <a:t>@Query</a:t>
+            </a:r>
+            <a:r>
+              <a:rPr lang="en-US" sz="1400" dirty="0">
+                <a:solidFill>
+                  <a:schemeClr val="tx1">
+                    <a:lumMod val="85000"/>
+                    <a:lumOff val="15000"/>
+                  </a:schemeClr>
+                </a:solidFill>
+                <a:latin typeface="Courier New" pitchFamily="49" charset="0"/>
+                <a:cs typeface="Courier New" pitchFamily="49" charset="0"/>
+              </a:rPr>
+              <a:t>( </a:t>
+            </a:r>
+            <a:r>
+              <a:rPr lang="en-US" sz="1400" b="1" dirty="0">
+                <a:solidFill>
+                  <a:schemeClr val="tx1">
+                    <a:lumMod val="85000"/>
+                    <a:lumOff val="15000"/>
+                  </a:schemeClr>
+                </a:solidFill>
+                <a:latin typeface="Courier New" pitchFamily="49" charset="0"/>
+                <a:cs typeface="Courier New" pitchFamily="49" charset="0"/>
+              </a:rPr>
+              <a:t>"select r from Recipe r where r.name = :name "</a:t>
+            </a:r>
+            <a:r>
+              <a:rPr lang="en-US" sz="1400" dirty="0">
+                <a:solidFill>
+                  <a:schemeClr val="tx1">
+                    <a:lumMod val="85000"/>
+                    <a:lumOff val="15000"/>
+                  </a:schemeClr>
+                </a:solidFill>
+                <a:latin typeface="Courier New" pitchFamily="49" charset="0"/>
+                <a:cs typeface="Courier New" pitchFamily="49" charset="0"/>
+              </a:rPr>
+              <a:t> </a:t>
+            </a:r>
+            <a:r>
+              <a:rPr lang="en-US" sz="1400" dirty="0" smtClean="0">
+                <a:solidFill>
+                  <a:schemeClr val="tx1">
+                    <a:lumMod val="85000"/>
+                    <a:lumOff val="15000"/>
+                  </a:schemeClr>
+                </a:solidFill>
+                <a:latin typeface="Courier New" pitchFamily="49" charset="0"/>
+                <a:cs typeface="Courier New" pitchFamily="49" charset="0"/>
+              </a:rPr>
+              <a:t>)</a:t>
+            </a:r>
+          </a:p>
+          <a:p>
+            <a:pPr>
+              <a:buClr>
+                <a:schemeClr val="tx1">
+                  <a:lumMod val="85000"/>
+                  <a:lumOff val="15000"/>
+                </a:schemeClr>
+              </a:buClr>
+            </a:pPr>
+            <a:endParaRPr lang="en-US" sz="1400" b="1" dirty="0" smtClean="0">
+              <a:solidFill>
+                <a:schemeClr val="tx1">
+                  <a:lumMod val="85000"/>
+                  <a:lumOff val="15000"/>
+                </a:schemeClr>
+              </a:solidFill>
+              <a:latin typeface="Courier New" pitchFamily="49" charset="0"/>
+              <a:cs typeface="Courier New" pitchFamily="49" charset="0"/>
+            </a:endParaRPr>
+          </a:p>
+          <a:p>
+            <a:pPr>
+              <a:buClr>
+                <a:schemeClr val="tx1">
+                  <a:lumMod val="85000"/>
+                  <a:lumOff val="15000"/>
+                </a:schemeClr>
+              </a:buClr>
+            </a:pPr>
+            <a:r>
+              <a:rPr lang="en-US" sz="1400" b="1" dirty="0" smtClean="0">
+                <a:solidFill>
+                  <a:schemeClr val="tx1">
+                    <a:lumMod val="85000"/>
+                    <a:lumOff val="15000"/>
+                  </a:schemeClr>
+                </a:solidFill>
+                <a:latin typeface="Courier New" pitchFamily="49" charset="0"/>
+                <a:cs typeface="Courier New" pitchFamily="49" charset="0"/>
+              </a:rPr>
+              <a:t>@</a:t>
+            </a:r>
+            <a:r>
+              <a:rPr lang="en-US" sz="1400" b="1" dirty="0" err="1" smtClean="0">
+                <a:solidFill>
+                  <a:schemeClr val="tx1">
+                    <a:lumMod val="85000"/>
+                    <a:lumOff val="15000"/>
+                  </a:schemeClr>
+                </a:solidFill>
+                <a:latin typeface="Courier New" pitchFamily="49" charset="0"/>
+                <a:cs typeface="Courier New" pitchFamily="49" charset="0"/>
+              </a:rPr>
+              <a:t>Param</a:t>
+            </a:r>
+            <a:r>
+              <a:rPr lang="en-US" sz="1400" b="1" dirty="0">
+                <a:solidFill>
+                  <a:schemeClr val="tx1">
+                    <a:lumMod val="85000"/>
+                    <a:lumOff val="15000"/>
+                  </a:schemeClr>
+                </a:solidFill>
+                <a:latin typeface="Courier New" pitchFamily="49" charset="0"/>
+                <a:cs typeface="Courier New" pitchFamily="49" charset="0"/>
+              </a:rPr>
+              <a:t>( "name" ) String </a:t>
+            </a:r>
+            <a:r>
+              <a:rPr lang="en-US" sz="1400" b="1" dirty="0" smtClean="0">
+                <a:solidFill>
+                  <a:schemeClr val="tx1">
+                    <a:lumMod val="85000"/>
+                    <a:lumOff val="15000"/>
+                  </a:schemeClr>
+                </a:solidFill>
+                <a:latin typeface="Courier New" pitchFamily="49" charset="0"/>
+                <a:cs typeface="Courier New" pitchFamily="49" charset="0"/>
+              </a:rPr>
+              <a:t>name -&gt; :name</a:t>
+            </a:r>
+            <a:endParaRPr lang="en-US" sz="1400" dirty="0">
+              <a:solidFill>
+                <a:schemeClr val="tx1">
+                  <a:lumMod val="85000"/>
+                  <a:lumOff val="15000"/>
+                </a:schemeClr>
+              </a:solidFill>
+              <a:latin typeface="Courier New" pitchFamily="49" charset="0"/>
+              <a:cs typeface="Courier New" pitchFamily="49" charset="0"/>
+            </a:endParaRPr>
+          </a:p>
+          <a:p>
+            <a:pPr>
+              <a:buClr>
+                <a:schemeClr val="tx1">
+                  <a:lumMod val="85000"/>
+                  <a:lumOff val="15000"/>
+                </a:schemeClr>
+              </a:buClr>
+            </a:pPr>
+            <a:endParaRPr lang="ru-RU" sz="1400" b="1" dirty="0" smtClean="0">
+              <a:solidFill>
+                <a:schemeClr val="tx1">
+                  <a:lumMod val="85000"/>
+                  <a:lumOff val="15000"/>
+                </a:schemeClr>
+              </a:solidFill>
+              <a:latin typeface="Courier New" pitchFamily="49" charset="0"/>
+              <a:cs typeface="Courier New" pitchFamily="49" charset="0"/>
+            </a:endParaRPr>
+          </a:p>
+          <a:p>
+            <a:pPr marL="285750" indent="-285750">
+              <a:buClr>
+                <a:schemeClr val="tx1">
+                  <a:lumMod val="85000"/>
+                  <a:lumOff val="15000"/>
+                </a:schemeClr>
+              </a:buClr>
+              <a:buFont typeface="Arial" panose="020B0604020202020204" pitchFamily="34" charset="0"/>
+              <a:buChar char="•"/>
+            </a:pPr>
+            <a:r>
+              <a:rPr lang="en-US" dirty="0" smtClean="0">
+                <a:solidFill>
+                  <a:schemeClr val="tx1">
+                    <a:lumMod val="85000"/>
+                    <a:lumOff val="15000"/>
+                  </a:schemeClr>
+                </a:solidFill>
+              </a:rPr>
+              <a:t>select – r </a:t>
+            </a:r>
+            <a:r>
+              <a:rPr lang="ru-RU" dirty="0" smtClean="0">
+                <a:solidFill>
+                  <a:schemeClr val="tx1">
+                    <a:lumMod val="85000"/>
+                    <a:lumOff val="15000"/>
+                  </a:schemeClr>
+                </a:solidFill>
+              </a:rPr>
+              <a:t>или </a:t>
+            </a:r>
+            <a:r>
+              <a:rPr lang="en-US" dirty="0" smtClean="0">
+                <a:solidFill>
+                  <a:schemeClr val="tx1">
+                    <a:lumMod val="85000"/>
+                    <a:lumOff val="15000"/>
+                  </a:schemeClr>
+                </a:solidFill>
+              </a:rPr>
+              <a:t>r.name, r.id</a:t>
+            </a:r>
+          </a:p>
+          <a:p>
+            <a:pPr marL="285750" indent="-285750">
+              <a:buClr>
+                <a:schemeClr val="tx1">
+                  <a:lumMod val="85000"/>
+                  <a:lumOff val="15000"/>
+                </a:schemeClr>
+              </a:buClr>
+              <a:buFont typeface="Arial" panose="020B0604020202020204" pitchFamily="34" charset="0"/>
+              <a:buChar char="•"/>
+            </a:pPr>
+            <a:r>
+              <a:rPr lang="en-US" dirty="0" smtClean="0">
+                <a:solidFill>
+                  <a:schemeClr val="tx1">
+                    <a:lumMod val="85000"/>
+                    <a:lumOff val="15000"/>
+                  </a:schemeClr>
+                </a:solidFill>
+              </a:rPr>
+              <a:t>from – </a:t>
+            </a:r>
+            <a:r>
+              <a:rPr lang="ru-RU" dirty="0" smtClean="0">
+                <a:solidFill>
+                  <a:schemeClr val="tx1">
+                    <a:lumMod val="85000"/>
+                    <a:lumOff val="15000"/>
+                  </a:schemeClr>
+                </a:solidFill>
+              </a:rPr>
+              <a:t>выбираем из объектов, т.е. </a:t>
+            </a:r>
+            <a:r>
+              <a:rPr lang="en-US" dirty="0" smtClean="0">
+                <a:solidFill>
+                  <a:schemeClr val="tx1">
+                    <a:lumMod val="85000"/>
+                    <a:lumOff val="15000"/>
+                  </a:schemeClr>
+                </a:solidFill>
+              </a:rPr>
+              <a:t>Recipe – </a:t>
+            </a:r>
+            <a:r>
+              <a:rPr lang="ru-RU" dirty="0" smtClean="0">
+                <a:solidFill>
+                  <a:schemeClr val="tx1">
+                    <a:lumMod val="85000"/>
+                    <a:lumOff val="15000"/>
+                  </a:schemeClr>
+                </a:solidFill>
+              </a:rPr>
+              <a:t>это сущность, </a:t>
+            </a:r>
+          </a:p>
+          <a:p>
+            <a:pPr marL="742950" lvl="1" indent="-285750">
+              <a:buClr>
+                <a:schemeClr val="tx1">
+                  <a:lumMod val="85000"/>
+                  <a:lumOff val="15000"/>
+                </a:schemeClr>
+              </a:buClr>
+              <a:buFont typeface="Arial" panose="020B0604020202020204" pitchFamily="34" charset="0"/>
+              <a:buChar char="•"/>
+            </a:pPr>
+            <a:r>
+              <a:rPr lang="en-US" dirty="0" smtClean="0">
+                <a:solidFill>
+                  <a:schemeClr val="tx1">
+                    <a:lumMod val="85000"/>
+                    <a:lumOff val="15000"/>
+                  </a:schemeClr>
+                </a:solidFill>
+              </a:rPr>
+              <a:t>Recipe r – </a:t>
+            </a:r>
+            <a:r>
+              <a:rPr lang="ru-RU" dirty="0" smtClean="0">
+                <a:solidFill>
+                  <a:schemeClr val="tx1">
+                    <a:lumMod val="85000"/>
+                    <a:lumOff val="15000"/>
+                  </a:schemeClr>
+                </a:solidFill>
+              </a:rPr>
+              <a:t>означает что в рамках </a:t>
+            </a:r>
+            <a:r>
+              <a:rPr lang="en-US" dirty="0" err="1" smtClean="0">
+                <a:solidFill>
+                  <a:schemeClr val="tx1">
+                    <a:lumMod val="85000"/>
+                    <a:lumOff val="15000"/>
+                  </a:schemeClr>
+                </a:solidFill>
+              </a:rPr>
+              <a:t>jpql</a:t>
+            </a:r>
+            <a:r>
+              <a:rPr lang="en-US" dirty="0" smtClean="0">
+                <a:solidFill>
+                  <a:schemeClr val="tx1">
+                    <a:lumMod val="85000"/>
+                    <a:lumOff val="15000"/>
+                  </a:schemeClr>
+                </a:solidFill>
+              </a:rPr>
+              <a:t> </a:t>
+            </a:r>
+            <a:r>
+              <a:rPr lang="ru-RU" dirty="0" smtClean="0">
+                <a:solidFill>
+                  <a:schemeClr val="tx1">
+                    <a:lumMod val="85000"/>
+                    <a:lumOff val="15000"/>
+                  </a:schemeClr>
+                </a:solidFill>
+              </a:rPr>
+              <a:t>запроса эта сущность будет под именем </a:t>
+            </a:r>
+            <a:r>
+              <a:rPr lang="en-US" dirty="0" smtClean="0">
+                <a:solidFill>
+                  <a:schemeClr val="tx1">
+                    <a:lumMod val="85000"/>
+                    <a:lumOff val="15000"/>
+                  </a:schemeClr>
+                </a:solidFill>
+              </a:rPr>
+              <a:t>“r”</a:t>
+            </a:r>
+          </a:p>
+          <a:p>
+            <a:pPr marL="285750" indent="-285750">
+              <a:buClr>
+                <a:schemeClr val="tx1">
+                  <a:lumMod val="85000"/>
+                  <a:lumOff val="15000"/>
+                </a:schemeClr>
+              </a:buClr>
+              <a:buFont typeface="Arial" panose="020B0604020202020204" pitchFamily="34" charset="0"/>
+              <a:buChar char="•"/>
+            </a:pPr>
+            <a:r>
+              <a:rPr lang="en-US" dirty="0">
+                <a:solidFill>
+                  <a:schemeClr val="tx1">
+                    <a:lumMod val="85000"/>
+                    <a:lumOff val="15000"/>
+                  </a:schemeClr>
+                </a:solidFill>
+              </a:rPr>
+              <a:t>w</a:t>
+            </a:r>
+            <a:r>
+              <a:rPr lang="en-US" dirty="0" smtClean="0">
+                <a:solidFill>
+                  <a:schemeClr val="tx1">
+                    <a:lumMod val="85000"/>
+                    <a:lumOff val="15000"/>
+                  </a:schemeClr>
+                </a:solidFill>
+              </a:rPr>
+              <a:t>here </a:t>
+            </a:r>
+            <a:r>
+              <a:rPr lang="ru-RU" dirty="0" smtClean="0">
+                <a:solidFill>
+                  <a:schemeClr val="tx1">
+                    <a:lumMod val="85000"/>
+                    <a:lumOff val="15000"/>
+                  </a:schemeClr>
+                </a:solidFill>
+              </a:rPr>
+              <a:t>– традиционно, но с учетом </a:t>
+            </a:r>
+            <a:r>
+              <a:rPr lang="ru-RU" dirty="0" err="1" smtClean="0">
+                <a:solidFill>
+                  <a:schemeClr val="tx1">
+                    <a:lumMod val="85000"/>
+                    <a:lumOff val="15000"/>
+                  </a:schemeClr>
+                </a:solidFill>
+              </a:rPr>
+              <a:t>объектности</a:t>
+            </a:r>
+            <a:r>
+              <a:rPr lang="en-US" dirty="0" smtClean="0">
+                <a:solidFill>
+                  <a:schemeClr val="tx1">
+                    <a:lumMod val="85000"/>
+                    <a:lumOff val="15000"/>
+                  </a:schemeClr>
+                </a:solidFill>
+              </a:rPr>
+              <a:t> </a:t>
+            </a:r>
+            <a:endParaRPr lang="ru-RU" dirty="0" smtClean="0">
+              <a:solidFill>
+                <a:schemeClr val="tx1">
+                  <a:lumMod val="85000"/>
+                  <a:lumOff val="15000"/>
+                </a:schemeClr>
+              </a:solidFill>
+            </a:endParaRPr>
+          </a:p>
+          <a:p>
+            <a:pPr marL="742950" lvl="1" indent="-285750">
+              <a:buClr>
+                <a:schemeClr val="tx1">
+                  <a:lumMod val="85000"/>
+                  <a:lumOff val="15000"/>
+                </a:schemeClr>
+              </a:buClr>
+              <a:buFont typeface="Arial" panose="020B0604020202020204" pitchFamily="34" charset="0"/>
+              <a:buChar char="•"/>
+            </a:pPr>
+            <a:r>
+              <a:rPr lang="en-US" dirty="0" smtClean="0">
+                <a:solidFill>
+                  <a:schemeClr val="tx1">
+                    <a:lumMod val="85000"/>
+                    <a:lumOff val="15000"/>
+                  </a:schemeClr>
+                </a:solidFill>
+              </a:rPr>
+              <a:t>r.name – name – </a:t>
+            </a:r>
+            <a:r>
+              <a:rPr lang="ru-RU" dirty="0" smtClean="0">
+                <a:solidFill>
+                  <a:schemeClr val="tx1">
+                    <a:lumMod val="85000"/>
+                    <a:lumOff val="15000"/>
+                  </a:schemeClr>
+                </a:solidFill>
+              </a:rPr>
+              <a:t>имя поля в сущности</a:t>
+            </a:r>
+          </a:p>
+          <a:p>
+            <a:pPr marL="285750" indent="-285750">
+              <a:buClr>
+                <a:schemeClr val="tx1">
+                  <a:lumMod val="85000"/>
+                  <a:lumOff val="15000"/>
+                </a:schemeClr>
+              </a:buClr>
+              <a:buFont typeface="Arial" panose="020B0604020202020204" pitchFamily="34" charset="0"/>
+              <a:buChar char="•"/>
+            </a:pPr>
+            <a:r>
+              <a:rPr lang="en-US" dirty="0" smtClean="0">
+                <a:solidFill>
+                  <a:schemeClr val="tx1">
+                    <a:lumMod val="85000"/>
+                    <a:lumOff val="15000"/>
+                  </a:schemeClr>
+                </a:solidFill>
+              </a:rPr>
+              <a:t>order by – </a:t>
+            </a:r>
+            <a:r>
+              <a:rPr lang="ru-RU" dirty="0" smtClean="0">
+                <a:solidFill>
+                  <a:schemeClr val="tx1">
+                    <a:lumMod val="85000"/>
+                    <a:lumOff val="15000"/>
+                  </a:schemeClr>
+                </a:solidFill>
+              </a:rPr>
+              <a:t>аналогично</a:t>
+            </a:r>
+            <a:endParaRPr lang="en-US" dirty="0" smtClean="0">
+              <a:solidFill>
+                <a:schemeClr val="tx1">
+                  <a:lumMod val="85000"/>
+                  <a:lumOff val="15000"/>
+                </a:schemeClr>
+              </a:solidFill>
+            </a:endParaRPr>
+          </a:p>
+          <a:p>
+            <a:pPr marL="285750" indent="-285750">
+              <a:buClr>
+                <a:schemeClr val="tx1">
+                  <a:lumMod val="85000"/>
+                  <a:lumOff val="15000"/>
+                </a:schemeClr>
+              </a:buClr>
+              <a:buFont typeface="Arial" panose="020B0604020202020204" pitchFamily="34" charset="0"/>
+              <a:buChar char="•"/>
+            </a:pPr>
+            <a:r>
+              <a:rPr lang="ru-RU" dirty="0" smtClean="0">
+                <a:solidFill>
+                  <a:schemeClr val="tx1">
+                    <a:lumMod val="85000"/>
+                    <a:lumOff val="15000"/>
+                  </a:schemeClr>
+                </a:solidFill>
+              </a:rPr>
+              <a:t>Можно использовать </a:t>
+            </a:r>
+            <a:r>
+              <a:rPr lang="ru-RU" dirty="0" err="1" smtClean="0">
+                <a:solidFill>
+                  <a:schemeClr val="tx1">
+                    <a:lumMod val="85000"/>
+                    <a:lumOff val="15000"/>
+                  </a:schemeClr>
+                </a:solidFill>
+              </a:rPr>
+              <a:t>каскадность</a:t>
+            </a:r>
+            <a:r>
+              <a:rPr lang="ru-RU" dirty="0" smtClean="0">
+                <a:solidFill>
+                  <a:schemeClr val="tx1">
+                    <a:lumMod val="85000"/>
+                    <a:lumOff val="15000"/>
+                  </a:schemeClr>
+                </a:solidFill>
+              </a:rPr>
+              <a:t> сущности, например</a:t>
+            </a:r>
+          </a:p>
+          <a:p>
+            <a:pPr marL="742950" lvl="1" indent="-285750">
+              <a:buClr>
+                <a:schemeClr val="tx1">
+                  <a:lumMod val="85000"/>
+                  <a:lumOff val="15000"/>
+                </a:schemeClr>
+              </a:buClr>
+              <a:buFont typeface="Arial" panose="020B0604020202020204" pitchFamily="34" charset="0"/>
+              <a:buChar char="•"/>
+            </a:pPr>
+            <a:r>
+              <a:rPr lang="en-US" dirty="0" smtClean="0">
+                <a:solidFill>
+                  <a:schemeClr val="tx1">
+                    <a:lumMod val="85000"/>
+                    <a:lumOff val="15000"/>
+                  </a:schemeClr>
+                </a:solidFill>
+              </a:rPr>
+              <a:t>select i.recipe.id from Ingredient </a:t>
+            </a:r>
+            <a:r>
+              <a:rPr lang="en-US" dirty="0" err="1" smtClean="0">
+                <a:solidFill>
+                  <a:schemeClr val="tx1">
+                    <a:lumMod val="85000"/>
+                    <a:lumOff val="15000"/>
+                  </a:schemeClr>
+                </a:solidFill>
+              </a:rPr>
+              <a:t>i</a:t>
+            </a:r>
+            <a:r>
+              <a:rPr lang="en-US" dirty="0" smtClean="0">
+                <a:solidFill>
+                  <a:schemeClr val="tx1">
+                    <a:lumMod val="85000"/>
+                    <a:lumOff val="15000"/>
+                  </a:schemeClr>
+                </a:solidFill>
+              </a:rPr>
+              <a:t> …</a:t>
+            </a:r>
+            <a:endParaRPr lang="en-US" dirty="0" smtClean="0">
+              <a:solidFill>
+                <a:schemeClr val="tx1">
+                  <a:lumMod val="85000"/>
+                  <a:lumOff val="15000"/>
+                </a:schemeClr>
+              </a:solidFill>
+            </a:endParaRPr>
+          </a:p>
+          <a:p>
+            <a:pPr>
+              <a:buClr>
+                <a:schemeClr val="tx1">
+                  <a:lumMod val="85000"/>
+                  <a:lumOff val="15000"/>
+                </a:schemeClr>
+              </a:buClr>
+            </a:pPr>
+            <a:endParaRPr lang="en-US" dirty="0">
+              <a:solidFill>
+                <a:schemeClr val="tx1">
+                  <a:lumMod val="85000"/>
+                  <a:lumOff val="15000"/>
+                </a:schemeClr>
+              </a:solidFill>
+            </a:endParaRPr>
+          </a:p>
+          <a:p>
+            <a:pPr>
+              <a:buClr>
+                <a:schemeClr val="tx1">
+                  <a:lumMod val="85000"/>
+                  <a:lumOff val="15000"/>
+                </a:schemeClr>
+              </a:buClr>
+            </a:pPr>
+            <a:endParaRPr lang="en-US" dirty="0" smtClean="0">
+              <a:solidFill>
+                <a:schemeClr val="tx1">
+                  <a:lumMod val="85000"/>
+                  <a:lumOff val="15000"/>
+                </a:schemeClr>
+              </a:solidFill>
+            </a:endParaRPr>
+          </a:p>
+        </p:txBody>
+      </p:sp>
+    </p:spTree>
+    <p:extLst>
+      <p:ext uri="{BB962C8B-B14F-4D97-AF65-F5344CB8AC3E}">
+        <p14:creationId xmlns:p14="http://schemas.microsoft.com/office/powerpoint/2010/main" val="1543055483"/>
+      </p:ext>
+    </p:extLst>
+  </p:cSld>
+  <p:clrMapOvr>
+    <a:masterClrMapping/>
+  </p:clrMapOvr>
+  <p:timing>
+    <p:tnLst>
+      <p:par>
+        <p:cTn id="1" dur="indefinite" restart="never" nodeType="tmRoot"/>
+      </p:par>
+    </p:tnLst>
+  </p:timing>
+</p:sld>
+</file>
+
+<file path=ppt/slides/slide6.xml><?xml version="1.0" encoding="utf-8"?>
+<p:sld xmlns:a="http://schemas.openxmlformats.org/drawingml/2006/main" xmlns:r="http://schemas.openxmlformats.org/officeDocument/2006/relationships" xmlns:p="http://schemas.openxmlformats.org/presentationml/2006/main">
+  <p:cSld>
+    <p:spTree>
+      <p:nvGrpSpPr>
+        <p:cNvPr id="1" name=""/>
+        <p:cNvGrpSpPr/>
+        <p:nvPr/>
+      </p:nvGrpSpPr>
+      <p:grpSpPr>
+        <a:xfrm>
+          <a:off x="0" y="0"/>
+          <a:ext cx="0" cy="0"/>
+          <a:chOff x="0" y="0"/>
+          <a:chExt cx="0" cy="0"/>
+        </a:xfrm>
+      </p:grpSpPr>
+      <p:sp>
+        <p:nvSpPr>
+          <p:cNvPr id="2" name="Title 1"/>
+          <p:cNvSpPr>
+            <a:spLocks noGrp="1"/>
+          </p:cNvSpPr>
+          <p:nvPr>
+            <p:ph type="title"/>
+          </p:nvPr>
+        </p:nvSpPr>
+        <p:spPr>
+          <a:xfrm>
+            <a:off x="457200" y="274638"/>
+            <a:ext cx="8229600" cy="439718"/>
+          </a:xfrm>
+          <a:ln>
+            <a:noFill/>
+          </a:ln>
+        </p:spPr>
+        <p:txBody>
+          <a:bodyPr>
+            <a:normAutofit fontScale="90000"/>
+          </a:bodyPr>
+          <a:lstStyle/>
+          <a:p>
+            <a:pPr algn="l"/>
+            <a:r>
+              <a:rPr lang="en-US" sz="3200" dirty="0" smtClean="0"/>
               <a:t>Web-</a:t>
             </a:r>
             <a:r>
@@ -9813,7 +12809,7 @@
       </p:sp>
       <p:pic>
         <p:nvPicPr>
-          <p:cNvPr id="3" name="Рисунок 2"/>
+          <p:cNvPr id="4" name="Рисунок 3"/>
           <p:cNvPicPr>
             <a:picLocks noChangeAspect="1"/>
           </p:cNvPicPr>
@@ -9833,8 +12829,8 @@
         </p:blipFill>
         <p:spPr>
           <a:xfrm>
-            <a:off x="3467100" y="1971675"/>
-            <a:ext cx="2209800" cy="2914650"/>
+            <a:off x="2500571" y="2960216"/>
+            <a:ext cx="4142857" cy="1980952"/>
           </a:xfrm>
           <a:prstGeom prst="rect">
             <a:avLst/>
@@ -9861,7 +12857,7 @@
 </p:sld>
 </file>
 
-<file path=ppt/slides/slide6.xml><?xml version="1.0" encoding="utf-8"?>
+<file path=ppt/slides/slide7.xml><?xml version="1.0" encoding="utf-8"?>
 <p:sld xmlns:a="http://schemas.openxmlformats.org/drawingml/2006/main" xmlns:r="http://schemas.openxmlformats.org/officeDocument/2006/relationships" xmlns:p="http://schemas.openxmlformats.org/presentationml/2006/main">
   <p:cSld>
     <p:spTree>
@@ -9956,7 +12952,7 @@
         <p:spPr>
           <a:xfrm>
             <a:off x="428596" y="1000108"/>
-            <a:ext cx="8286808" cy="1200329"/>
+            <a:ext cx="8286808" cy="1754326"/>
           </a:xfrm>
           <a:prstGeom prst="rect">
             <a:avLst/>
@@ -10086,8 +13082,94 @@
                 </a:solidFill>
                 <a:cs typeface="Courier New" pitchFamily="49" charset="0"/>
               </a:rPr>
-              <a:t>Оперирует функциями</a:t>
-            </a:r>
+              <a:t>Оперирует </a:t>
+            </a:r>
+            <a:r>
+              <a:rPr lang="ru-RU" dirty="0" smtClean="0">
+                <a:solidFill>
+                  <a:schemeClr val="tx1">
+                    <a:lumMod val="85000"/>
+                    <a:lumOff val="15000"/>
+                  </a:schemeClr>
+                </a:solidFill>
+                <a:cs typeface="Courier New" pitchFamily="49" charset="0"/>
+              </a:rPr>
+              <a:t>функциями</a:t>
+            </a:r>
+            <a:endParaRPr lang="en-US" dirty="0" smtClean="0">
+              <a:solidFill>
+                <a:schemeClr val="tx1">
+                  <a:lumMod val="85000"/>
+                  <a:lumOff val="15000"/>
+                </a:schemeClr>
+              </a:solidFill>
+              <a:cs typeface="Courier New" pitchFamily="49" charset="0"/>
+            </a:endParaRPr>
+          </a:p>
+          <a:p>
+            <a:pPr>
+              <a:buClr>
+                <a:schemeClr val="tx1">
+                  <a:lumMod val="85000"/>
+                  <a:lumOff val="15000"/>
+                </a:schemeClr>
+              </a:buClr>
+            </a:pPr>
+            <a:r>
+              <a:rPr lang="ru-RU" dirty="0" smtClean="0">
+                <a:solidFill>
+                  <a:schemeClr val="tx1">
+                    <a:lumMod val="85000"/>
+                    <a:lumOff val="15000"/>
+                  </a:schemeClr>
+                </a:solidFill>
+                <a:cs typeface="Courier New" pitchFamily="49" charset="0"/>
+              </a:rPr>
+              <a:t>Содержит описание сервиса – </a:t>
+            </a:r>
+            <a:r>
+              <a:rPr lang="en-US" dirty="0" smtClean="0">
+                <a:solidFill>
+                  <a:schemeClr val="tx1">
+                    <a:lumMod val="85000"/>
+                    <a:lumOff val="15000"/>
+                  </a:schemeClr>
+                </a:solidFill>
+                <a:cs typeface="Courier New" pitchFamily="49" charset="0"/>
+              </a:rPr>
+              <a:t>WSDL</a:t>
+            </a:r>
+          </a:p>
+          <a:p>
+            <a:pPr>
+              <a:buClr>
+                <a:schemeClr val="tx1">
+                  <a:lumMod val="85000"/>
+                  <a:lumOff val="15000"/>
+                </a:schemeClr>
+              </a:buClr>
+            </a:pPr>
+            <a:r>
+              <a:rPr lang="en-US" dirty="0" smtClean="0">
+                <a:solidFill>
+                  <a:schemeClr val="tx1">
+                    <a:lumMod val="85000"/>
+                    <a:lumOff val="15000"/>
+                  </a:schemeClr>
+                </a:solidFill>
+                <a:cs typeface="Courier New" pitchFamily="49" charset="0"/>
+              </a:rPr>
+              <a:t>(Web Service Definition Language)</a:t>
+            </a:r>
+            <a:endParaRPr lang="ru-RU" dirty="0" smtClean="0">
+              <a:solidFill>
+                <a:schemeClr val="tx1">
+                  <a:lumMod val="85000"/>
+                  <a:lumOff val="15000"/>
+                </a:schemeClr>
+              </a:solidFill>
+              <a:cs typeface="Courier New" pitchFamily="49" charset="0"/>
+            </a:endParaRPr>
           </a:p>
         </p:txBody>
       </p:sp>
@@ -10612,7 +13694,7 @@
 </p:sld>
 </file>
 
-<file path=ppt/slides/slide7.xml><?xml version="1.0" encoding="utf-8"?>
+<file path=ppt/slides/slide8.xml><?xml version="1.0" encoding="utf-8"?>
 <p:sld xmlns:a="http://schemas.openxmlformats.org/drawingml/2006/main" xmlns:r="http://schemas.openxmlformats.org/officeDocument/2006/relationships" xmlns:p="http://schemas.openxmlformats.org/presentationml/2006/main">
   <p:cSld>
     <p:spTree>
@@ -10903,7 +13985,7 @@
 </p:sld>
 </file>
 
-<file path=ppt/slides/slide8.xml><?xml version="1.0" encoding="utf-8"?>
+<file path=ppt/slides/slide9.xml><?xml version="1.0" encoding="utf-8"?>
 <p:sld xmlns:a="http://schemas.openxmlformats.org/drawingml/2006/main" xmlns:r="http://schemas.openxmlformats.org/officeDocument/2006/relationships" xmlns:p="http://schemas.openxmlformats.org/presentationml/2006/main">
   <p:cSld>
     <p:spTree>
@@ -10998,7 +14080,7 @@
         <p:spPr>
           <a:xfrm>
             <a:off x="428596" y="1000108"/>
-            <a:ext cx="8286808" cy="4524315"/>
+            <a:ext cx="8286808" cy="4801314"/>
           </a:xfrm>
           <a:prstGeom prst="rect">
             <a:avLst/>
@@ -11221,7 +14303,63 @@
                 </a:solidFill>
                 <a:cs typeface="Courier New" pitchFamily="49" charset="0"/>
               </a:rPr>
-              <a:t>Оперирует объектами</a:t>
+              <a:t>Оперирует </a:t>
+            </a:r>
+            <a:r>
+              <a:rPr lang="ru-RU" dirty="0" smtClean="0">
+                <a:solidFill>
+                  <a:schemeClr val="tx1">
+                    <a:lumMod val="85000"/>
+                    <a:lumOff val="15000"/>
+                  </a:schemeClr>
+                </a:solidFill>
+                <a:cs typeface="Courier New" pitchFamily="49" charset="0"/>
+              </a:rPr>
+              <a:t>объектами</a:t>
+            </a:r>
+            <a:endParaRPr lang="en-US" dirty="0" smtClean="0">
+              <a:solidFill>
+                <a:schemeClr val="tx1">
+                  <a:lumMod val="85000"/>
+                  <a:lumOff val="15000"/>
+                </a:schemeClr>
+              </a:solidFill>
+              <a:cs typeface="Courier New" pitchFamily="49" charset="0"/>
+            </a:endParaRPr>
+          </a:p>
+          <a:p>
+            <a:pPr marL="342900" indent="-342900">
+              <a:buClr>
+                <a:schemeClr val="tx1">
+                  <a:lumMod val="85000"/>
+                  <a:lumOff val="15000"/>
+                </a:schemeClr>
+              </a:buClr>
+              <a:buAutoNum type="arabicPeriod"/>
+            </a:pPr>
+            <a:r>
+              <a:rPr lang="ru-RU" dirty="0" smtClean="0">
+                <a:solidFill>
+                  <a:schemeClr val="tx1">
+                    <a:lumMod val="85000"/>
+                    <a:lumOff val="15000"/>
+                  </a:schemeClr>
+                </a:solidFill>
+                <a:cs typeface="Courier New" pitchFamily="49" charset="0"/>
+              </a:rPr>
+              <a:t>Как правило используется </a:t>
+            </a:r>
+            <a:r>
+              <a:rPr lang="en-US" dirty="0" smtClean="0">
+                <a:solidFill>
+                  <a:schemeClr val="tx1">
+                    <a:lumMod val="85000"/>
+                    <a:lumOff val="15000"/>
+                  </a:schemeClr>
+                </a:solidFill>
+                <a:cs typeface="Courier New" pitchFamily="49" charset="0"/>
+              </a:rPr>
+              <a:t>JSON</a:t>
             </a:r>
             <a:endParaRPr lang="en-US" dirty="0" smtClean="0">
               <a:solidFill>
@@ -11570,667 +14708,6 @@
     <p:extLst>
       <p:ext uri="{BB962C8B-B14F-4D97-AF65-F5344CB8AC3E}">
         <p14:creationId xmlns:p14="http://schemas.microsoft.com/office/powerpoint/2010/main" val="1135351824"/>
-      </p:ext>
-    </p:extLst>
-  </p:cSld>
-  <p:clrMapOvr>
-    <a:masterClrMapping/>
-  </p:clrMapOvr>
-  <p:timing>
-    <p:tnLst>
-      <p:par>
-        <p:cTn id="1" dur="indefinite" restart="never" nodeType="tmRoot"/>
-      </p:par>
-    </p:tnLst>
-  </p:timing>
-</p:sld>
-</file>
-
-<file path=ppt/slides/slide9.xml><?xml version="1.0" encoding="utf-8"?>
-<p:sld xmlns:a="http://schemas.openxmlformats.org/drawingml/2006/main" xmlns:r="http://schemas.openxmlformats.org/officeDocument/2006/relationships" xmlns:p="http://schemas.openxmlformats.org/presentationml/2006/main">
-  <p:cSld>
-    <p:spTree>
-      <p:nvGrpSpPr>
-        <p:cNvPr id="1" name=""/>
-        <p:cNvGrpSpPr/>
-        <p:nvPr/>
-      </p:nvGrpSpPr>
-      <p:grpSpPr>
-        <a:xfrm>
-          <a:off x="0" y="0"/>
-          <a:ext cx="0" cy="0"/>
-          <a:chOff x="0" y="0"/>
-          <a:chExt cx="0" cy="0"/>
-        </a:xfrm>
-      </p:grpSpPr>
-      <p:sp>
-        <p:nvSpPr>
-          <p:cNvPr id="2" name="Title 1"/>
-          <p:cNvSpPr>
-            <a:spLocks noGrp="1"/>
-          </p:cNvSpPr>
-          <p:nvPr>
-            <p:ph type="title"/>
-          </p:nvPr>
-        </p:nvSpPr>
-        <p:spPr>
-          <a:xfrm>
-            <a:off x="457200" y="274638"/>
-            <a:ext cx="8229600" cy="439718"/>
-          </a:xfrm>
-          <a:ln>
-            <a:noFill/>
-          </a:ln>
-        </p:spPr>
-        <p:txBody>
-          <a:bodyPr>
-            <a:normAutofit fontScale="90000"/>
-          </a:bodyPr>
-          <a:lstStyle/>
-          <a:p>
-            <a:pPr algn="l"/>
-            <a:r>
-              <a:rPr lang="en-US" sz="3200" dirty="0" smtClean="0"/>
-              <a:t>REST</a:t>
-            </a:r>
-            <a:endParaRPr lang="ru-RU" sz="3200" dirty="0"/>
-          </a:p>
-        </p:txBody>
-      </p:sp>
-      <p:cxnSp>
-        <p:nvCxnSpPr>
-          <p:cNvPr id="7" name="Straight Connector 6"/>
-          <p:cNvCxnSpPr/>
-          <p:nvPr/>
-        </p:nvCxnSpPr>
-        <p:spPr>
-          <a:xfrm>
-            <a:off x="428596" y="714356"/>
-            <a:ext cx="8286808" cy="1588"/>
-          </a:xfrm>
-          <a:prstGeom prst="line">
-            <a:avLst/>
-          </a:prstGeom>
-          <a:ln>
-            <a:solidFill>
-              <a:schemeClr val="tx1"/>
-            </a:solidFill>
-          </a:ln>
-        </p:spPr>
-        <p:style>
-          <a:lnRef idx="1">
-            <a:schemeClr val="accent1"/>
-          </a:lnRef>
-          <a:fillRef idx="0">
-            <a:schemeClr val="accent1"/>
-          </a:fillRef>
-          <a:effectRef idx="0">
-            <a:schemeClr val="accent1"/>
-          </a:effectRef>
-          <a:fontRef idx="minor">
-            <a:schemeClr val="tx1"/>
-          </a:fontRef>
-        </p:style>
-      </p:cxnSp>
-      <p:sp>
-        <p:nvSpPr>
-          <p:cNvPr id="10" name="TextBox 9"/>
-          <p:cNvSpPr txBox="1"/>
-          <p:nvPr/>
-        </p:nvSpPr>
-        <p:spPr>
-          <a:xfrm>
-            <a:off x="428596" y="1000108"/>
-            <a:ext cx="8286808" cy="4524315"/>
-          </a:xfrm>
-          <a:prstGeom prst="rect">
-            <a:avLst/>
-          </a:prstGeom>
-          <a:noFill/>
-        </p:spPr>
-        <p:txBody>
-          <a:bodyPr wrap="square" rtlCol="0">
-            <a:spAutoFit/>
-          </a:bodyPr>
-          <a:lstStyle/>
-          <a:p>
-            <a:pPr>
-              <a:buClr>
-                <a:schemeClr val="tx1">
-                  <a:lumMod val="85000"/>
-                  <a:lumOff val="15000"/>
-                </a:schemeClr>
-              </a:buClr>
-            </a:pPr>
-            <a:r>
-              <a:rPr lang="ru-RU" dirty="0" smtClean="0">
-                <a:solidFill>
-                  <a:schemeClr val="tx1">
-                    <a:lumMod val="85000"/>
-                    <a:lumOff val="15000"/>
-                  </a:schemeClr>
-                </a:solidFill>
-                <a:cs typeface="Courier New" pitchFamily="49" charset="0"/>
-              </a:rPr>
-              <a:t>Пример. Смоделировать </a:t>
-            </a:r>
-            <a:r>
-              <a:rPr lang="en-US" dirty="0" smtClean="0">
-                <a:solidFill>
-                  <a:schemeClr val="tx1">
-                    <a:lumMod val="85000"/>
-                    <a:lumOff val="15000"/>
-                  </a:schemeClr>
-                </a:solidFill>
-                <a:cs typeface="Courier New" pitchFamily="49" charset="0"/>
-              </a:rPr>
-              <a:t>API </a:t>
-            </a:r>
-            <a:r>
-              <a:rPr lang="ru-RU" dirty="0" smtClean="0">
-                <a:solidFill>
-                  <a:schemeClr val="tx1">
-                    <a:lumMod val="85000"/>
-                    <a:lumOff val="15000"/>
-                  </a:schemeClr>
-                </a:solidFill>
-                <a:cs typeface="Courier New" pitchFamily="49" charset="0"/>
-              </a:rPr>
-              <a:t>для работы с рецептами. Рецепт может содержать несколько ингредиентов.</a:t>
-            </a:r>
-            <a:endParaRPr lang="en-US" dirty="0" smtClean="0">
-              <a:solidFill>
-                <a:schemeClr val="tx1">
-                  <a:lumMod val="85000"/>
-                  <a:lumOff val="15000"/>
-                </a:schemeClr>
-              </a:solidFill>
-              <a:cs typeface="Courier New" pitchFamily="49" charset="0"/>
-            </a:endParaRPr>
-          </a:p>
-          <a:p>
-            <a:pPr>
-              <a:buClr>
-                <a:schemeClr val="tx1">
-                  <a:lumMod val="85000"/>
-                  <a:lumOff val="15000"/>
-                </a:schemeClr>
-              </a:buClr>
-            </a:pPr>
-            <a:endParaRPr lang="en-US" dirty="0">
-              <a:solidFill>
-                <a:schemeClr val="tx1">
-                  <a:lumMod val="85000"/>
-                  <a:lumOff val="15000"/>
-                </a:schemeClr>
-              </a:solidFill>
-              <a:cs typeface="Courier New" pitchFamily="49" charset="0"/>
-            </a:endParaRPr>
-          </a:p>
-          <a:p>
-            <a:pPr>
-              <a:buClr>
-                <a:schemeClr val="tx1">
-                  <a:lumMod val="85000"/>
-                  <a:lumOff val="15000"/>
-                </a:schemeClr>
-              </a:buClr>
-            </a:pPr>
-            <a:r>
-              <a:rPr lang="en-US" dirty="0" smtClean="0">
-                <a:solidFill>
-                  <a:schemeClr val="tx1">
-                    <a:lumMod val="85000"/>
-                    <a:lumOff val="15000"/>
-                  </a:schemeClr>
-                </a:solidFill>
-                <a:cs typeface="Courier New" pitchFamily="49" charset="0"/>
-              </a:rPr>
-              <a:t>API</a:t>
-            </a:r>
-            <a:endParaRPr lang="ru-RU" dirty="0" smtClean="0">
-              <a:solidFill>
-                <a:schemeClr val="tx1">
-                  <a:lumMod val="85000"/>
-                  <a:lumOff val="15000"/>
-                </a:schemeClr>
-              </a:solidFill>
-              <a:cs typeface="Courier New" pitchFamily="49" charset="0"/>
-            </a:endParaRPr>
-          </a:p>
-          <a:p>
-            <a:pPr>
-              <a:buClr>
-                <a:schemeClr val="tx1">
-                  <a:lumMod val="85000"/>
-                  <a:lumOff val="15000"/>
-                </a:schemeClr>
-              </a:buClr>
-            </a:pPr>
-            <a:endParaRPr lang="en-US" dirty="0" smtClean="0">
-              <a:solidFill>
-                <a:schemeClr val="tx1">
-                  <a:lumMod val="85000"/>
-                  <a:lumOff val="15000"/>
-                </a:schemeClr>
-              </a:solidFill>
-              <a:cs typeface="Courier New" pitchFamily="49" charset="0"/>
-            </a:endParaRPr>
-          </a:p>
-          <a:p>
-            <a:pPr marL="285750" indent="-285750">
-              <a:buClr>
-                <a:schemeClr val="tx1">
-                  <a:lumMod val="85000"/>
-                  <a:lumOff val="15000"/>
-                </a:schemeClr>
-              </a:buClr>
-              <a:buFont typeface="Arial" pitchFamily="34" charset="0"/>
-              <a:buChar char="•"/>
-            </a:pPr>
-            <a:r>
-              <a:rPr lang="en-US" dirty="0" smtClean="0">
-                <a:solidFill>
-                  <a:schemeClr val="tx1">
-                    <a:lumMod val="85000"/>
-                    <a:lumOff val="15000"/>
-                  </a:schemeClr>
-                </a:solidFill>
-                <a:cs typeface="Courier New" pitchFamily="49" charset="0"/>
-              </a:rPr>
-              <a:t>URL: /recipes</a:t>
-            </a:r>
-          </a:p>
-          <a:p>
-            <a:pPr marL="742950" lvl="1" indent="-285750">
-              <a:buClr>
-                <a:schemeClr val="tx1">
-                  <a:lumMod val="85000"/>
-                  <a:lumOff val="15000"/>
-                </a:schemeClr>
-              </a:buClr>
-              <a:buFont typeface="Arial" pitchFamily="34" charset="0"/>
-              <a:buChar char="•"/>
-            </a:pPr>
-            <a:r>
-              <a:rPr lang="en-US" dirty="0" smtClean="0">
-                <a:solidFill>
-                  <a:schemeClr val="tx1">
-                    <a:lumMod val="85000"/>
-                    <a:lumOff val="15000"/>
-                  </a:schemeClr>
-                </a:solidFill>
-                <a:cs typeface="Courier New" pitchFamily="49" charset="0"/>
-              </a:rPr>
-              <a:t>GET: </a:t>
-            </a:r>
-            <a:r>
-              <a:rPr lang="ru-RU" dirty="0" smtClean="0">
-                <a:solidFill>
-                  <a:schemeClr val="tx1">
-                    <a:lumMod val="85000"/>
-                    <a:lumOff val="15000"/>
-                  </a:schemeClr>
-                </a:solidFill>
-                <a:cs typeface="Courier New" pitchFamily="49" charset="0"/>
-              </a:rPr>
-              <a:t>получить все имеющиеся рецепты</a:t>
-            </a:r>
-            <a:endParaRPr lang="en-US" dirty="0" smtClean="0">
-              <a:solidFill>
-                <a:schemeClr val="tx1">
-                  <a:lumMod val="85000"/>
-                  <a:lumOff val="15000"/>
-                </a:schemeClr>
-              </a:solidFill>
-              <a:cs typeface="Courier New" pitchFamily="49" charset="0"/>
-            </a:endParaRPr>
-          </a:p>
-          <a:p>
-            <a:pPr marL="742950" lvl="1" indent="-285750">
-              <a:buClr>
-                <a:schemeClr val="tx1">
-                  <a:lumMod val="85000"/>
-                  <a:lumOff val="15000"/>
-                </a:schemeClr>
-              </a:buClr>
-              <a:buFont typeface="Arial" pitchFamily="34" charset="0"/>
-              <a:buChar char="•"/>
-            </a:pPr>
-            <a:r>
-              <a:rPr lang="en-US" dirty="0" smtClean="0">
-                <a:solidFill>
-                  <a:schemeClr val="tx1">
-                    <a:lumMod val="85000"/>
-                    <a:lumOff val="15000"/>
-                  </a:schemeClr>
-                </a:solidFill>
-                <a:cs typeface="Courier New" pitchFamily="49" charset="0"/>
-              </a:rPr>
-              <a:t>POST: </a:t>
-            </a:r>
-            <a:r>
-              <a:rPr lang="ru-RU" dirty="0" smtClean="0">
-                <a:solidFill>
-                  <a:schemeClr val="tx1">
-                    <a:lumMod val="85000"/>
-                    <a:lumOff val="15000"/>
-                  </a:schemeClr>
-                </a:solidFill>
-                <a:cs typeface="Courier New" pitchFamily="49" charset="0"/>
-              </a:rPr>
-              <a:t>добавить новый рецепт</a:t>
-            </a:r>
-            <a:endParaRPr lang="en-US" dirty="0" smtClean="0">
-              <a:solidFill>
-                <a:schemeClr val="tx1">
-                  <a:lumMod val="85000"/>
-                  <a:lumOff val="15000"/>
-                </a:schemeClr>
-              </a:solidFill>
-              <a:cs typeface="Courier New" pitchFamily="49" charset="0"/>
-            </a:endParaRPr>
-          </a:p>
-          <a:p>
-            <a:pPr marL="742950" lvl="1" indent="-285750">
-              <a:buClr>
-                <a:schemeClr val="tx1">
-                  <a:lumMod val="85000"/>
-                  <a:lumOff val="15000"/>
-                </a:schemeClr>
-              </a:buClr>
-              <a:buFont typeface="Arial" pitchFamily="34" charset="0"/>
-              <a:buChar char="•"/>
-            </a:pPr>
-            <a:r>
-              <a:rPr lang="en-US" dirty="0" smtClean="0">
-                <a:solidFill>
-                  <a:schemeClr val="tx1">
-                    <a:lumMod val="85000"/>
-                    <a:lumOff val="15000"/>
-                  </a:schemeClr>
-                </a:solidFill>
-                <a:cs typeface="Courier New" pitchFamily="49" charset="0"/>
-              </a:rPr>
-              <a:t>PUT: </a:t>
-            </a:r>
-            <a:r>
-              <a:rPr lang="ru-RU" dirty="0" smtClean="0">
-                <a:solidFill>
-                  <a:schemeClr val="tx1">
-                    <a:lumMod val="85000"/>
-                    <a:lumOff val="15000"/>
-                  </a:schemeClr>
-                </a:solidFill>
-                <a:cs typeface="Courier New" pitchFamily="49" charset="0"/>
-              </a:rPr>
-              <a:t>не определено</a:t>
-            </a:r>
-          </a:p>
-          <a:p>
-            <a:pPr marL="742950" lvl="1" indent="-285750">
-              <a:buClr>
-                <a:schemeClr val="tx1">
-                  <a:lumMod val="85000"/>
-                  <a:lumOff val="15000"/>
-                </a:schemeClr>
-              </a:buClr>
-              <a:buFont typeface="Arial" pitchFamily="34" charset="0"/>
-              <a:buChar char="•"/>
-            </a:pPr>
-            <a:r>
-              <a:rPr lang="en-US" dirty="0" smtClean="0">
-                <a:solidFill>
-                  <a:schemeClr val="tx1">
-                    <a:lumMod val="85000"/>
-                    <a:lumOff val="15000"/>
-                  </a:schemeClr>
-                </a:solidFill>
-                <a:cs typeface="Courier New" pitchFamily="49" charset="0"/>
-              </a:rPr>
-              <a:t>DELETE: </a:t>
-            </a:r>
-            <a:r>
-              <a:rPr lang="ru-RU" dirty="0" smtClean="0">
-                <a:solidFill>
-                  <a:schemeClr val="tx1">
-                    <a:lumMod val="85000"/>
-                    <a:lumOff val="15000"/>
-                  </a:schemeClr>
-                </a:solidFill>
-                <a:cs typeface="Courier New" pitchFamily="49" charset="0"/>
-              </a:rPr>
-              <a:t>не определено</a:t>
-            </a:r>
-          </a:p>
-          <a:p>
-            <a:pPr marL="742950" lvl="1" indent="-285750">
-              <a:buClr>
-                <a:schemeClr val="tx1">
-                  <a:lumMod val="85000"/>
-                  <a:lumOff val="15000"/>
-                </a:schemeClr>
-              </a:buClr>
-              <a:buFont typeface="Arial" pitchFamily="34" charset="0"/>
-              <a:buChar char="•"/>
-            </a:pPr>
-            <a:endParaRPr lang="en-US" dirty="0" smtClean="0">
-              <a:solidFill>
-                <a:schemeClr val="tx1">
-                  <a:lumMod val="85000"/>
-                  <a:lumOff val="15000"/>
-                </a:schemeClr>
-              </a:solidFill>
-              <a:cs typeface="Courier New" pitchFamily="49" charset="0"/>
-            </a:endParaRPr>
-          </a:p>
-          <a:p>
-            <a:pPr marL="285750" indent="-285750">
-              <a:buClr>
-                <a:schemeClr val="tx1">
-                  <a:lumMod val="85000"/>
-                  <a:lumOff val="15000"/>
-                </a:schemeClr>
-              </a:buClr>
-              <a:buFont typeface="Arial" pitchFamily="34" charset="0"/>
-              <a:buChar char="•"/>
-            </a:pPr>
-            <a:r>
-              <a:rPr lang="en-US" dirty="0" smtClean="0">
-                <a:solidFill>
-                  <a:schemeClr val="tx1">
-                    <a:lumMod val="85000"/>
-                    <a:lumOff val="15000"/>
-                  </a:schemeClr>
-                </a:solidFill>
-                <a:cs typeface="Courier New" pitchFamily="49" charset="0"/>
-              </a:rPr>
-              <a:t>URL: /</a:t>
-            </a:r>
-            <a:r>
-              <a:rPr lang="en-US" dirty="0" err="1" smtClean="0">
-                <a:solidFill>
-                  <a:schemeClr val="tx1">
-                    <a:lumMod val="85000"/>
-                    <a:lumOff val="15000"/>
-                  </a:schemeClr>
-                </a:solidFill>
-                <a:cs typeface="Courier New" pitchFamily="49" charset="0"/>
-              </a:rPr>
-              <a:t>receipes</a:t>
-            </a:r>
-            <a:r>
-              <a:rPr lang="en-US" dirty="0" smtClean="0">
-                <a:solidFill>
-                  <a:schemeClr val="tx1">
-                    <a:lumMod val="85000"/>
-                    <a:lumOff val="15000"/>
-                  </a:schemeClr>
-                </a:solidFill>
-                <a:cs typeface="Courier New" pitchFamily="49" charset="0"/>
-              </a:rPr>
-              <a:t>/{id}</a:t>
-            </a:r>
-          </a:p>
-          <a:p>
-            <a:pPr marL="742950" lvl="1" indent="-285750">
-              <a:buClr>
-                <a:schemeClr val="tx1">
-                  <a:lumMod val="85000"/>
-                  <a:lumOff val="15000"/>
-                </a:schemeClr>
-              </a:buClr>
-              <a:buFont typeface="Arial" pitchFamily="34" charset="0"/>
-              <a:buChar char="•"/>
-            </a:pPr>
-            <a:r>
-              <a:rPr lang="en-US" dirty="0" smtClean="0">
-                <a:solidFill>
-                  <a:schemeClr val="tx1">
-                    <a:lumMod val="85000"/>
-                    <a:lumOff val="15000"/>
-                  </a:schemeClr>
-                </a:solidFill>
-                <a:cs typeface="Courier New" pitchFamily="49" charset="0"/>
-              </a:rPr>
-              <a:t>GET: </a:t>
-            </a:r>
-            <a:r>
-              <a:rPr lang="ru-RU" dirty="0" smtClean="0">
-                <a:solidFill>
-                  <a:schemeClr val="tx1">
-                    <a:lumMod val="85000"/>
-                    <a:lumOff val="15000"/>
-                  </a:schemeClr>
-                </a:solidFill>
-                <a:cs typeface="Courier New" pitchFamily="49" charset="0"/>
-              </a:rPr>
-              <a:t>получить информацию по конкретному рецепту</a:t>
-            </a:r>
-          </a:p>
-          <a:p>
-            <a:pPr marL="742950" lvl="1" indent="-285750">
-              <a:buClr>
-                <a:schemeClr val="tx1">
-                  <a:lumMod val="85000"/>
-                  <a:lumOff val="15000"/>
-                </a:schemeClr>
-              </a:buClr>
-              <a:buFont typeface="Arial" pitchFamily="34" charset="0"/>
-              <a:buChar char="•"/>
-            </a:pPr>
-            <a:r>
-              <a:rPr lang="en-US" dirty="0" smtClean="0">
-                <a:solidFill>
-                  <a:schemeClr val="tx1">
-                    <a:lumMod val="85000"/>
-                    <a:lumOff val="15000"/>
-                  </a:schemeClr>
-                </a:solidFill>
-                <a:cs typeface="Courier New" pitchFamily="49" charset="0"/>
-              </a:rPr>
-              <a:t>POST: </a:t>
-            </a:r>
-            <a:r>
-              <a:rPr lang="ru-RU" dirty="0" smtClean="0">
-                <a:solidFill>
-                  <a:schemeClr val="tx1">
-                    <a:lumMod val="85000"/>
-                    <a:lumOff val="15000"/>
-                  </a:schemeClr>
-                </a:solidFill>
-                <a:cs typeface="Courier New" pitchFamily="49" charset="0"/>
-              </a:rPr>
-              <a:t>не определено</a:t>
-            </a:r>
-          </a:p>
-          <a:p>
-            <a:pPr marL="742950" lvl="1" indent="-285750">
-              <a:buClr>
-                <a:schemeClr val="tx1">
-                  <a:lumMod val="85000"/>
-                  <a:lumOff val="15000"/>
-                </a:schemeClr>
-              </a:buClr>
-              <a:buFont typeface="Arial" pitchFamily="34" charset="0"/>
-              <a:buChar char="•"/>
-            </a:pPr>
-            <a:r>
-              <a:rPr lang="en-US" dirty="0" smtClean="0">
-                <a:solidFill>
-                  <a:schemeClr val="tx1">
-                    <a:lumMod val="85000"/>
-                    <a:lumOff val="15000"/>
-                  </a:schemeClr>
-                </a:solidFill>
-                <a:cs typeface="Courier New" pitchFamily="49" charset="0"/>
-              </a:rPr>
-              <a:t>PUT: </a:t>
-            </a:r>
-            <a:r>
-              <a:rPr lang="ru-RU" dirty="0" smtClean="0">
-                <a:solidFill>
-                  <a:schemeClr val="tx1">
-                    <a:lumMod val="85000"/>
-                    <a:lumOff val="15000"/>
-                  </a:schemeClr>
-                </a:solidFill>
-                <a:cs typeface="Courier New" pitchFamily="49" charset="0"/>
-              </a:rPr>
-              <a:t>изменить конкретный рецепт</a:t>
-            </a:r>
-          </a:p>
-          <a:p>
-            <a:pPr marL="742950" lvl="1" indent="-285750">
-              <a:buClr>
-                <a:schemeClr val="tx1">
-                  <a:lumMod val="85000"/>
-                  <a:lumOff val="15000"/>
-                </a:schemeClr>
-              </a:buClr>
-              <a:buFont typeface="Arial" pitchFamily="34" charset="0"/>
-              <a:buChar char="•"/>
-            </a:pPr>
-            <a:r>
-              <a:rPr lang="en-US" dirty="0" smtClean="0">
-                <a:solidFill>
-                  <a:schemeClr val="tx1">
-                    <a:lumMod val="85000"/>
-                    <a:lumOff val="15000"/>
-                  </a:schemeClr>
-                </a:solidFill>
-                <a:cs typeface="Courier New" pitchFamily="49" charset="0"/>
-              </a:rPr>
-              <a:t>DELETE: </a:t>
-            </a:r>
-            <a:r>
-              <a:rPr lang="ru-RU" dirty="0" smtClean="0">
-                <a:solidFill>
-                  <a:schemeClr val="tx1">
-                    <a:lumMod val="85000"/>
-                    <a:lumOff val="15000"/>
-                  </a:schemeClr>
-                </a:solidFill>
-                <a:cs typeface="Courier New" pitchFamily="49" charset="0"/>
-              </a:rPr>
-              <a:t>удалить рецепт</a:t>
-            </a:r>
-            <a:endParaRPr lang="en-US" dirty="0" smtClean="0">
-              <a:solidFill>
-                <a:schemeClr val="tx1">
-                  <a:lumMod val="85000"/>
-                  <a:lumOff val="15000"/>
-                </a:schemeClr>
-              </a:solidFill>
-              <a:cs typeface="Courier New" pitchFamily="49" charset="0"/>
-            </a:endParaRPr>
-          </a:p>
-        </p:txBody>
-      </p:sp>
-    </p:spTree>
-    <p:extLst>
-      <p:ext uri="{BB962C8B-B14F-4D97-AF65-F5344CB8AC3E}">
-        <p14:creationId xmlns:p14="http://schemas.microsoft.com/office/powerpoint/2010/main" val="2403013580"/>
       </p:ext>
     </p:extLst>
   </p:cSld>
